--- a/files/4. Selenium.pptx
+++ b/files/4. Selenium.pptx
@@ -6,7 +6,7 @@
     <p:sldMasterId id="2147483726" r:id="rId2"/>
   </p:sldMasterIdLst>
   <p:notesMasterIdLst>
-    <p:notesMasterId r:id="rId17"/>
+    <p:notesMasterId r:id="rId22"/>
   </p:notesMasterIdLst>
   <p:sldIdLst>
     <p:sldId id="256" r:id="rId3"/>
@@ -23,6 +23,11 @@
     <p:sldId id="267" r:id="rId14"/>
     <p:sldId id="268" r:id="rId15"/>
     <p:sldId id="269" r:id="rId16"/>
+    <p:sldId id="270" r:id="rId17"/>
+    <p:sldId id="271" r:id="rId18"/>
+    <p:sldId id="272" r:id="rId19"/>
+    <p:sldId id="273" r:id="rId20"/>
+    <p:sldId id="274" r:id="rId21"/>
   </p:sldIdLst>
   <p:sldSz cx="12192000" cy="6858000"/>
   <p:notesSz cx="6858000" cy="9144000"/>
@@ -3711,13 +3716,20 @@
         <a:lstStyle/>
         <a:p>
           <a:r>
-            <a:rPr lang="es-CR" sz="1600">
+            <a:rPr lang="es-CR" sz="1600" dirty="0" err="1">
               <a:latin typeface="Arial" panose="020B0604020202020204" pitchFamily="34" charset="0"/>
               <a:cs typeface="Arial" panose="020B0604020202020204" pitchFamily="34" charset="0"/>
             </a:rPr>
-            <a:t>maximize() – Maximiza ventana actual</a:t>
+            <a:t>maximize</a:t>
           </a:r>
-          <a:endParaRPr lang="en-US" sz="1600">
+          <a:r>
+            <a:rPr lang="es-CR" sz="1600" dirty="0">
+              <a:latin typeface="Arial" panose="020B0604020202020204" pitchFamily="34" charset="0"/>
+              <a:cs typeface="Arial" panose="020B0604020202020204" pitchFamily="34" charset="0"/>
+            </a:rPr>
+            <a:t>() – Maximiza ventana actual</a:t>
+          </a:r>
+          <a:endParaRPr lang="en-US" sz="1600" dirty="0">
             <a:latin typeface="Arial" panose="020B0604020202020204" pitchFamily="34" charset="0"/>
             <a:cs typeface="Arial" panose="020B0604020202020204" pitchFamily="34" charset="0"/>
           </a:endParaRPr>
@@ -5196,13 +5208,20 @@
             <a:buChar char="•"/>
           </a:pPr>
           <a:r>
-            <a:rPr lang="es-CR" sz="1600" kern="1200">
+            <a:rPr lang="es-CR" sz="1600" kern="1200" dirty="0" err="1">
               <a:latin typeface="Arial" panose="020B0604020202020204" pitchFamily="34" charset="0"/>
               <a:cs typeface="Arial" panose="020B0604020202020204" pitchFamily="34" charset="0"/>
             </a:rPr>
-            <a:t>maximize() – Maximiza ventana actual</a:t>
+            <a:t>maximize</a:t>
           </a:r>
-          <a:endParaRPr lang="en-US" sz="1600" kern="1200">
+          <a:r>
+            <a:rPr lang="es-CR" sz="1600" kern="1200" dirty="0">
+              <a:latin typeface="Arial" panose="020B0604020202020204" pitchFamily="34" charset="0"/>
+              <a:cs typeface="Arial" panose="020B0604020202020204" pitchFamily="34" charset="0"/>
+            </a:rPr>
+            <a:t>() – Maximiza ventana actual</a:t>
+          </a:r>
+          <a:endParaRPr lang="en-US" sz="1600" kern="1200" dirty="0">
             <a:latin typeface="Arial" panose="020B0604020202020204" pitchFamily="34" charset="0"/>
             <a:cs typeface="Arial" panose="020B0604020202020204" pitchFamily="34" charset="0"/>
           </a:endParaRPr>
@@ -10105,6 +10124,99 @@
 </p:notes>
 </file>
 
+<file path=ppt/notesSlides/notesSlide10.xml><?xml version="1.0" encoding="utf-8"?>
+<p:notes xmlns:a="http://schemas.openxmlformats.org/drawingml/2006/main" xmlns:r="http://schemas.openxmlformats.org/officeDocument/2006/relationships" xmlns:p="http://schemas.openxmlformats.org/presentationml/2006/main">
+  <p:cSld>
+    <p:spTree>
+      <p:nvGrpSpPr>
+        <p:cNvPr id="1" name=""/>
+        <p:cNvGrpSpPr/>
+        <p:nvPr/>
+      </p:nvGrpSpPr>
+      <p:grpSpPr>
+        <a:xfrm>
+          <a:off x="0" y="0"/>
+          <a:ext cx="0" cy="0"/>
+          <a:chOff x="0" y="0"/>
+          <a:chExt cx="0" cy="0"/>
+        </a:xfrm>
+      </p:grpSpPr>
+      <p:sp>
+        <p:nvSpPr>
+          <p:cNvPr id="2" name="Slide Image Placeholder 1"/>
+          <p:cNvSpPr>
+            <a:spLocks noGrp="1" noRot="1" noChangeAspect="1"/>
+          </p:cNvSpPr>
+          <p:nvPr>
+            <p:ph type="sldImg"/>
+          </p:nvPr>
+        </p:nvSpPr>
+        <p:spPr/>
+      </p:sp>
+      <p:sp>
+        <p:nvSpPr>
+          <p:cNvPr id="3" name="Notes Placeholder 2"/>
+          <p:cNvSpPr>
+            <a:spLocks noGrp="1"/>
+          </p:cNvSpPr>
+          <p:nvPr>
+            <p:ph type="body" idx="1"/>
+          </p:nvPr>
+        </p:nvSpPr>
+        <p:spPr/>
+        <p:txBody>
+          <a:bodyPr/>
+          <a:lstStyle/>
+          <a:p>
+            <a:r>
+              <a:rPr lang="es-CR" dirty="0"/>
+              <a:t>https://mvnrepository.com/artifact/org.seleniumhq.selenium/selenium-java</a:t>
+            </a:r>
+          </a:p>
+          <a:p>
+            <a:r>
+              <a:rPr lang="es-CR" dirty="0"/>
+              <a:t>https://chromedriver.chromium.org/downloads</a:t>
+            </a:r>
+          </a:p>
+        </p:txBody>
+      </p:sp>
+      <p:sp>
+        <p:nvSpPr>
+          <p:cNvPr id="4" name="Slide Number Placeholder 3"/>
+          <p:cNvSpPr>
+            <a:spLocks noGrp="1"/>
+          </p:cNvSpPr>
+          <p:nvPr>
+            <p:ph type="sldNum" sz="quarter" idx="5"/>
+          </p:nvPr>
+        </p:nvSpPr>
+        <p:spPr/>
+        <p:txBody>
+          <a:bodyPr/>
+          <a:lstStyle/>
+          <a:p>
+            <a:fld id="{74620AE9-C58F-40C4-91AC-93C6EA36DB5E}" type="slidenum">
+              <a:rPr lang="en-US" smtClean="0"/>
+              <a:t>19</a:t>
+            </a:fld>
+            <a:endParaRPr lang="en-US"/>
+          </a:p>
+        </p:txBody>
+      </p:sp>
+    </p:spTree>
+    <p:extLst>
+      <p:ext uri="{BB962C8B-B14F-4D97-AF65-F5344CB8AC3E}">
+        <p14:creationId xmlns:p14="http://schemas.microsoft.com/office/powerpoint/2010/main" val="2910109719"/>
+      </p:ext>
+    </p:extLst>
+  </p:cSld>
+  <p:clrMapOvr>
+    <a:masterClrMapping/>
+  </p:clrMapOvr>
+</p:notes>
+</file>
+
 <file path=ppt/notesSlides/notesSlide2.xml><?xml version="1.0" encoding="utf-8"?>
 <p:notes xmlns:a="http://schemas.openxmlformats.org/drawingml/2006/main" xmlns:r="http://schemas.openxmlformats.org/officeDocument/2006/relationships" xmlns:p="http://schemas.openxmlformats.org/presentationml/2006/main">
   <p:cSld>
@@ -10692,6 +10804,217 @@
     <p:extLst>
       <p:ext uri="{BB962C8B-B14F-4D97-AF65-F5344CB8AC3E}">
         <p14:creationId xmlns:p14="http://schemas.microsoft.com/office/powerpoint/2010/main" val="598206630"/>
+      </p:ext>
+    </p:extLst>
+  </p:cSld>
+  <p:clrMapOvr>
+    <a:masterClrMapping/>
+  </p:clrMapOvr>
+</p:notes>
+</file>
+
+<file path=ppt/notesSlides/notesSlide8.xml><?xml version="1.0" encoding="utf-8"?>
+<p:notes xmlns:a="http://schemas.openxmlformats.org/drawingml/2006/main" xmlns:r="http://schemas.openxmlformats.org/officeDocument/2006/relationships" xmlns:p="http://schemas.openxmlformats.org/presentationml/2006/main">
+  <p:cSld>
+    <p:spTree>
+      <p:nvGrpSpPr>
+        <p:cNvPr id="1" name=""/>
+        <p:cNvGrpSpPr/>
+        <p:nvPr/>
+      </p:nvGrpSpPr>
+      <p:grpSpPr>
+        <a:xfrm>
+          <a:off x="0" y="0"/>
+          <a:ext cx="0" cy="0"/>
+          <a:chOff x="0" y="0"/>
+          <a:chExt cx="0" cy="0"/>
+        </a:xfrm>
+      </p:grpSpPr>
+      <p:sp>
+        <p:nvSpPr>
+          <p:cNvPr id="2" name="Slide Image Placeholder 1"/>
+          <p:cNvSpPr>
+            <a:spLocks noGrp="1" noRot="1" noChangeAspect="1"/>
+          </p:cNvSpPr>
+          <p:nvPr>
+            <p:ph type="sldImg"/>
+          </p:nvPr>
+        </p:nvSpPr>
+        <p:spPr/>
+      </p:sp>
+      <p:sp>
+        <p:nvSpPr>
+          <p:cNvPr id="3" name="Notes Placeholder 2"/>
+          <p:cNvSpPr>
+            <a:spLocks noGrp="1"/>
+          </p:cNvSpPr>
+          <p:nvPr>
+            <p:ph type="body" idx="1"/>
+          </p:nvPr>
+        </p:nvSpPr>
+        <p:spPr/>
+        <p:txBody>
+          <a:bodyPr/>
+          <a:lstStyle/>
+          <a:p>
+            <a:r>
+              <a:rPr lang="en-US" dirty="0"/>
+              <a:t>By es </a:t>
+            </a:r>
+            <a:r>
+              <a:rPr lang="en-US" dirty="0" err="1"/>
+              <a:t>el</a:t>
+            </a:r>
+            <a:r>
+              <a:rPr lang="en-US" dirty="0"/>
+              <a:t> </a:t>
+            </a:r>
+            <a:r>
+              <a:rPr lang="en-US" dirty="0" err="1"/>
+              <a:t>mecanismo</a:t>
+            </a:r>
+            <a:r>
+              <a:rPr lang="en-US" dirty="0"/>
+              <a:t> </a:t>
+            </a:r>
+            <a:r>
+              <a:rPr lang="en-US" dirty="0" err="1"/>
+              <a:t>utilizado</a:t>
+            </a:r>
+            <a:r>
+              <a:rPr lang="en-US" dirty="0"/>
+              <a:t> para localizer </a:t>
+            </a:r>
+            <a:r>
+              <a:rPr lang="en-US" dirty="0" err="1"/>
+              <a:t>elementos</a:t>
+            </a:r>
+            <a:r>
+              <a:rPr lang="en-US" dirty="0"/>
+              <a:t> </a:t>
+            </a:r>
+            <a:r>
+              <a:rPr lang="en-US" dirty="0" err="1"/>
+              <a:t>dentro</a:t>
+            </a:r>
+            <a:r>
+              <a:rPr lang="en-US" dirty="0"/>
+              <a:t> de document HTML</a:t>
+            </a:r>
+          </a:p>
+        </p:txBody>
+      </p:sp>
+      <p:sp>
+        <p:nvSpPr>
+          <p:cNvPr id="4" name="Slide Number Placeholder 3"/>
+          <p:cNvSpPr>
+            <a:spLocks noGrp="1"/>
+          </p:cNvSpPr>
+          <p:nvPr>
+            <p:ph type="sldNum" sz="quarter" idx="5"/>
+          </p:nvPr>
+        </p:nvSpPr>
+        <p:spPr/>
+        <p:txBody>
+          <a:bodyPr/>
+          <a:lstStyle/>
+          <a:p>
+            <a:fld id="{74620AE9-C58F-40C4-91AC-93C6EA36DB5E}" type="slidenum">
+              <a:rPr lang="en-US" smtClean="0"/>
+              <a:t>15</a:t>
+            </a:fld>
+            <a:endParaRPr lang="en-US"/>
+          </a:p>
+        </p:txBody>
+      </p:sp>
+    </p:spTree>
+    <p:extLst>
+      <p:ext uri="{BB962C8B-B14F-4D97-AF65-F5344CB8AC3E}">
+        <p14:creationId xmlns:p14="http://schemas.microsoft.com/office/powerpoint/2010/main" val="4027317064"/>
+      </p:ext>
+    </p:extLst>
+  </p:cSld>
+  <p:clrMapOvr>
+    <a:masterClrMapping/>
+  </p:clrMapOvr>
+</p:notes>
+</file>
+
+<file path=ppt/notesSlides/notesSlide9.xml><?xml version="1.0" encoding="utf-8"?>
+<p:notes xmlns:a="http://schemas.openxmlformats.org/drawingml/2006/main" xmlns:r="http://schemas.openxmlformats.org/officeDocument/2006/relationships" xmlns:p="http://schemas.openxmlformats.org/presentationml/2006/main">
+  <p:cSld>
+    <p:spTree>
+      <p:nvGrpSpPr>
+        <p:cNvPr id="1" name=""/>
+        <p:cNvGrpSpPr/>
+        <p:nvPr/>
+      </p:nvGrpSpPr>
+      <p:grpSpPr>
+        <a:xfrm>
+          <a:off x="0" y="0"/>
+          <a:ext cx="0" cy="0"/>
+          <a:chOff x="0" y="0"/>
+          <a:chExt cx="0" cy="0"/>
+        </a:xfrm>
+      </p:grpSpPr>
+      <p:sp>
+        <p:nvSpPr>
+          <p:cNvPr id="2" name="Slide Image Placeholder 1"/>
+          <p:cNvSpPr>
+            <a:spLocks noGrp="1" noRot="1" noChangeAspect="1"/>
+          </p:cNvSpPr>
+          <p:nvPr>
+            <p:ph type="sldImg"/>
+          </p:nvPr>
+        </p:nvSpPr>
+        <p:spPr/>
+      </p:sp>
+      <p:sp>
+        <p:nvSpPr>
+          <p:cNvPr id="3" name="Notes Placeholder 2"/>
+          <p:cNvSpPr>
+            <a:spLocks noGrp="1"/>
+          </p:cNvSpPr>
+          <p:nvPr>
+            <p:ph type="body" idx="1"/>
+          </p:nvPr>
+        </p:nvSpPr>
+        <p:spPr/>
+        <p:txBody>
+          <a:bodyPr/>
+          <a:lstStyle/>
+          <a:p>
+            <a:endParaRPr lang="en-US" dirty="0"/>
+          </a:p>
+        </p:txBody>
+      </p:sp>
+      <p:sp>
+        <p:nvSpPr>
+          <p:cNvPr id="4" name="Slide Number Placeholder 3"/>
+          <p:cNvSpPr>
+            <a:spLocks noGrp="1"/>
+          </p:cNvSpPr>
+          <p:nvPr>
+            <p:ph type="sldNum" sz="quarter" idx="5"/>
+          </p:nvPr>
+        </p:nvSpPr>
+        <p:spPr/>
+        <p:txBody>
+          <a:bodyPr/>
+          <a:lstStyle/>
+          <a:p>
+            <a:fld id="{74620AE9-C58F-40C4-91AC-93C6EA36DB5E}" type="slidenum">
+              <a:rPr lang="en-US" smtClean="0"/>
+              <a:t>16</a:t>
+            </a:fld>
+            <a:endParaRPr lang="en-US"/>
+          </a:p>
+        </p:txBody>
+      </p:sp>
+    </p:spTree>
+    <p:extLst>
+      <p:ext uri="{BB962C8B-B14F-4D97-AF65-F5344CB8AC3E}">
+        <p14:creationId xmlns:p14="http://schemas.microsoft.com/office/powerpoint/2010/main" val="3339898351"/>
       </p:ext>
     </p:extLst>
   </p:cSld>
@@ -33365,6 +33688,1543 @@
 </p:sld>
 </file>
 
+<file path=ppt/slides/slide15.xml><?xml version="1.0" encoding="utf-8"?>
+<p:sld xmlns:a="http://schemas.openxmlformats.org/drawingml/2006/main" xmlns:r="http://schemas.openxmlformats.org/officeDocument/2006/relationships" xmlns:p="http://schemas.openxmlformats.org/presentationml/2006/main">
+  <p:cSld>
+    <p:spTree>
+      <p:nvGrpSpPr>
+        <p:cNvPr id="1" name=""/>
+        <p:cNvGrpSpPr/>
+        <p:nvPr/>
+      </p:nvGrpSpPr>
+      <p:grpSpPr>
+        <a:xfrm>
+          <a:off x="0" y="0"/>
+          <a:ext cx="0" cy="0"/>
+          <a:chOff x="0" y="0"/>
+          <a:chExt cx="0" cy="0"/>
+        </a:xfrm>
+      </p:grpSpPr>
+      <p:sp>
+        <p:nvSpPr>
+          <p:cNvPr id="3" name="Title 2">
+            <a:extLst>
+              <a:ext uri="{FF2B5EF4-FFF2-40B4-BE49-F238E27FC236}">
+                <a16:creationId xmlns:a16="http://schemas.microsoft.com/office/drawing/2014/main" id="{8FBE8587-C864-4514-BADC-BB5A2AE4935B}"/>
+              </a:ext>
+            </a:extLst>
+          </p:cNvPr>
+          <p:cNvSpPr>
+            <a:spLocks noGrp="1"/>
+          </p:cNvSpPr>
+          <p:nvPr>
+            <p:ph type="title"/>
+          </p:nvPr>
+        </p:nvSpPr>
+        <p:spPr/>
+        <p:txBody>
+          <a:bodyPr/>
+          <a:lstStyle/>
+          <a:p>
+            <a:r>
+              <a:rPr lang="es-CR" dirty="0">
+                <a:latin typeface="Arial Rounded MT Bold" panose="020F0704030504030204" pitchFamily="34" charset="0"/>
+              </a:rPr>
+              <a:t>Automatización Nivel Elementos</a:t>
+            </a:r>
+          </a:p>
+        </p:txBody>
+      </p:sp>
+      <p:pic>
+        <p:nvPicPr>
+          <p:cNvPr id="7" name="Picture 6">
+            <a:extLst>
+              <a:ext uri="{FF2B5EF4-FFF2-40B4-BE49-F238E27FC236}">
+                <a16:creationId xmlns:a16="http://schemas.microsoft.com/office/drawing/2014/main" id="{128A463D-4390-F64D-A635-654246CCA061}"/>
+              </a:ext>
+            </a:extLst>
+          </p:cNvPr>
+          <p:cNvPicPr>
+            <a:picLocks noChangeAspect="1"/>
+          </p:cNvPicPr>
+          <p:nvPr/>
+        </p:nvPicPr>
+        <p:blipFill>
+          <a:blip r:embed="rId3"/>
+          <a:stretch>
+            <a:fillRect/>
+          </a:stretch>
+        </p:blipFill>
+        <p:spPr>
+          <a:xfrm>
+            <a:off x="1216503" y="1540856"/>
+            <a:ext cx="8951274" cy="4952019"/>
+          </a:xfrm>
+          <a:prstGeom prst="rect">
+            <a:avLst/>
+          </a:prstGeom>
+        </p:spPr>
+      </p:pic>
+    </p:spTree>
+    <p:extLst>
+      <p:ext uri="{BB962C8B-B14F-4D97-AF65-F5344CB8AC3E}">
+        <p14:creationId xmlns:p14="http://schemas.microsoft.com/office/powerpoint/2010/main" val="4155684122"/>
+      </p:ext>
+    </p:extLst>
+  </p:cSld>
+  <p:clrMapOvr>
+    <a:masterClrMapping/>
+  </p:clrMapOvr>
+</p:sld>
+</file>
+
+<file path=ppt/slides/slide16.xml><?xml version="1.0" encoding="utf-8"?>
+<p:sld xmlns:a="http://schemas.openxmlformats.org/drawingml/2006/main" xmlns:r="http://schemas.openxmlformats.org/officeDocument/2006/relationships" xmlns:p="http://schemas.openxmlformats.org/presentationml/2006/main">
+  <p:cSld>
+    <p:spTree>
+      <p:nvGrpSpPr>
+        <p:cNvPr id="1" name=""/>
+        <p:cNvGrpSpPr/>
+        <p:nvPr/>
+      </p:nvGrpSpPr>
+      <p:grpSpPr>
+        <a:xfrm>
+          <a:off x="0" y="0"/>
+          <a:ext cx="0" cy="0"/>
+          <a:chOff x="0" y="0"/>
+          <a:chExt cx="0" cy="0"/>
+        </a:xfrm>
+      </p:grpSpPr>
+      <p:sp>
+        <p:nvSpPr>
+          <p:cNvPr id="2" name="Title 1">
+            <a:extLst>
+              <a:ext uri="{FF2B5EF4-FFF2-40B4-BE49-F238E27FC236}">
+                <a16:creationId xmlns:a16="http://schemas.microsoft.com/office/drawing/2014/main" id="{CE418B66-C591-5A83-4DEB-32606468FA03}"/>
+              </a:ext>
+            </a:extLst>
+          </p:cNvPr>
+          <p:cNvSpPr>
+            <a:spLocks noGrp="1"/>
+          </p:cNvSpPr>
+          <p:nvPr>
+            <p:ph type="title"/>
+          </p:nvPr>
+        </p:nvSpPr>
+        <p:spPr/>
+        <p:txBody>
+          <a:bodyPr/>
+          <a:lstStyle/>
+          <a:p>
+            <a:r>
+              <a:rPr lang="en-US" dirty="0" err="1">
+                <a:latin typeface="Arial Rounded MT Bold" panose="020F0704030504030204" pitchFamily="34" charset="0"/>
+              </a:rPr>
+              <a:t>Identificación</a:t>
+            </a:r>
+            <a:r>
+              <a:rPr lang="en-US" dirty="0">
+                <a:latin typeface="Arial Rounded MT Bold" panose="020F0704030504030204" pitchFamily="34" charset="0"/>
+              </a:rPr>
+              <a:t> de </a:t>
+            </a:r>
+            <a:r>
+              <a:rPr lang="en-US" dirty="0" err="1">
+                <a:latin typeface="Arial Rounded MT Bold" panose="020F0704030504030204" pitchFamily="34" charset="0"/>
+              </a:rPr>
+              <a:t>Elementos</a:t>
+            </a:r>
+            <a:endParaRPr lang="en-US" dirty="0">
+              <a:latin typeface="Arial Rounded MT Bold" panose="020F0704030504030204" pitchFamily="34" charset="0"/>
+            </a:endParaRPr>
+          </a:p>
+        </p:txBody>
+      </p:sp>
+      <p:sp>
+        <p:nvSpPr>
+          <p:cNvPr id="3" name="Content Placeholder 2">
+            <a:extLst>
+              <a:ext uri="{FF2B5EF4-FFF2-40B4-BE49-F238E27FC236}">
+                <a16:creationId xmlns:a16="http://schemas.microsoft.com/office/drawing/2014/main" id="{6DF42821-E819-34E5-E4D8-198298DC8788}"/>
+              </a:ext>
+            </a:extLst>
+          </p:cNvPr>
+          <p:cNvSpPr>
+            <a:spLocks noGrp="1"/>
+          </p:cNvSpPr>
+          <p:nvPr>
+            <p:ph idx="1"/>
+          </p:nvPr>
+        </p:nvSpPr>
+        <p:spPr>
+          <a:xfrm>
+            <a:off x="420625" y="1825626"/>
+            <a:ext cx="10543031" cy="842624"/>
+          </a:xfrm>
+        </p:spPr>
+        <p:txBody>
+          <a:bodyPr>
+            <a:normAutofit/>
+          </a:bodyPr>
+          <a:lstStyle/>
+          <a:p>
+            <a:r>
+              <a:rPr lang="en-US" sz="1800" dirty="0">
+                <a:latin typeface="Arial" panose="020B0604020202020204" pitchFamily="34" charset="0"/>
+                <a:cs typeface="Arial" panose="020B0604020202020204" pitchFamily="34" charset="0"/>
+              </a:rPr>
+              <a:t>Para </a:t>
+            </a:r>
+            <a:r>
+              <a:rPr lang="en-US" sz="1800" dirty="0" err="1">
+                <a:latin typeface="Arial" panose="020B0604020202020204" pitchFamily="34" charset="0"/>
+                <a:cs typeface="Arial" panose="020B0604020202020204" pitchFamily="34" charset="0"/>
+              </a:rPr>
+              <a:t>encontrar</a:t>
+            </a:r>
+            <a:r>
+              <a:rPr lang="en-US" sz="1800" dirty="0">
+                <a:latin typeface="Arial" panose="020B0604020202020204" pitchFamily="34" charset="0"/>
+                <a:cs typeface="Arial" panose="020B0604020202020204" pitchFamily="34" charset="0"/>
+              </a:rPr>
+              <a:t> </a:t>
+            </a:r>
+            <a:r>
+              <a:rPr lang="en-US" sz="1800" dirty="0" err="1">
+                <a:latin typeface="Arial" panose="020B0604020202020204" pitchFamily="34" charset="0"/>
+                <a:cs typeface="Arial" panose="020B0604020202020204" pitchFamily="34" charset="0"/>
+              </a:rPr>
+              <a:t>elementos</a:t>
+            </a:r>
+            <a:r>
+              <a:rPr lang="en-US" sz="1800" dirty="0">
+                <a:latin typeface="Arial" panose="020B0604020202020204" pitchFamily="34" charset="0"/>
+                <a:cs typeface="Arial" panose="020B0604020202020204" pitchFamily="34" charset="0"/>
+              </a:rPr>
+              <a:t> se </a:t>
+            </a:r>
+            <a:r>
+              <a:rPr lang="en-US" sz="1800" dirty="0" err="1">
+                <a:latin typeface="Arial" panose="020B0604020202020204" pitchFamily="34" charset="0"/>
+                <a:cs typeface="Arial" panose="020B0604020202020204" pitchFamily="34" charset="0"/>
+              </a:rPr>
+              <a:t>utiliza</a:t>
+            </a:r>
+            <a:r>
+              <a:rPr lang="en-US" sz="1800" dirty="0">
+                <a:latin typeface="Arial" panose="020B0604020202020204" pitchFamily="34" charset="0"/>
+                <a:cs typeface="Arial" panose="020B0604020202020204" pitchFamily="34" charset="0"/>
+              </a:rPr>
+              <a:t> </a:t>
+            </a:r>
+            <a:r>
+              <a:rPr lang="en-US" sz="1800" dirty="0" err="1">
+                <a:latin typeface="Arial" panose="020B0604020202020204" pitchFamily="34" charset="0"/>
+                <a:cs typeface="Arial" panose="020B0604020202020204" pitchFamily="34" charset="0"/>
+              </a:rPr>
+              <a:t>el</a:t>
+            </a:r>
+            <a:r>
+              <a:rPr lang="en-US" sz="1800" dirty="0">
+                <a:latin typeface="Arial" panose="020B0604020202020204" pitchFamily="34" charset="0"/>
+                <a:cs typeface="Arial" panose="020B0604020202020204" pitchFamily="34" charset="0"/>
+              </a:rPr>
+              <a:t> </a:t>
+            </a:r>
+            <a:r>
+              <a:rPr lang="en-US" sz="1800" dirty="0" err="1">
+                <a:latin typeface="Arial" panose="020B0604020202020204" pitchFamily="34" charset="0"/>
+                <a:cs typeface="Arial" panose="020B0604020202020204" pitchFamily="34" charset="0"/>
+              </a:rPr>
+              <a:t>método</a:t>
+            </a:r>
+            <a:r>
+              <a:rPr lang="en-US" sz="1800" dirty="0">
+                <a:latin typeface="Arial" panose="020B0604020202020204" pitchFamily="34" charset="0"/>
+                <a:cs typeface="Arial" panose="020B0604020202020204" pitchFamily="34" charset="0"/>
+              </a:rPr>
+              <a:t> </a:t>
+            </a:r>
+            <a:r>
+              <a:rPr lang="en-US" sz="1800" dirty="0" err="1">
+                <a:latin typeface="Arial" panose="020B0604020202020204" pitchFamily="34" charset="0"/>
+                <a:cs typeface="Arial" panose="020B0604020202020204" pitchFamily="34" charset="0"/>
+              </a:rPr>
+              <a:t>findElement</a:t>
+            </a:r>
+            <a:endParaRPr lang="en-US" sz="1800" dirty="0">
+              <a:latin typeface="Arial" panose="020B0604020202020204" pitchFamily="34" charset="0"/>
+              <a:cs typeface="Arial" panose="020B0604020202020204" pitchFamily="34" charset="0"/>
+            </a:endParaRPr>
+          </a:p>
+          <a:p>
+            <a:pPr marL="0" indent="0">
+              <a:buNone/>
+            </a:pPr>
+            <a:r>
+              <a:rPr lang="en-US" sz="1800" dirty="0">
+                <a:latin typeface="Arial" panose="020B0604020202020204" pitchFamily="34" charset="0"/>
+                <a:cs typeface="Arial" panose="020B0604020202020204" pitchFamily="34" charset="0"/>
+              </a:rPr>
+              <a:t>	</a:t>
+            </a:r>
+            <a:r>
+              <a:rPr lang="en-US" sz="1800" dirty="0" err="1">
+                <a:latin typeface="Arial" panose="020B0604020202020204" pitchFamily="34" charset="0"/>
+                <a:cs typeface="Arial" panose="020B0604020202020204" pitchFamily="34" charset="0"/>
+              </a:rPr>
+              <a:t>WebElement</a:t>
+            </a:r>
+            <a:r>
+              <a:rPr lang="en-US" sz="1800" dirty="0">
+                <a:latin typeface="Arial" panose="020B0604020202020204" pitchFamily="34" charset="0"/>
+                <a:cs typeface="Arial" panose="020B0604020202020204" pitchFamily="34" charset="0"/>
+              </a:rPr>
+              <a:t> element = </a:t>
+            </a:r>
+            <a:r>
+              <a:rPr lang="en-US" sz="1800" dirty="0" err="1">
+                <a:latin typeface="Arial" panose="020B0604020202020204" pitchFamily="34" charset="0"/>
+                <a:cs typeface="Arial" panose="020B0604020202020204" pitchFamily="34" charset="0"/>
+              </a:rPr>
+              <a:t>driver.</a:t>
+            </a:r>
+            <a:r>
+              <a:rPr lang="en-US" sz="1800" b="1" dirty="0" err="1">
+                <a:latin typeface="Arial" panose="020B0604020202020204" pitchFamily="34" charset="0"/>
+                <a:cs typeface="Arial" panose="020B0604020202020204" pitchFamily="34" charset="0"/>
+              </a:rPr>
+              <a:t>findElement</a:t>
+            </a:r>
+            <a:r>
+              <a:rPr lang="en-US" sz="1800" dirty="0">
+                <a:latin typeface="Arial" panose="020B0604020202020204" pitchFamily="34" charset="0"/>
+                <a:cs typeface="Arial" panose="020B0604020202020204" pitchFamily="34" charset="0"/>
+              </a:rPr>
+              <a:t>(</a:t>
+            </a:r>
+            <a:r>
+              <a:rPr lang="en-US" sz="1800" b="1" dirty="0" err="1">
+                <a:latin typeface="Arial" panose="020B0604020202020204" pitchFamily="34" charset="0"/>
+                <a:cs typeface="Arial" panose="020B0604020202020204" pitchFamily="34" charset="0"/>
+              </a:rPr>
+              <a:t>By</a:t>
+            </a:r>
+            <a:r>
+              <a:rPr lang="en-US" sz="1800" dirty="0" err="1">
+                <a:latin typeface="Arial" panose="020B0604020202020204" pitchFamily="34" charset="0"/>
+                <a:cs typeface="Arial" panose="020B0604020202020204" pitchFamily="34" charset="0"/>
+              </a:rPr>
+              <a:t>.method</a:t>
+            </a:r>
+            <a:r>
+              <a:rPr lang="en-US" sz="1800" dirty="0">
+                <a:latin typeface="Arial" panose="020B0604020202020204" pitchFamily="34" charset="0"/>
+                <a:cs typeface="Arial" panose="020B0604020202020204" pitchFamily="34" charset="0"/>
+              </a:rPr>
+              <a:t>)</a:t>
+            </a:r>
+          </a:p>
+        </p:txBody>
+      </p:sp>
+      <p:grpSp>
+        <p:nvGrpSpPr>
+          <p:cNvPr id="10" name="Group 9">
+            <a:extLst>
+              <a:ext uri="{FF2B5EF4-FFF2-40B4-BE49-F238E27FC236}">
+                <a16:creationId xmlns:a16="http://schemas.microsoft.com/office/drawing/2014/main" id="{581CE9C0-B3E4-6F5D-DDBA-E1BDBBD8FEB6}"/>
+              </a:ext>
+            </a:extLst>
+          </p:cNvPr>
+          <p:cNvGrpSpPr/>
+          <p:nvPr/>
+        </p:nvGrpSpPr>
+        <p:grpSpPr>
+          <a:xfrm>
+            <a:off x="308754" y="2893129"/>
+            <a:ext cx="11574490" cy="2810267"/>
+            <a:chOff x="308755" y="3043029"/>
+            <a:chExt cx="11574490" cy="2810267"/>
+          </a:xfrm>
+        </p:grpSpPr>
+        <p:pic>
+          <p:nvPicPr>
+            <p:cNvPr id="5" name="Picture 4">
+              <a:extLst>
+                <a:ext uri="{FF2B5EF4-FFF2-40B4-BE49-F238E27FC236}">
+                  <a16:creationId xmlns:a16="http://schemas.microsoft.com/office/drawing/2014/main" id="{8334F54D-6162-BDD6-2916-6B4F2EB7573F}"/>
+                </a:ext>
+              </a:extLst>
+            </p:cNvPr>
+            <p:cNvPicPr>
+              <a:picLocks noChangeAspect="1"/>
+            </p:cNvPicPr>
+            <p:nvPr/>
+          </p:nvPicPr>
+          <p:blipFill>
+            <a:blip r:embed="rId3"/>
+            <a:stretch>
+              <a:fillRect/>
+            </a:stretch>
+          </p:blipFill>
+          <p:spPr>
+            <a:xfrm>
+              <a:off x="308755" y="3043029"/>
+              <a:ext cx="11574490" cy="2810267"/>
+            </a:xfrm>
+            <a:prstGeom prst="rect">
+              <a:avLst/>
+            </a:prstGeom>
+          </p:spPr>
+        </p:pic>
+        <p:grpSp>
+          <p:nvGrpSpPr>
+            <p:cNvPr id="9" name="Group 8">
+              <a:extLst>
+                <a:ext uri="{FF2B5EF4-FFF2-40B4-BE49-F238E27FC236}">
+                  <a16:creationId xmlns:a16="http://schemas.microsoft.com/office/drawing/2014/main" id="{B0C79CC0-A38F-AA04-E147-78555B87A584}"/>
+                </a:ext>
+              </a:extLst>
+            </p:cNvPr>
+            <p:cNvGrpSpPr/>
+            <p:nvPr/>
+          </p:nvGrpSpPr>
+          <p:grpSpPr>
+            <a:xfrm>
+              <a:off x="5876144" y="4260433"/>
+              <a:ext cx="3702571" cy="1480800"/>
+              <a:chOff x="5876144" y="4260433"/>
+              <a:chExt cx="3702571" cy="1480800"/>
+            </a:xfrm>
+          </p:grpSpPr>
+          <p:sp>
+            <p:nvSpPr>
+              <p:cNvPr id="6" name="Rectangle 5">
+                <a:extLst>
+                  <a:ext uri="{FF2B5EF4-FFF2-40B4-BE49-F238E27FC236}">
+                    <a16:creationId xmlns:a16="http://schemas.microsoft.com/office/drawing/2014/main" id="{0C81B776-C9BE-9760-E3F0-65123CA6C994}"/>
+                  </a:ext>
+                </a:extLst>
+              </p:cNvPr>
+              <p:cNvSpPr/>
+              <p:nvPr/>
+            </p:nvSpPr>
+            <p:spPr>
+              <a:xfrm>
+                <a:off x="8469443" y="5561351"/>
+                <a:ext cx="1109272" cy="179882"/>
+              </a:xfrm>
+              <a:prstGeom prst="rect">
+                <a:avLst/>
+              </a:prstGeom>
+              <a:noFill/>
+              <a:ln>
+                <a:solidFill>
+                  <a:srgbClr val="FF0000"/>
+                </a:solidFill>
+              </a:ln>
+            </p:spPr>
+            <p:style>
+              <a:lnRef idx="2">
+                <a:schemeClr val="accent1">
+                  <a:shade val="50000"/>
+                </a:schemeClr>
+              </a:lnRef>
+              <a:fillRef idx="1">
+                <a:schemeClr val="accent1"/>
+              </a:fillRef>
+              <a:effectRef idx="0">
+                <a:schemeClr val="accent1"/>
+              </a:effectRef>
+              <a:fontRef idx="minor">
+                <a:schemeClr val="lt1"/>
+              </a:fontRef>
+            </p:style>
+            <p:txBody>
+              <a:bodyPr rtlCol="0" anchor="ctr"/>
+              <a:lstStyle/>
+              <a:p>
+                <a:pPr algn="ctr"/>
+                <a:endParaRPr lang="en-US"/>
+              </a:p>
+            </p:txBody>
+          </p:sp>
+          <p:cxnSp>
+            <p:nvCxnSpPr>
+              <p:cNvPr id="8" name="Straight Arrow Connector 7">
+                <a:extLst>
+                  <a:ext uri="{FF2B5EF4-FFF2-40B4-BE49-F238E27FC236}">
+                    <a16:creationId xmlns:a16="http://schemas.microsoft.com/office/drawing/2014/main" id="{D6BA2E66-5325-09D9-12F0-8B5B197E1ED6}"/>
+                  </a:ext>
+                </a:extLst>
+              </p:cNvPr>
+              <p:cNvCxnSpPr/>
+              <p:nvPr/>
+            </p:nvCxnSpPr>
+            <p:spPr>
+              <a:xfrm>
+                <a:off x="5876144" y="4260433"/>
+                <a:ext cx="2593299" cy="1390859"/>
+              </a:xfrm>
+              <a:prstGeom prst="straightConnector1">
+                <a:avLst/>
+              </a:prstGeom>
+              <a:ln>
+                <a:solidFill>
+                  <a:srgbClr val="FF0000"/>
+                </a:solidFill>
+                <a:tailEnd type="triangle"/>
+              </a:ln>
+            </p:spPr>
+            <p:style>
+              <a:lnRef idx="1">
+                <a:schemeClr val="accent1"/>
+              </a:lnRef>
+              <a:fillRef idx="0">
+                <a:schemeClr val="accent1"/>
+              </a:fillRef>
+              <a:effectRef idx="0">
+                <a:schemeClr val="accent1"/>
+              </a:effectRef>
+              <a:fontRef idx="minor">
+                <a:schemeClr val="tx1"/>
+              </a:fontRef>
+            </p:style>
+          </p:cxnSp>
+        </p:grpSp>
+      </p:grpSp>
+      <p:sp>
+        <p:nvSpPr>
+          <p:cNvPr id="11" name="Content Placeholder 2">
+            <a:extLst>
+              <a:ext uri="{FF2B5EF4-FFF2-40B4-BE49-F238E27FC236}">
+                <a16:creationId xmlns:a16="http://schemas.microsoft.com/office/drawing/2014/main" id="{50964C85-BEDD-D816-389B-E7BC3A56C795}"/>
+              </a:ext>
+            </a:extLst>
+          </p:cNvPr>
+          <p:cNvSpPr txBox="1">
+            <a:spLocks/>
+          </p:cNvSpPr>
+          <p:nvPr/>
+        </p:nvSpPr>
+        <p:spPr>
+          <a:xfrm>
+            <a:off x="824484" y="5928275"/>
+            <a:ext cx="10543031" cy="397574"/>
+          </a:xfrm>
+          <a:prstGeom prst="rect">
+            <a:avLst/>
+          </a:prstGeom>
+        </p:spPr>
+        <p:txBody>
+          <a:bodyPr vert="horz" lIns="91440" tIns="45720" rIns="91440" bIns="45720" rtlCol="0">
+            <a:normAutofit/>
+          </a:bodyPr>
+          <a:lstStyle>
+            <a:lvl1pPr marL="228600" indent="-228600" algn="l" defTabSz="914400" rtl="0" eaLnBrk="1" latinLnBrk="0" hangingPunct="1">
+              <a:lnSpc>
+                <a:spcPct val="100000"/>
+              </a:lnSpc>
+              <a:spcBef>
+                <a:spcPts val="1000"/>
+              </a:spcBef>
+              <a:buClr>
+                <a:schemeClr val="accent2"/>
+              </a:buClr>
+              <a:buFont typeface="Wingdings 2" panose="05020102010507070707" pitchFamily="18" charset="2"/>
+              <a:buChar char=""/>
+              <a:defRPr sz="2400" kern="1200">
+                <a:solidFill>
+                  <a:schemeClr val="tx2"/>
+                </a:solidFill>
+                <a:latin typeface="+mn-lt"/>
+                <a:ea typeface="+mn-ea"/>
+                <a:cs typeface="+mn-cs"/>
+              </a:defRPr>
+            </a:lvl1pPr>
+            <a:lvl2pPr marL="685800" indent="-228600" algn="l" defTabSz="914400" rtl="0" eaLnBrk="1" latinLnBrk="0" hangingPunct="1">
+              <a:lnSpc>
+                <a:spcPct val="100000"/>
+              </a:lnSpc>
+              <a:spcBef>
+                <a:spcPts val="500"/>
+              </a:spcBef>
+              <a:buClr>
+                <a:schemeClr val="accent2"/>
+              </a:buClr>
+              <a:buFont typeface="Wingdings 2" panose="05020102010507070707" pitchFamily="18" charset="2"/>
+              <a:buChar char=""/>
+              <a:defRPr sz="2200" kern="1200">
+                <a:solidFill>
+                  <a:schemeClr val="tx2"/>
+                </a:solidFill>
+                <a:latin typeface="+mn-lt"/>
+                <a:ea typeface="+mn-ea"/>
+                <a:cs typeface="+mn-cs"/>
+              </a:defRPr>
+            </a:lvl2pPr>
+            <a:lvl3pPr marL="1143000" indent="-228600" algn="l" defTabSz="914400" rtl="0" eaLnBrk="1" latinLnBrk="0" hangingPunct="1">
+              <a:lnSpc>
+                <a:spcPct val="100000"/>
+              </a:lnSpc>
+              <a:spcBef>
+                <a:spcPts val="500"/>
+              </a:spcBef>
+              <a:buClr>
+                <a:schemeClr val="accent2"/>
+              </a:buClr>
+              <a:buFont typeface="Wingdings 2" panose="05020102010507070707" pitchFamily="18" charset="2"/>
+              <a:buChar char=""/>
+              <a:defRPr sz="1600" kern="1200">
+                <a:solidFill>
+                  <a:schemeClr val="tx2"/>
+                </a:solidFill>
+                <a:latin typeface="+mn-lt"/>
+                <a:ea typeface="+mn-ea"/>
+                <a:cs typeface="+mn-cs"/>
+              </a:defRPr>
+            </a:lvl3pPr>
+            <a:lvl4pPr marL="1600200" indent="-228600" algn="l" defTabSz="914400" rtl="0" eaLnBrk="1" latinLnBrk="0" hangingPunct="1">
+              <a:lnSpc>
+                <a:spcPct val="100000"/>
+              </a:lnSpc>
+              <a:spcBef>
+                <a:spcPts val="500"/>
+              </a:spcBef>
+              <a:buClr>
+                <a:schemeClr val="accent2"/>
+              </a:buClr>
+              <a:buFont typeface="Wingdings 2" panose="05020102010507070707" pitchFamily="18" charset="2"/>
+              <a:buChar char=""/>
+              <a:defRPr sz="1400" kern="1200">
+                <a:solidFill>
+                  <a:schemeClr val="tx2"/>
+                </a:solidFill>
+                <a:latin typeface="+mn-lt"/>
+                <a:ea typeface="+mn-ea"/>
+                <a:cs typeface="+mn-cs"/>
+              </a:defRPr>
+            </a:lvl4pPr>
+            <a:lvl5pPr marL="2057400" indent="-228600" algn="l" defTabSz="914400" rtl="0" eaLnBrk="1" latinLnBrk="0" hangingPunct="1">
+              <a:lnSpc>
+                <a:spcPct val="100000"/>
+              </a:lnSpc>
+              <a:spcBef>
+                <a:spcPts val="500"/>
+              </a:spcBef>
+              <a:buClr>
+                <a:schemeClr val="accent2"/>
+              </a:buClr>
+              <a:buFont typeface="Wingdings 2" panose="05020102010507070707" pitchFamily="18" charset="2"/>
+              <a:buChar char=""/>
+              <a:defRPr sz="1200" kern="1200">
+                <a:solidFill>
+                  <a:schemeClr val="tx2"/>
+                </a:solidFill>
+                <a:latin typeface="+mn-lt"/>
+                <a:ea typeface="+mn-ea"/>
+                <a:cs typeface="+mn-cs"/>
+              </a:defRPr>
+            </a:lvl5pPr>
+            <a:lvl6pPr marL="2514600" indent="-228600" algn="l" defTabSz="914400" rtl="0" eaLnBrk="1" latinLnBrk="0" hangingPunct="1">
+              <a:lnSpc>
+                <a:spcPct val="90000"/>
+              </a:lnSpc>
+              <a:spcBef>
+                <a:spcPts val="500"/>
+              </a:spcBef>
+              <a:buFont typeface="Arial" panose="020B0604020202020204" pitchFamily="34" charset="0"/>
+              <a:buChar char="•"/>
+              <a:defRPr sz="1800" kern="1200">
+                <a:solidFill>
+                  <a:schemeClr val="tx1"/>
+                </a:solidFill>
+                <a:latin typeface="+mn-lt"/>
+                <a:ea typeface="+mn-ea"/>
+                <a:cs typeface="+mn-cs"/>
+              </a:defRPr>
+            </a:lvl6pPr>
+            <a:lvl7pPr marL="2971800" indent="-228600" algn="l" defTabSz="914400" rtl="0" eaLnBrk="1" latinLnBrk="0" hangingPunct="1">
+              <a:lnSpc>
+                <a:spcPct val="90000"/>
+              </a:lnSpc>
+              <a:spcBef>
+                <a:spcPts val="500"/>
+              </a:spcBef>
+              <a:buFont typeface="Arial" panose="020B0604020202020204" pitchFamily="34" charset="0"/>
+              <a:buChar char="•"/>
+              <a:defRPr sz="1800" kern="1200">
+                <a:solidFill>
+                  <a:schemeClr val="tx1"/>
+                </a:solidFill>
+                <a:latin typeface="+mn-lt"/>
+                <a:ea typeface="+mn-ea"/>
+                <a:cs typeface="+mn-cs"/>
+              </a:defRPr>
+            </a:lvl7pPr>
+            <a:lvl8pPr marL="3429000" indent="-228600" algn="l" defTabSz="914400" rtl="0" eaLnBrk="1" latinLnBrk="0" hangingPunct="1">
+              <a:lnSpc>
+                <a:spcPct val="90000"/>
+              </a:lnSpc>
+              <a:spcBef>
+                <a:spcPts val="500"/>
+              </a:spcBef>
+              <a:buFont typeface="Arial" panose="020B0604020202020204" pitchFamily="34" charset="0"/>
+              <a:buChar char="•"/>
+              <a:defRPr sz="1800" kern="1200">
+                <a:solidFill>
+                  <a:schemeClr val="tx1"/>
+                </a:solidFill>
+                <a:latin typeface="+mn-lt"/>
+                <a:ea typeface="+mn-ea"/>
+                <a:cs typeface="+mn-cs"/>
+              </a:defRPr>
+            </a:lvl8pPr>
+            <a:lvl9pPr marL="3886200" indent="-228600" algn="l" defTabSz="914400" rtl="0" eaLnBrk="1" latinLnBrk="0" hangingPunct="1">
+              <a:lnSpc>
+                <a:spcPct val="90000"/>
+              </a:lnSpc>
+              <a:spcBef>
+                <a:spcPts val="500"/>
+              </a:spcBef>
+              <a:buFont typeface="Arial" panose="020B0604020202020204" pitchFamily="34" charset="0"/>
+              <a:buChar char="•"/>
+              <a:defRPr sz="1800" kern="1200">
+                <a:solidFill>
+                  <a:schemeClr val="tx1"/>
+                </a:solidFill>
+                <a:latin typeface="+mn-lt"/>
+                <a:ea typeface="+mn-ea"/>
+                <a:cs typeface="+mn-cs"/>
+              </a:defRPr>
+            </a:lvl9pPr>
+          </a:lstStyle>
+          <a:p>
+            <a:pPr marL="0" indent="0">
+              <a:buFont typeface="Wingdings 2" panose="05020102010507070707" pitchFamily="18" charset="2"/>
+              <a:buNone/>
+            </a:pPr>
+            <a:r>
+              <a:rPr lang="en-US" sz="1800" dirty="0">
+                <a:latin typeface="Arial" panose="020B0604020202020204" pitchFamily="34" charset="0"/>
+                <a:cs typeface="Arial" panose="020B0604020202020204" pitchFamily="34" charset="0"/>
+              </a:rPr>
+              <a:t>	</a:t>
+            </a:r>
+            <a:r>
+              <a:rPr lang="en-US" sz="1800" dirty="0" err="1">
+                <a:latin typeface="Arial" panose="020B0604020202020204" pitchFamily="34" charset="0"/>
+                <a:cs typeface="Arial" panose="020B0604020202020204" pitchFamily="34" charset="0"/>
+              </a:rPr>
+              <a:t>WebElement</a:t>
+            </a:r>
+            <a:r>
+              <a:rPr lang="en-US" sz="1800" dirty="0">
+                <a:latin typeface="Arial" panose="020B0604020202020204" pitchFamily="34" charset="0"/>
+                <a:cs typeface="Arial" panose="020B0604020202020204" pitchFamily="34" charset="0"/>
+              </a:rPr>
+              <a:t> </a:t>
+            </a:r>
+            <a:r>
+              <a:rPr lang="en-US" sz="1800" dirty="0" err="1">
+                <a:latin typeface="Arial" panose="020B0604020202020204" pitchFamily="34" charset="0"/>
+                <a:cs typeface="Arial" panose="020B0604020202020204" pitchFamily="34" charset="0"/>
+              </a:rPr>
+              <a:t>usenameTxt</a:t>
+            </a:r>
+            <a:r>
+              <a:rPr lang="en-US" sz="1800" dirty="0">
+                <a:latin typeface="Arial" panose="020B0604020202020204" pitchFamily="34" charset="0"/>
+                <a:cs typeface="Arial" panose="020B0604020202020204" pitchFamily="34" charset="0"/>
+              </a:rPr>
+              <a:t> = </a:t>
+            </a:r>
+            <a:r>
+              <a:rPr lang="en-US" sz="1800" dirty="0" err="1">
+                <a:latin typeface="Arial" panose="020B0604020202020204" pitchFamily="34" charset="0"/>
+                <a:cs typeface="Arial" panose="020B0604020202020204" pitchFamily="34" charset="0"/>
+              </a:rPr>
+              <a:t>driver.</a:t>
+            </a:r>
+            <a:r>
+              <a:rPr lang="en-US" sz="1800" b="1" dirty="0" err="1">
+                <a:latin typeface="Arial" panose="020B0604020202020204" pitchFamily="34" charset="0"/>
+                <a:cs typeface="Arial" panose="020B0604020202020204" pitchFamily="34" charset="0"/>
+              </a:rPr>
+              <a:t>findElement</a:t>
+            </a:r>
+            <a:r>
+              <a:rPr lang="en-US" sz="1800" b="1" dirty="0">
+                <a:latin typeface="Arial" panose="020B0604020202020204" pitchFamily="34" charset="0"/>
+                <a:cs typeface="Arial" panose="020B0604020202020204" pitchFamily="34" charset="0"/>
+              </a:rPr>
+              <a:t>(By.name(“user-name”))</a:t>
+            </a:r>
+          </a:p>
+        </p:txBody>
+      </p:sp>
+    </p:spTree>
+    <p:extLst>
+      <p:ext uri="{BB962C8B-B14F-4D97-AF65-F5344CB8AC3E}">
+        <p14:creationId xmlns:p14="http://schemas.microsoft.com/office/powerpoint/2010/main" val="1649270563"/>
+      </p:ext>
+    </p:extLst>
+  </p:cSld>
+  <p:clrMapOvr>
+    <a:masterClrMapping/>
+  </p:clrMapOvr>
+</p:sld>
+</file>
+
+<file path=ppt/slides/slide17.xml><?xml version="1.0" encoding="utf-8"?>
+<p:sld xmlns:a="http://schemas.openxmlformats.org/drawingml/2006/main" xmlns:r="http://schemas.openxmlformats.org/officeDocument/2006/relationships" xmlns:p="http://schemas.openxmlformats.org/presentationml/2006/main">
+  <p:cSld>
+    <p:spTree>
+      <p:nvGrpSpPr>
+        <p:cNvPr id="1" name=""/>
+        <p:cNvGrpSpPr/>
+        <p:nvPr/>
+      </p:nvGrpSpPr>
+      <p:grpSpPr>
+        <a:xfrm>
+          <a:off x="0" y="0"/>
+          <a:ext cx="0" cy="0"/>
+          <a:chOff x="0" y="0"/>
+          <a:chExt cx="0" cy="0"/>
+        </a:xfrm>
+      </p:grpSpPr>
+      <p:sp>
+        <p:nvSpPr>
+          <p:cNvPr id="2" name="Title 1">
+            <a:extLst>
+              <a:ext uri="{FF2B5EF4-FFF2-40B4-BE49-F238E27FC236}">
+                <a16:creationId xmlns:a16="http://schemas.microsoft.com/office/drawing/2014/main" id="{37C03526-5AAF-2CD7-4F25-236DE7F23EC4}"/>
+              </a:ext>
+            </a:extLst>
+          </p:cNvPr>
+          <p:cNvSpPr>
+            <a:spLocks noGrp="1"/>
+          </p:cNvSpPr>
+          <p:nvPr>
+            <p:ph type="title"/>
+          </p:nvPr>
+        </p:nvSpPr>
+        <p:spPr/>
+        <p:txBody>
+          <a:bodyPr/>
+          <a:lstStyle/>
+          <a:p>
+            <a:r>
+              <a:rPr lang="en-US" dirty="0">
+                <a:latin typeface="Arial Rounded MT Bold" panose="020F0704030504030204" pitchFamily="34" charset="0"/>
+              </a:rPr>
+              <a:t>Consulta de </a:t>
+            </a:r>
+            <a:r>
+              <a:rPr lang="en-US" dirty="0" err="1">
+                <a:latin typeface="Arial Rounded MT Bold" panose="020F0704030504030204" pitchFamily="34" charset="0"/>
+              </a:rPr>
+              <a:t>Elementos</a:t>
+            </a:r>
+            <a:endParaRPr lang="en-US" dirty="0">
+              <a:latin typeface="Arial Rounded MT Bold" panose="020F0704030504030204" pitchFamily="34" charset="0"/>
+            </a:endParaRPr>
+          </a:p>
+        </p:txBody>
+      </p:sp>
+      <p:sp>
+        <p:nvSpPr>
+          <p:cNvPr id="3" name="Content Placeholder 2">
+            <a:extLst>
+              <a:ext uri="{FF2B5EF4-FFF2-40B4-BE49-F238E27FC236}">
+                <a16:creationId xmlns:a16="http://schemas.microsoft.com/office/drawing/2014/main" id="{5F5CD97A-3BDF-5492-ED2A-EBA4666BCFDB}"/>
+              </a:ext>
+            </a:extLst>
+          </p:cNvPr>
+          <p:cNvSpPr>
+            <a:spLocks noGrp="1"/>
+          </p:cNvSpPr>
+          <p:nvPr>
+            <p:ph idx="1"/>
+          </p:nvPr>
+        </p:nvSpPr>
+        <p:spPr>
+          <a:xfrm>
+            <a:off x="420625" y="1825625"/>
+            <a:ext cx="10543031" cy="722703"/>
+          </a:xfrm>
+        </p:spPr>
+        <p:txBody>
+          <a:bodyPr>
+            <a:normAutofit/>
+          </a:bodyPr>
+          <a:lstStyle/>
+          <a:p>
+            <a:r>
+              <a:rPr lang="en-US" sz="1800" dirty="0">
+                <a:latin typeface="Arial" panose="020B0604020202020204" pitchFamily="34" charset="0"/>
+                <a:cs typeface="Arial" panose="020B0604020202020204" pitchFamily="34" charset="0"/>
+              </a:rPr>
+              <a:t>La </a:t>
+            </a:r>
+            <a:r>
+              <a:rPr lang="en-US" sz="1800" dirty="0" err="1">
+                <a:latin typeface="Arial" panose="020B0604020202020204" pitchFamily="34" charset="0"/>
+                <a:cs typeface="Arial" panose="020B0604020202020204" pitchFamily="34" charset="0"/>
+              </a:rPr>
+              <a:t>interfaz</a:t>
+            </a:r>
+            <a:r>
+              <a:rPr lang="en-US" sz="1800" dirty="0">
+                <a:latin typeface="Arial" panose="020B0604020202020204" pitchFamily="34" charset="0"/>
+                <a:cs typeface="Arial" panose="020B0604020202020204" pitchFamily="34" charset="0"/>
+              </a:rPr>
+              <a:t> </a:t>
+            </a:r>
+            <a:r>
+              <a:rPr lang="en-US" sz="1800" dirty="0" err="1">
+                <a:latin typeface="Arial" panose="020B0604020202020204" pitchFamily="34" charset="0"/>
+                <a:cs typeface="Arial" panose="020B0604020202020204" pitchFamily="34" charset="0"/>
+              </a:rPr>
+              <a:t>WebElement</a:t>
+            </a:r>
+            <a:r>
+              <a:rPr lang="en-US" sz="1800" dirty="0">
+                <a:latin typeface="Arial" panose="020B0604020202020204" pitchFamily="34" charset="0"/>
+                <a:cs typeface="Arial" panose="020B0604020202020204" pitchFamily="34" charset="0"/>
+              </a:rPr>
+              <a:t> </a:t>
+            </a:r>
+            <a:r>
+              <a:rPr lang="en-US" sz="1800" dirty="0" err="1">
+                <a:latin typeface="Arial" panose="020B0604020202020204" pitchFamily="34" charset="0"/>
+                <a:cs typeface="Arial" panose="020B0604020202020204" pitchFamily="34" charset="0"/>
+              </a:rPr>
+              <a:t>proporciona</a:t>
+            </a:r>
+            <a:r>
+              <a:rPr lang="en-US" sz="1800" dirty="0">
+                <a:latin typeface="Arial" panose="020B0604020202020204" pitchFamily="34" charset="0"/>
+                <a:cs typeface="Arial" panose="020B0604020202020204" pitchFamily="34" charset="0"/>
+              </a:rPr>
+              <a:t> </a:t>
+            </a:r>
+            <a:r>
+              <a:rPr lang="en-US" sz="1800" dirty="0" err="1">
+                <a:latin typeface="Arial" panose="020B0604020202020204" pitchFamily="34" charset="0"/>
+                <a:cs typeface="Arial" panose="020B0604020202020204" pitchFamily="34" charset="0"/>
+              </a:rPr>
+              <a:t>varios</a:t>
+            </a:r>
+            <a:r>
+              <a:rPr lang="en-US" sz="1800" dirty="0">
+                <a:latin typeface="Arial" panose="020B0604020202020204" pitchFamily="34" charset="0"/>
+                <a:cs typeface="Arial" panose="020B0604020202020204" pitchFamily="34" charset="0"/>
+              </a:rPr>
+              <a:t> </a:t>
+            </a:r>
+            <a:r>
+              <a:rPr lang="en-US" sz="1800" dirty="0" err="1">
+                <a:latin typeface="Arial" panose="020B0604020202020204" pitchFamily="34" charset="0"/>
+                <a:cs typeface="Arial" panose="020B0604020202020204" pitchFamily="34" charset="0"/>
+              </a:rPr>
+              <a:t>métodos</a:t>
+            </a:r>
+            <a:r>
+              <a:rPr lang="en-US" sz="1800" dirty="0">
+                <a:latin typeface="Arial" panose="020B0604020202020204" pitchFamily="34" charset="0"/>
+                <a:cs typeface="Arial" panose="020B0604020202020204" pitchFamily="34" charset="0"/>
+              </a:rPr>
+              <a:t> para </a:t>
+            </a:r>
+            <a:r>
+              <a:rPr lang="en-US" sz="1800" dirty="0" err="1">
+                <a:latin typeface="Arial" panose="020B0604020202020204" pitchFamily="34" charset="0"/>
+                <a:cs typeface="Arial" panose="020B0604020202020204" pitchFamily="34" charset="0"/>
+              </a:rPr>
+              <a:t>obtener</a:t>
+            </a:r>
+            <a:r>
+              <a:rPr lang="en-US" sz="1800" dirty="0">
+                <a:latin typeface="Arial" panose="020B0604020202020204" pitchFamily="34" charset="0"/>
+                <a:cs typeface="Arial" panose="020B0604020202020204" pitchFamily="34" charset="0"/>
+              </a:rPr>
+              <a:t> información del </a:t>
+            </a:r>
+            <a:r>
+              <a:rPr lang="en-US" sz="1800" dirty="0" err="1">
+                <a:latin typeface="Arial" panose="020B0604020202020204" pitchFamily="34" charset="0"/>
+                <a:cs typeface="Arial" panose="020B0604020202020204" pitchFamily="34" charset="0"/>
+              </a:rPr>
+              <a:t>elemento</a:t>
+            </a:r>
+            <a:r>
+              <a:rPr lang="en-US" sz="1800" dirty="0">
+                <a:latin typeface="Arial" panose="020B0604020202020204" pitchFamily="34" charset="0"/>
+                <a:cs typeface="Arial" panose="020B0604020202020204" pitchFamily="34" charset="0"/>
+              </a:rPr>
+              <a:t> </a:t>
+            </a:r>
+            <a:r>
+              <a:rPr lang="en-US" sz="1800" dirty="0" err="1">
+                <a:latin typeface="Arial" panose="020B0604020202020204" pitchFamily="34" charset="0"/>
+                <a:cs typeface="Arial" panose="020B0604020202020204" pitchFamily="34" charset="0"/>
+              </a:rPr>
+              <a:t>identificado</a:t>
+            </a:r>
+            <a:r>
+              <a:rPr lang="en-US" sz="1800" dirty="0">
+                <a:latin typeface="Arial" panose="020B0604020202020204" pitchFamily="34" charset="0"/>
+                <a:cs typeface="Arial" panose="020B0604020202020204" pitchFamily="34" charset="0"/>
+              </a:rPr>
+              <a:t>.</a:t>
+            </a:r>
+          </a:p>
+        </p:txBody>
+      </p:sp>
+      <p:pic>
+        <p:nvPicPr>
+          <p:cNvPr id="5" name="Picture 4">
+            <a:extLst>
+              <a:ext uri="{FF2B5EF4-FFF2-40B4-BE49-F238E27FC236}">
+                <a16:creationId xmlns:a16="http://schemas.microsoft.com/office/drawing/2014/main" id="{E3FC6C74-B921-192D-FD14-1DA9436C399C}"/>
+              </a:ext>
+            </a:extLst>
+          </p:cNvPr>
+          <p:cNvPicPr>
+            <a:picLocks noChangeAspect="1"/>
+          </p:cNvPicPr>
+          <p:nvPr/>
+        </p:nvPicPr>
+        <p:blipFill>
+          <a:blip r:embed="rId2"/>
+          <a:stretch>
+            <a:fillRect/>
+          </a:stretch>
+        </p:blipFill>
+        <p:spPr>
+          <a:xfrm>
+            <a:off x="1026004" y="2548328"/>
+            <a:ext cx="6182588" cy="3200847"/>
+          </a:xfrm>
+          <a:prstGeom prst="rect">
+            <a:avLst/>
+          </a:prstGeom>
+        </p:spPr>
+      </p:pic>
+      <p:sp>
+        <p:nvSpPr>
+          <p:cNvPr id="6" name="TextBox 5">
+            <a:extLst>
+              <a:ext uri="{FF2B5EF4-FFF2-40B4-BE49-F238E27FC236}">
+                <a16:creationId xmlns:a16="http://schemas.microsoft.com/office/drawing/2014/main" id="{3D4A99BD-770E-227F-261C-40649D8A914C}"/>
+              </a:ext>
+            </a:extLst>
+          </p:cNvPr>
+          <p:cNvSpPr txBox="1"/>
+          <p:nvPr/>
+        </p:nvSpPr>
+        <p:spPr>
+          <a:xfrm>
+            <a:off x="7420131" y="3414010"/>
+            <a:ext cx="3972394" cy="2031325"/>
+          </a:xfrm>
+          <a:prstGeom prst="rect">
+            <a:avLst/>
+          </a:prstGeom>
+          <a:noFill/>
+        </p:spPr>
+        <p:txBody>
+          <a:bodyPr wrap="square" rtlCol="0">
+            <a:spAutoFit/>
+          </a:bodyPr>
+          <a:lstStyle/>
+          <a:p>
+            <a:r>
+              <a:rPr lang="en-US" dirty="0" err="1">
+                <a:latin typeface="Arial" panose="020B0604020202020204" pitchFamily="34" charset="0"/>
+                <a:cs typeface="Arial" panose="020B0604020202020204" pitchFamily="34" charset="0"/>
+              </a:rPr>
+              <a:t>Obtiene</a:t>
+            </a:r>
+            <a:r>
+              <a:rPr lang="en-US" dirty="0">
+                <a:latin typeface="Arial" panose="020B0604020202020204" pitchFamily="34" charset="0"/>
+                <a:cs typeface="Arial" panose="020B0604020202020204" pitchFamily="34" charset="0"/>
+              </a:rPr>
+              <a:t> </a:t>
+            </a:r>
+            <a:r>
+              <a:rPr lang="en-US" dirty="0" err="1">
+                <a:latin typeface="Arial" panose="020B0604020202020204" pitchFamily="34" charset="0"/>
+                <a:cs typeface="Arial" panose="020B0604020202020204" pitchFamily="34" charset="0"/>
+              </a:rPr>
+              <a:t>el</a:t>
+            </a:r>
+            <a:r>
+              <a:rPr lang="en-US" dirty="0">
+                <a:latin typeface="Arial" panose="020B0604020202020204" pitchFamily="34" charset="0"/>
+                <a:cs typeface="Arial" panose="020B0604020202020204" pitchFamily="34" charset="0"/>
+              </a:rPr>
+              <a:t> valor del </a:t>
+            </a:r>
+            <a:r>
+              <a:rPr lang="en-US" dirty="0" err="1">
+                <a:latin typeface="Arial" panose="020B0604020202020204" pitchFamily="34" charset="0"/>
+                <a:cs typeface="Arial" panose="020B0604020202020204" pitchFamily="34" charset="0"/>
+              </a:rPr>
+              <a:t>atributo</a:t>
+            </a:r>
+            <a:r>
+              <a:rPr lang="en-US" dirty="0">
+                <a:latin typeface="Arial" panose="020B0604020202020204" pitchFamily="34" charset="0"/>
+                <a:cs typeface="Arial" panose="020B0604020202020204" pitchFamily="34" charset="0"/>
+              </a:rPr>
+              <a:t> del </a:t>
+            </a:r>
+            <a:r>
+              <a:rPr lang="en-US" dirty="0" err="1">
+                <a:latin typeface="Arial" panose="020B0604020202020204" pitchFamily="34" charset="0"/>
+                <a:cs typeface="Arial" panose="020B0604020202020204" pitchFamily="34" charset="0"/>
+              </a:rPr>
+              <a:t>elemento</a:t>
+            </a:r>
+            <a:r>
+              <a:rPr lang="en-US" dirty="0">
+                <a:latin typeface="Arial" panose="020B0604020202020204" pitchFamily="34" charset="0"/>
+                <a:cs typeface="Arial" panose="020B0604020202020204" pitchFamily="34" charset="0"/>
+              </a:rPr>
+              <a:t>.</a:t>
+            </a:r>
+          </a:p>
+          <a:p>
+            <a:endParaRPr lang="en-US" dirty="0">
+              <a:latin typeface="Arial" panose="020B0604020202020204" pitchFamily="34" charset="0"/>
+              <a:cs typeface="Arial" panose="020B0604020202020204" pitchFamily="34" charset="0"/>
+            </a:endParaRPr>
+          </a:p>
+          <a:p>
+            <a:r>
+              <a:rPr lang="en-US" dirty="0" err="1">
+                <a:latin typeface="Arial" panose="020B0604020202020204" pitchFamily="34" charset="0"/>
+                <a:cs typeface="Arial" panose="020B0604020202020204" pitchFamily="34" charset="0"/>
+              </a:rPr>
+              <a:t>Obtiene</a:t>
+            </a:r>
+            <a:r>
+              <a:rPr lang="en-US" dirty="0">
+                <a:latin typeface="Arial" panose="020B0604020202020204" pitchFamily="34" charset="0"/>
+                <a:cs typeface="Arial" panose="020B0604020202020204" pitchFamily="34" charset="0"/>
+              </a:rPr>
+              <a:t> </a:t>
+            </a:r>
+            <a:r>
+              <a:rPr lang="en-US" dirty="0" err="1">
+                <a:latin typeface="Arial" panose="020B0604020202020204" pitchFamily="34" charset="0"/>
+                <a:cs typeface="Arial" panose="020B0604020202020204" pitchFamily="34" charset="0"/>
+              </a:rPr>
+              <a:t>el</a:t>
+            </a:r>
+            <a:r>
+              <a:rPr lang="en-US" dirty="0">
+                <a:latin typeface="Arial" panose="020B0604020202020204" pitchFamily="34" charset="0"/>
+                <a:cs typeface="Arial" panose="020B0604020202020204" pitchFamily="34" charset="0"/>
+              </a:rPr>
+              <a:t> nombre de la </a:t>
+            </a:r>
+            <a:r>
+              <a:rPr lang="en-US" dirty="0" err="1">
+                <a:latin typeface="Arial" panose="020B0604020202020204" pitchFamily="34" charset="0"/>
+                <a:cs typeface="Arial" panose="020B0604020202020204" pitchFamily="34" charset="0"/>
+              </a:rPr>
+              <a:t>etiqueta</a:t>
+            </a:r>
+            <a:r>
+              <a:rPr lang="en-US" dirty="0">
+                <a:latin typeface="Arial" panose="020B0604020202020204" pitchFamily="34" charset="0"/>
+                <a:cs typeface="Arial" panose="020B0604020202020204" pitchFamily="34" charset="0"/>
+              </a:rPr>
+              <a:t>(tag) del </a:t>
+            </a:r>
+            <a:r>
+              <a:rPr lang="en-US" dirty="0" err="1">
+                <a:latin typeface="Arial" panose="020B0604020202020204" pitchFamily="34" charset="0"/>
+                <a:cs typeface="Arial" panose="020B0604020202020204" pitchFamily="34" charset="0"/>
+              </a:rPr>
+              <a:t>elemento</a:t>
+            </a:r>
+            <a:r>
+              <a:rPr lang="en-US" dirty="0">
+                <a:latin typeface="Arial" panose="020B0604020202020204" pitchFamily="34" charset="0"/>
+                <a:cs typeface="Arial" panose="020B0604020202020204" pitchFamily="34" charset="0"/>
+              </a:rPr>
+              <a:t>.</a:t>
+            </a:r>
+          </a:p>
+          <a:p>
+            <a:endParaRPr lang="en-US" dirty="0">
+              <a:latin typeface="Arial" panose="020B0604020202020204" pitchFamily="34" charset="0"/>
+              <a:cs typeface="Arial" panose="020B0604020202020204" pitchFamily="34" charset="0"/>
+            </a:endParaRPr>
+          </a:p>
+          <a:p>
+            <a:r>
+              <a:rPr lang="en-US" dirty="0" err="1">
+                <a:latin typeface="Arial" panose="020B0604020202020204" pitchFamily="34" charset="0"/>
+                <a:cs typeface="Arial" panose="020B0604020202020204" pitchFamily="34" charset="0"/>
+              </a:rPr>
+              <a:t>Obtiene</a:t>
+            </a:r>
+            <a:r>
+              <a:rPr lang="en-US" dirty="0">
+                <a:latin typeface="Arial" panose="020B0604020202020204" pitchFamily="34" charset="0"/>
+                <a:cs typeface="Arial" panose="020B0604020202020204" pitchFamily="34" charset="0"/>
+              </a:rPr>
+              <a:t> </a:t>
+            </a:r>
+            <a:r>
+              <a:rPr lang="en-US" dirty="0" err="1">
+                <a:latin typeface="Arial" panose="020B0604020202020204" pitchFamily="34" charset="0"/>
+                <a:cs typeface="Arial" panose="020B0604020202020204" pitchFamily="34" charset="0"/>
+              </a:rPr>
+              <a:t>el</a:t>
+            </a:r>
+            <a:r>
+              <a:rPr lang="en-US" dirty="0">
+                <a:latin typeface="Arial" panose="020B0604020202020204" pitchFamily="34" charset="0"/>
+                <a:cs typeface="Arial" panose="020B0604020202020204" pitchFamily="34" charset="0"/>
+              </a:rPr>
+              <a:t> </a:t>
+            </a:r>
+            <a:r>
+              <a:rPr lang="en-US" dirty="0" err="1">
+                <a:latin typeface="Arial" panose="020B0604020202020204" pitchFamily="34" charset="0"/>
+                <a:cs typeface="Arial" panose="020B0604020202020204" pitchFamily="34" charset="0"/>
+              </a:rPr>
+              <a:t>texto</a:t>
+            </a:r>
+            <a:r>
+              <a:rPr lang="en-US" dirty="0">
+                <a:latin typeface="Arial" panose="020B0604020202020204" pitchFamily="34" charset="0"/>
+                <a:cs typeface="Arial" panose="020B0604020202020204" pitchFamily="34" charset="0"/>
+              </a:rPr>
+              <a:t> visible del </a:t>
+            </a:r>
+            <a:r>
+              <a:rPr lang="en-US" dirty="0" err="1">
+                <a:latin typeface="Arial" panose="020B0604020202020204" pitchFamily="34" charset="0"/>
+                <a:cs typeface="Arial" panose="020B0604020202020204" pitchFamily="34" charset="0"/>
+              </a:rPr>
+              <a:t>elemento</a:t>
+            </a:r>
+            <a:r>
+              <a:rPr lang="en-US" dirty="0">
+                <a:latin typeface="Arial" panose="020B0604020202020204" pitchFamily="34" charset="0"/>
+                <a:cs typeface="Arial" panose="020B0604020202020204" pitchFamily="34" charset="0"/>
+              </a:rPr>
+              <a:t>.</a:t>
+            </a:r>
+          </a:p>
+        </p:txBody>
+      </p:sp>
+    </p:spTree>
+    <p:extLst>
+      <p:ext uri="{BB962C8B-B14F-4D97-AF65-F5344CB8AC3E}">
+        <p14:creationId xmlns:p14="http://schemas.microsoft.com/office/powerpoint/2010/main" val="1634647218"/>
+      </p:ext>
+    </p:extLst>
+  </p:cSld>
+  <p:clrMapOvr>
+    <a:masterClrMapping/>
+  </p:clrMapOvr>
+</p:sld>
+</file>
+
+<file path=ppt/slides/slide18.xml><?xml version="1.0" encoding="utf-8"?>
+<p:sld xmlns:a="http://schemas.openxmlformats.org/drawingml/2006/main" xmlns:r="http://schemas.openxmlformats.org/officeDocument/2006/relationships" xmlns:p="http://schemas.openxmlformats.org/presentationml/2006/main">
+  <p:cSld>
+    <p:spTree>
+      <p:nvGrpSpPr>
+        <p:cNvPr id="1" name=""/>
+        <p:cNvGrpSpPr/>
+        <p:nvPr/>
+      </p:nvGrpSpPr>
+      <p:grpSpPr>
+        <a:xfrm>
+          <a:off x="0" y="0"/>
+          <a:ext cx="0" cy="0"/>
+          <a:chOff x="0" y="0"/>
+          <a:chExt cx="0" cy="0"/>
+        </a:xfrm>
+      </p:grpSpPr>
+      <p:sp>
+        <p:nvSpPr>
+          <p:cNvPr id="2" name="Title 1">
+            <a:extLst>
+              <a:ext uri="{FF2B5EF4-FFF2-40B4-BE49-F238E27FC236}">
+                <a16:creationId xmlns:a16="http://schemas.microsoft.com/office/drawing/2014/main" id="{37C03526-5AAF-2CD7-4F25-236DE7F23EC4}"/>
+              </a:ext>
+            </a:extLst>
+          </p:cNvPr>
+          <p:cNvSpPr>
+            <a:spLocks noGrp="1"/>
+          </p:cNvSpPr>
+          <p:nvPr>
+            <p:ph type="title"/>
+          </p:nvPr>
+        </p:nvSpPr>
+        <p:spPr/>
+        <p:txBody>
+          <a:bodyPr/>
+          <a:lstStyle/>
+          <a:p>
+            <a:r>
+              <a:rPr lang="en-US" dirty="0">
+                <a:latin typeface="Arial Rounded MT Bold" panose="020F0704030504030204" pitchFamily="34" charset="0"/>
+              </a:rPr>
+              <a:t>Consulta de </a:t>
+            </a:r>
+            <a:r>
+              <a:rPr lang="en-US" dirty="0" err="1">
+                <a:latin typeface="Arial Rounded MT Bold" panose="020F0704030504030204" pitchFamily="34" charset="0"/>
+              </a:rPr>
+              <a:t>Elementos</a:t>
+            </a:r>
+            <a:endParaRPr lang="en-US" dirty="0">
+              <a:latin typeface="Arial Rounded MT Bold" panose="020F0704030504030204" pitchFamily="34" charset="0"/>
+            </a:endParaRPr>
+          </a:p>
+        </p:txBody>
+      </p:sp>
+      <p:sp>
+        <p:nvSpPr>
+          <p:cNvPr id="6" name="TextBox 5">
+            <a:extLst>
+              <a:ext uri="{FF2B5EF4-FFF2-40B4-BE49-F238E27FC236}">
+                <a16:creationId xmlns:a16="http://schemas.microsoft.com/office/drawing/2014/main" id="{3D4A99BD-770E-227F-261C-40649D8A914C}"/>
+              </a:ext>
+            </a:extLst>
+          </p:cNvPr>
+          <p:cNvSpPr txBox="1"/>
+          <p:nvPr/>
+        </p:nvSpPr>
+        <p:spPr>
+          <a:xfrm>
+            <a:off x="6768324" y="2413337"/>
+            <a:ext cx="4564240" cy="3139321"/>
+          </a:xfrm>
+          <a:prstGeom prst="rect">
+            <a:avLst/>
+          </a:prstGeom>
+          <a:noFill/>
+        </p:spPr>
+        <p:txBody>
+          <a:bodyPr wrap="square" rtlCol="0">
+            <a:spAutoFit/>
+          </a:bodyPr>
+          <a:lstStyle/>
+          <a:p>
+            <a:r>
+              <a:rPr lang="es-CR" dirty="0">
+                <a:latin typeface="Arial" panose="020B0604020202020204" pitchFamily="34" charset="0"/>
+                <a:cs typeface="Arial" panose="020B0604020202020204" pitchFamily="34" charset="0"/>
+              </a:rPr>
+              <a:t>¿Se muestra el elemento?</a:t>
+            </a:r>
+          </a:p>
+          <a:p>
+            <a:endParaRPr lang="es-CR" dirty="0">
+              <a:latin typeface="Arial" panose="020B0604020202020204" pitchFamily="34" charset="0"/>
+              <a:cs typeface="Arial" panose="020B0604020202020204" pitchFamily="34" charset="0"/>
+            </a:endParaRPr>
+          </a:p>
+          <a:p>
+            <a:endParaRPr lang="es-CR" dirty="0">
+              <a:latin typeface="Arial" panose="020B0604020202020204" pitchFamily="34" charset="0"/>
+              <a:cs typeface="Arial" panose="020B0604020202020204" pitchFamily="34" charset="0"/>
+            </a:endParaRPr>
+          </a:p>
+          <a:p>
+            <a:endParaRPr lang="es-CR" dirty="0">
+              <a:latin typeface="Arial" panose="020B0604020202020204" pitchFamily="34" charset="0"/>
+              <a:cs typeface="Arial" panose="020B0604020202020204" pitchFamily="34" charset="0"/>
+            </a:endParaRPr>
+          </a:p>
+          <a:p>
+            <a:r>
+              <a:rPr lang="es-CR" dirty="0">
+                <a:latin typeface="Arial" panose="020B0604020202020204" pitchFamily="34" charset="0"/>
+                <a:cs typeface="Arial" panose="020B0604020202020204" pitchFamily="34" charset="0"/>
+              </a:rPr>
+              <a:t>¿El elemento está seleccionado? Solo aplica a elementos de entrada (opciones de selección, casilla de verificación y botones)</a:t>
+            </a:r>
+          </a:p>
+          <a:p>
+            <a:endParaRPr lang="es-CR" dirty="0">
+              <a:latin typeface="Arial" panose="020B0604020202020204" pitchFamily="34" charset="0"/>
+              <a:cs typeface="Arial" panose="020B0604020202020204" pitchFamily="34" charset="0"/>
+            </a:endParaRPr>
+          </a:p>
+          <a:p>
+            <a:endParaRPr lang="es-CR" dirty="0">
+              <a:latin typeface="Arial" panose="020B0604020202020204" pitchFamily="34" charset="0"/>
+              <a:cs typeface="Arial" panose="020B0604020202020204" pitchFamily="34" charset="0"/>
+            </a:endParaRPr>
+          </a:p>
+          <a:p>
+            <a:r>
+              <a:rPr lang="es-CR" dirty="0">
+                <a:latin typeface="Arial" panose="020B0604020202020204" pitchFamily="34" charset="0"/>
+                <a:cs typeface="Arial" panose="020B0604020202020204" pitchFamily="34" charset="0"/>
+              </a:rPr>
+              <a:t>¿El elemento está habilitado?</a:t>
+            </a:r>
+          </a:p>
+        </p:txBody>
+      </p:sp>
+      <p:pic>
+        <p:nvPicPr>
+          <p:cNvPr id="11" name="Picture 10">
+            <a:extLst>
+              <a:ext uri="{FF2B5EF4-FFF2-40B4-BE49-F238E27FC236}">
+                <a16:creationId xmlns:a16="http://schemas.microsoft.com/office/drawing/2014/main" id="{D2526A63-CD47-D563-DE9E-40B44A22D364}"/>
+              </a:ext>
+            </a:extLst>
+          </p:cNvPr>
+          <p:cNvPicPr>
+            <a:picLocks noChangeAspect="1"/>
+          </p:cNvPicPr>
+          <p:nvPr/>
+        </p:nvPicPr>
+        <p:blipFill>
+          <a:blip r:embed="rId2"/>
+          <a:stretch>
+            <a:fillRect/>
+          </a:stretch>
+        </p:blipFill>
+        <p:spPr>
+          <a:xfrm>
+            <a:off x="1496061" y="1690688"/>
+            <a:ext cx="5049325" cy="3889463"/>
+          </a:xfrm>
+          <a:prstGeom prst="rect">
+            <a:avLst/>
+          </a:prstGeom>
+        </p:spPr>
+      </p:pic>
+    </p:spTree>
+    <p:extLst>
+      <p:ext uri="{BB962C8B-B14F-4D97-AF65-F5344CB8AC3E}">
+        <p14:creationId xmlns:p14="http://schemas.microsoft.com/office/powerpoint/2010/main" val="2911593503"/>
+      </p:ext>
+    </p:extLst>
+  </p:cSld>
+  <p:clrMapOvr>
+    <a:masterClrMapping/>
+  </p:clrMapOvr>
+</p:sld>
+</file>
+
+<file path=ppt/slides/slide19.xml><?xml version="1.0" encoding="utf-8"?>
+<p:sld xmlns:a="http://schemas.openxmlformats.org/drawingml/2006/main" xmlns:r="http://schemas.openxmlformats.org/officeDocument/2006/relationships" xmlns:p="http://schemas.openxmlformats.org/presentationml/2006/main">
+  <p:cSld>
+    <p:spTree>
+      <p:nvGrpSpPr>
+        <p:cNvPr id="1" name=""/>
+        <p:cNvGrpSpPr/>
+        <p:nvPr/>
+      </p:nvGrpSpPr>
+      <p:grpSpPr>
+        <a:xfrm>
+          <a:off x="0" y="0"/>
+          <a:ext cx="0" cy="0"/>
+          <a:chOff x="0" y="0"/>
+          <a:chExt cx="0" cy="0"/>
+        </a:xfrm>
+      </p:grpSpPr>
+      <p:sp>
+        <p:nvSpPr>
+          <p:cNvPr id="4" name="Title 3">
+            <a:extLst>
+              <a:ext uri="{FF2B5EF4-FFF2-40B4-BE49-F238E27FC236}">
+                <a16:creationId xmlns:a16="http://schemas.microsoft.com/office/drawing/2014/main" id="{A874916D-0115-46D6-99B1-CBDC5F22FDA5}"/>
+              </a:ext>
+            </a:extLst>
+          </p:cNvPr>
+          <p:cNvSpPr>
+            <a:spLocks noGrp="1"/>
+          </p:cNvSpPr>
+          <p:nvPr>
+            <p:ph type="title"/>
+          </p:nvPr>
+        </p:nvSpPr>
+        <p:spPr>
+          <a:xfrm>
+            <a:off x="1162605" y="2544001"/>
+            <a:ext cx="9865266" cy="1741601"/>
+          </a:xfrm>
+        </p:spPr>
+        <p:txBody>
+          <a:bodyPr vert="horz" lIns="91440" tIns="45720" rIns="91440" bIns="45720" rtlCol="0" anchor="b">
+            <a:normAutofit/>
+          </a:bodyPr>
+          <a:lstStyle/>
+          <a:p>
+            <a:pPr algn="ctr"/>
+            <a:r>
+              <a:rPr lang="en-US" sz="5400" dirty="0" err="1">
+                <a:latin typeface="Arial Rounded MT Bold" panose="020F0704030504030204" pitchFamily="34" charset="0"/>
+              </a:rPr>
+              <a:t>Práctica</a:t>
+            </a:r>
+            <a:r>
+              <a:rPr lang="en-US" sz="5400" dirty="0">
+                <a:latin typeface="Arial Rounded MT Bold" panose="020F0704030504030204" pitchFamily="34" charset="0"/>
+              </a:rPr>
+              <a:t> 4</a:t>
+            </a:r>
+            <a:br>
+              <a:rPr lang="en-US" sz="5400" dirty="0">
+                <a:latin typeface="Arial Rounded MT Bold" panose="020F0704030504030204" pitchFamily="34" charset="0"/>
+              </a:rPr>
+            </a:br>
+            <a:r>
+              <a:rPr lang="en-US" sz="5400" dirty="0" err="1">
+                <a:latin typeface="Arial Rounded MT Bold" panose="020F0704030504030204" pitchFamily="34" charset="0"/>
+              </a:rPr>
+              <a:t>Acciones</a:t>
+            </a:r>
+            <a:r>
+              <a:rPr lang="en-US" sz="5400" dirty="0">
+                <a:latin typeface="Arial Rounded MT Bold" panose="020F0704030504030204" pitchFamily="34" charset="0"/>
+              </a:rPr>
+              <a:t> con </a:t>
+            </a:r>
+            <a:r>
+              <a:rPr lang="en-US" sz="5400" dirty="0" err="1">
+                <a:latin typeface="Arial Rounded MT Bold" panose="020F0704030504030204" pitchFamily="34" charset="0"/>
+              </a:rPr>
+              <a:t>Elementos</a:t>
+            </a:r>
+            <a:endParaRPr lang="en-US" sz="5400" dirty="0">
+              <a:latin typeface="Arial Rounded MT Bold" panose="020F0704030504030204" pitchFamily="34" charset="0"/>
+            </a:endParaRPr>
+          </a:p>
+        </p:txBody>
+      </p:sp>
+    </p:spTree>
+    <p:extLst>
+      <p:ext uri="{BB962C8B-B14F-4D97-AF65-F5344CB8AC3E}">
+        <p14:creationId xmlns:p14="http://schemas.microsoft.com/office/powerpoint/2010/main" val="557638996"/>
+      </p:ext>
+    </p:extLst>
+  </p:cSld>
+  <p:clrMapOvr>
+    <a:masterClrMapping/>
+  </p:clrMapOvr>
+</p:sld>
+</file>
+
 <file path=ppt/slides/slide2.xml><?xml version="1.0" encoding="utf-8"?>
 <p:sld xmlns:a="http://schemas.openxmlformats.org/drawingml/2006/main" xmlns:r="http://schemas.openxmlformats.org/officeDocument/2006/relationships" xmlns:p="http://schemas.openxmlformats.org/presentationml/2006/main">
   <p:cSld>

--- a/files/4. Selenium.pptx
+++ b/files/4. Selenium.pptx
@@ -6,7 +6,7 @@
     <p:sldMasterId id="2147483726" r:id="rId2"/>
   </p:sldMasterIdLst>
   <p:notesMasterIdLst>
-    <p:notesMasterId r:id="rId22"/>
+    <p:notesMasterId r:id="rId28"/>
   </p:notesMasterIdLst>
   <p:sldIdLst>
     <p:sldId id="256" r:id="rId3"/>
@@ -23,11 +23,17 @@
     <p:sldId id="267" r:id="rId14"/>
     <p:sldId id="268" r:id="rId15"/>
     <p:sldId id="269" r:id="rId16"/>
-    <p:sldId id="270" r:id="rId17"/>
-    <p:sldId id="271" r:id="rId18"/>
-    <p:sldId id="272" r:id="rId19"/>
-    <p:sldId id="273" r:id="rId20"/>
-    <p:sldId id="274" r:id="rId21"/>
+    <p:sldId id="275" r:id="rId17"/>
+    <p:sldId id="276" r:id="rId18"/>
+    <p:sldId id="277" r:id="rId19"/>
+    <p:sldId id="280" r:id="rId20"/>
+    <p:sldId id="279" r:id="rId21"/>
+    <p:sldId id="278" r:id="rId22"/>
+    <p:sldId id="270" r:id="rId23"/>
+    <p:sldId id="271" r:id="rId24"/>
+    <p:sldId id="272" r:id="rId25"/>
+    <p:sldId id="273" r:id="rId26"/>
+    <p:sldId id="274" r:id="rId27"/>
   </p:sldIdLst>
   <p:sldSz cx="12192000" cy="6858000"/>
   <p:notesSz cx="6858000" cy="9144000"/>
@@ -10198,7 +10204,311 @@
           <a:p>
             <a:fld id="{74620AE9-C58F-40C4-91AC-93C6EA36DB5E}" type="slidenum">
               <a:rPr lang="en-US" smtClean="0"/>
-              <a:t>19</a:t>
+              <a:t>20</a:t>
+            </a:fld>
+            <a:endParaRPr lang="en-US"/>
+          </a:p>
+        </p:txBody>
+      </p:sp>
+    </p:spTree>
+    <p:extLst>
+      <p:ext uri="{BB962C8B-B14F-4D97-AF65-F5344CB8AC3E}">
+        <p14:creationId xmlns:p14="http://schemas.microsoft.com/office/powerpoint/2010/main" val="3829972226"/>
+      </p:ext>
+    </p:extLst>
+  </p:cSld>
+  <p:clrMapOvr>
+    <a:masterClrMapping/>
+  </p:clrMapOvr>
+</p:notes>
+</file>
+
+<file path=ppt/notesSlides/notesSlide11.xml><?xml version="1.0" encoding="utf-8"?>
+<p:notes xmlns:a="http://schemas.openxmlformats.org/drawingml/2006/main" xmlns:r="http://schemas.openxmlformats.org/officeDocument/2006/relationships" xmlns:p="http://schemas.openxmlformats.org/presentationml/2006/main">
+  <p:cSld>
+    <p:spTree>
+      <p:nvGrpSpPr>
+        <p:cNvPr id="1" name=""/>
+        <p:cNvGrpSpPr/>
+        <p:nvPr/>
+      </p:nvGrpSpPr>
+      <p:grpSpPr>
+        <a:xfrm>
+          <a:off x="0" y="0"/>
+          <a:ext cx="0" cy="0"/>
+          <a:chOff x="0" y="0"/>
+          <a:chExt cx="0" cy="0"/>
+        </a:xfrm>
+      </p:grpSpPr>
+      <p:sp>
+        <p:nvSpPr>
+          <p:cNvPr id="2" name="Slide Image Placeholder 1"/>
+          <p:cNvSpPr>
+            <a:spLocks noGrp="1" noRot="1" noChangeAspect="1"/>
+          </p:cNvSpPr>
+          <p:nvPr>
+            <p:ph type="sldImg"/>
+          </p:nvPr>
+        </p:nvSpPr>
+        <p:spPr/>
+      </p:sp>
+      <p:sp>
+        <p:nvSpPr>
+          <p:cNvPr id="3" name="Notes Placeholder 2"/>
+          <p:cNvSpPr>
+            <a:spLocks noGrp="1"/>
+          </p:cNvSpPr>
+          <p:nvPr>
+            <p:ph type="body" idx="1"/>
+          </p:nvPr>
+        </p:nvSpPr>
+        <p:spPr/>
+        <p:txBody>
+          <a:bodyPr/>
+          <a:lstStyle/>
+          <a:p>
+            <a:r>
+              <a:rPr lang="en-US" dirty="0"/>
+              <a:t>By es </a:t>
+            </a:r>
+            <a:r>
+              <a:rPr lang="en-US" dirty="0" err="1"/>
+              <a:t>el</a:t>
+            </a:r>
+            <a:r>
+              <a:rPr lang="en-US" dirty="0"/>
+              <a:t> </a:t>
+            </a:r>
+            <a:r>
+              <a:rPr lang="en-US" dirty="0" err="1"/>
+              <a:t>mecanismo</a:t>
+            </a:r>
+            <a:r>
+              <a:rPr lang="en-US" dirty="0"/>
+              <a:t> </a:t>
+            </a:r>
+            <a:r>
+              <a:rPr lang="en-US" dirty="0" err="1"/>
+              <a:t>utilizado</a:t>
+            </a:r>
+            <a:r>
+              <a:rPr lang="en-US" dirty="0"/>
+              <a:t> para localizer </a:t>
+            </a:r>
+            <a:r>
+              <a:rPr lang="en-US" dirty="0" err="1"/>
+              <a:t>elementos</a:t>
+            </a:r>
+            <a:r>
+              <a:rPr lang="en-US" dirty="0"/>
+              <a:t> </a:t>
+            </a:r>
+            <a:r>
+              <a:rPr lang="en-US" dirty="0" err="1"/>
+              <a:t>dentro</a:t>
+            </a:r>
+            <a:r>
+              <a:rPr lang="en-US" dirty="0"/>
+              <a:t> de document HTML</a:t>
+            </a:r>
+          </a:p>
+        </p:txBody>
+      </p:sp>
+      <p:sp>
+        <p:nvSpPr>
+          <p:cNvPr id="4" name="Slide Number Placeholder 3"/>
+          <p:cNvSpPr>
+            <a:spLocks noGrp="1"/>
+          </p:cNvSpPr>
+          <p:nvPr>
+            <p:ph type="sldNum" sz="quarter" idx="5"/>
+          </p:nvPr>
+        </p:nvSpPr>
+        <p:spPr/>
+        <p:txBody>
+          <a:bodyPr/>
+          <a:lstStyle/>
+          <a:p>
+            <a:fld id="{74620AE9-C58F-40C4-91AC-93C6EA36DB5E}" type="slidenum">
+              <a:rPr lang="en-US" smtClean="0"/>
+              <a:t>21</a:t>
+            </a:fld>
+            <a:endParaRPr lang="en-US"/>
+          </a:p>
+        </p:txBody>
+      </p:sp>
+    </p:spTree>
+    <p:extLst>
+      <p:ext uri="{BB962C8B-B14F-4D97-AF65-F5344CB8AC3E}">
+        <p14:creationId xmlns:p14="http://schemas.microsoft.com/office/powerpoint/2010/main" val="4027317064"/>
+      </p:ext>
+    </p:extLst>
+  </p:cSld>
+  <p:clrMapOvr>
+    <a:masterClrMapping/>
+  </p:clrMapOvr>
+</p:notes>
+</file>
+
+<file path=ppt/notesSlides/notesSlide12.xml><?xml version="1.0" encoding="utf-8"?>
+<p:notes xmlns:a="http://schemas.openxmlformats.org/drawingml/2006/main" xmlns:r="http://schemas.openxmlformats.org/officeDocument/2006/relationships" xmlns:p="http://schemas.openxmlformats.org/presentationml/2006/main">
+  <p:cSld>
+    <p:spTree>
+      <p:nvGrpSpPr>
+        <p:cNvPr id="1" name=""/>
+        <p:cNvGrpSpPr/>
+        <p:nvPr/>
+      </p:nvGrpSpPr>
+      <p:grpSpPr>
+        <a:xfrm>
+          <a:off x="0" y="0"/>
+          <a:ext cx="0" cy="0"/>
+          <a:chOff x="0" y="0"/>
+          <a:chExt cx="0" cy="0"/>
+        </a:xfrm>
+      </p:grpSpPr>
+      <p:sp>
+        <p:nvSpPr>
+          <p:cNvPr id="2" name="Slide Image Placeholder 1"/>
+          <p:cNvSpPr>
+            <a:spLocks noGrp="1" noRot="1" noChangeAspect="1"/>
+          </p:cNvSpPr>
+          <p:nvPr>
+            <p:ph type="sldImg"/>
+          </p:nvPr>
+        </p:nvSpPr>
+        <p:spPr/>
+      </p:sp>
+      <p:sp>
+        <p:nvSpPr>
+          <p:cNvPr id="3" name="Notes Placeholder 2"/>
+          <p:cNvSpPr>
+            <a:spLocks noGrp="1"/>
+          </p:cNvSpPr>
+          <p:nvPr>
+            <p:ph type="body" idx="1"/>
+          </p:nvPr>
+        </p:nvSpPr>
+        <p:spPr/>
+        <p:txBody>
+          <a:bodyPr/>
+          <a:lstStyle/>
+          <a:p>
+            <a:endParaRPr lang="en-US" dirty="0"/>
+          </a:p>
+        </p:txBody>
+      </p:sp>
+      <p:sp>
+        <p:nvSpPr>
+          <p:cNvPr id="4" name="Slide Number Placeholder 3"/>
+          <p:cNvSpPr>
+            <a:spLocks noGrp="1"/>
+          </p:cNvSpPr>
+          <p:nvPr>
+            <p:ph type="sldNum" sz="quarter" idx="5"/>
+          </p:nvPr>
+        </p:nvSpPr>
+        <p:spPr/>
+        <p:txBody>
+          <a:bodyPr/>
+          <a:lstStyle/>
+          <a:p>
+            <a:fld id="{74620AE9-C58F-40C4-91AC-93C6EA36DB5E}" type="slidenum">
+              <a:rPr lang="en-US" smtClean="0"/>
+              <a:t>22</a:t>
+            </a:fld>
+            <a:endParaRPr lang="en-US"/>
+          </a:p>
+        </p:txBody>
+      </p:sp>
+    </p:spTree>
+    <p:extLst>
+      <p:ext uri="{BB962C8B-B14F-4D97-AF65-F5344CB8AC3E}">
+        <p14:creationId xmlns:p14="http://schemas.microsoft.com/office/powerpoint/2010/main" val="3339898351"/>
+      </p:ext>
+    </p:extLst>
+  </p:cSld>
+  <p:clrMapOvr>
+    <a:masterClrMapping/>
+  </p:clrMapOvr>
+</p:notes>
+</file>
+
+<file path=ppt/notesSlides/notesSlide13.xml><?xml version="1.0" encoding="utf-8"?>
+<p:notes xmlns:a="http://schemas.openxmlformats.org/drawingml/2006/main" xmlns:r="http://schemas.openxmlformats.org/officeDocument/2006/relationships" xmlns:p="http://schemas.openxmlformats.org/presentationml/2006/main">
+  <p:cSld>
+    <p:spTree>
+      <p:nvGrpSpPr>
+        <p:cNvPr id="1" name=""/>
+        <p:cNvGrpSpPr/>
+        <p:nvPr/>
+      </p:nvGrpSpPr>
+      <p:grpSpPr>
+        <a:xfrm>
+          <a:off x="0" y="0"/>
+          <a:ext cx="0" cy="0"/>
+          <a:chOff x="0" y="0"/>
+          <a:chExt cx="0" cy="0"/>
+        </a:xfrm>
+      </p:grpSpPr>
+      <p:sp>
+        <p:nvSpPr>
+          <p:cNvPr id="2" name="Slide Image Placeholder 1"/>
+          <p:cNvSpPr>
+            <a:spLocks noGrp="1" noRot="1" noChangeAspect="1"/>
+          </p:cNvSpPr>
+          <p:nvPr>
+            <p:ph type="sldImg"/>
+          </p:nvPr>
+        </p:nvSpPr>
+        <p:spPr/>
+      </p:sp>
+      <p:sp>
+        <p:nvSpPr>
+          <p:cNvPr id="3" name="Notes Placeholder 2"/>
+          <p:cNvSpPr>
+            <a:spLocks noGrp="1"/>
+          </p:cNvSpPr>
+          <p:nvPr>
+            <p:ph type="body" idx="1"/>
+          </p:nvPr>
+        </p:nvSpPr>
+        <p:spPr/>
+        <p:txBody>
+          <a:bodyPr/>
+          <a:lstStyle/>
+          <a:p>
+            <a:r>
+              <a:rPr lang="es-CR" dirty="0"/>
+              <a:t>https://mvnrepository.com/artifact/org.seleniumhq.selenium/selenium-java</a:t>
+            </a:r>
+          </a:p>
+          <a:p>
+            <a:r>
+              <a:rPr lang="es-CR" dirty="0"/>
+              <a:t>https://chromedriver.chromium.org/downloads</a:t>
+            </a:r>
+          </a:p>
+        </p:txBody>
+      </p:sp>
+      <p:sp>
+        <p:nvSpPr>
+          <p:cNvPr id="4" name="Slide Number Placeholder 3"/>
+          <p:cNvSpPr>
+            <a:spLocks noGrp="1"/>
+          </p:cNvSpPr>
+          <p:nvPr>
+            <p:ph type="sldNum" sz="quarter" idx="5"/>
+          </p:nvPr>
+        </p:nvSpPr>
+        <p:spPr/>
+        <p:txBody>
+          <a:bodyPr/>
+          <a:lstStyle/>
+          <a:p>
+            <a:fld id="{74620AE9-C58F-40C4-91AC-93C6EA36DB5E}" type="slidenum">
+              <a:rPr lang="en-US" smtClean="0"/>
+              <a:t>25</a:t>
             </a:fld>
             <a:endParaRPr lang="en-US"/>
           </a:p>
@@ -10858,48 +11168,14 @@
           <a:lstStyle/>
           <a:p>
             <a:r>
-              <a:rPr lang="en-US" dirty="0"/>
-              <a:t>By es </a:t>
-            </a:r>
-            <a:r>
-              <a:rPr lang="en-US" dirty="0" err="1"/>
-              <a:t>el</a:t>
-            </a:r>
-            <a:r>
-              <a:rPr lang="en-US" dirty="0"/>
-              <a:t> </a:t>
-            </a:r>
-            <a:r>
-              <a:rPr lang="en-US" dirty="0" err="1"/>
-              <a:t>mecanismo</a:t>
-            </a:r>
-            <a:r>
-              <a:rPr lang="en-US" dirty="0"/>
-              <a:t> </a:t>
-            </a:r>
-            <a:r>
-              <a:rPr lang="en-US" dirty="0" err="1"/>
-              <a:t>utilizado</a:t>
-            </a:r>
-            <a:r>
-              <a:rPr lang="en-US" dirty="0"/>
-              <a:t> para localizer </a:t>
-            </a:r>
-            <a:r>
-              <a:rPr lang="en-US" dirty="0" err="1"/>
-              <a:t>elementos</a:t>
-            </a:r>
-            <a:r>
-              <a:rPr lang="en-US" dirty="0"/>
-              <a:t> </a:t>
-            </a:r>
-            <a:r>
-              <a:rPr lang="en-US" dirty="0" err="1"/>
-              <a:t>dentro</a:t>
-            </a:r>
-            <a:r>
-              <a:rPr lang="en-US" dirty="0"/>
-              <a:t> de document HTML</a:t>
+              <a:rPr lang="es-CR" dirty="0"/>
+              <a:t>https://mvnrepository.com/artifact/org.seleniumhq.selenium/selenium-java</a:t>
+            </a:r>
+          </a:p>
+          <a:p>
+            <a:r>
+              <a:rPr lang="es-CR" dirty="0"/>
+              <a:t>https://chromedriver.chromium.org/downloads</a:t>
             </a:r>
           </a:p>
         </p:txBody>
@@ -10921,7 +11197,7 @@
           <a:p>
             <a:fld id="{74620AE9-C58F-40C4-91AC-93C6EA36DB5E}" type="slidenum">
               <a:rPr lang="en-US" smtClean="0"/>
-              <a:t>15</a:t>
+              <a:t>18</a:t>
             </a:fld>
             <a:endParaRPr lang="en-US"/>
           </a:p>
@@ -10930,7 +11206,7 @@
     </p:spTree>
     <p:extLst>
       <p:ext uri="{BB962C8B-B14F-4D97-AF65-F5344CB8AC3E}">
-        <p14:creationId xmlns:p14="http://schemas.microsoft.com/office/powerpoint/2010/main" val="4027317064"/>
+        <p14:creationId xmlns:p14="http://schemas.microsoft.com/office/powerpoint/2010/main" val="1534524414"/>
       </p:ext>
     </p:extLst>
   </p:cSld>
@@ -10984,6 +11260,198 @@
           <a:bodyPr/>
           <a:lstStyle/>
           <a:p>
+            <a:pPr marL="171450" indent="-171450">
+              <a:buFont typeface="Arial" panose="020B0604020202020204" pitchFamily="34" charset="0"/>
+              <a:buChar char="•"/>
+            </a:pPr>
+            <a:r>
+              <a:rPr lang="en-US" dirty="0" err="1"/>
+              <a:t>BeforeAll</a:t>
+            </a:r>
+            <a:r>
+              <a:rPr lang="en-US" dirty="0"/>
+              <a:t>: antes que </a:t>
+            </a:r>
+            <a:r>
+              <a:rPr lang="en-US" b="1" dirty="0"/>
+              <a:t>todos </a:t>
+            </a:r>
+            <a:r>
+              <a:rPr lang="en-US" b="0" dirty="0" err="1"/>
+              <a:t>los</a:t>
+            </a:r>
+            <a:r>
+              <a:rPr lang="en-US" b="0" dirty="0"/>
+              <a:t> </a:t>
+            </a:r>
+            <a:r>
+              <a:rPr lang="en-US" b="0" dirty="0" err="1"/>
+              <a:t>métodos</a:t>
+            </a:r>
+            <a:r>
+              <a:rPr lang="en-US" b="0" dirty="0"/>
+              <a:t> de pruebas </a:t>
+            </a:r>
+            <a:r>
+              <a:rPr lang="en-US" b="0" dirty="0" err="1"/>
+              <a:t>en</a:t>
+            </a:r>
+            <a:r>
+              <a:rPr lang="en-US" b="0" dirty="0"/>
+              <a:t> la clase de </a:t>
+            </a:r>
+            <a:r>
+              <a:rPr lang="en-US" b="0" dirty="0" err="1"/>
+              <a:t>prueba</a:t>
+            </a:r>
+            <a:endParaRPr lang="en-US" b="0" dirty="0"/>
+          </a:p>
+          <a:p>
+            <a:pPr marL="171450" indent="-171450">
+              <a:buFont typeface="Arial" panose="020B0604020202020204" pitchFamily="34" charset="0"/>
+              <a:buChar char="•"/>
+            </a:pPr>
+            <a:r>
+              <a:rPr lang="en-US" b="0" dirty="0" err="1"/>
+              <a:t>BeforeEach</a:t>
+            </a:r>
+            <a:r>
+              <a:rPr lang="en-US" b="0" dirty="0"/>
+              <a:t>: antes que </a:t>
+            </a:r>
+            <a:r>
+              <a:rPr lang="en-US" b="1" dirty="0" err="1"/>
+              <a:t>cada</a:t>
+            </a:r>
+            <a:r>
+              <a:rPr lang="en-US" b="0" dirty="0"/>
+              <a:t> </a:t>
+            </a:r>
+            <a:r>
+              <a:rPr lang="en-US" b="0" dirty="0" err="1"/>
+              <a:t>método</a:t>
+            </a:r>
+            <a:r>
+              <a:rPr lang="en-US" b="0" dirty="0"/>
+              <a:t> </a:t>
+            </a:r>
+            <a:r>
+              <a:rPr lang="en-US" b="0" dirty="0" err="1"/>
+              <a:t>en</a:t>
+            </a:r>
+            <a:r>
+              <a:rPr lang="en-US" b="0" dirty="0"/>
+              <a:t> la clase de </a:t>
+            </a:r>
+            <a:r>
+              <a:rPr lang="en-US" b="0" dirty="0" err="1"/>
+              <a:t>prueba</a:t>
+            </a:r>
+            <a:endParaRPr lang="en-US" b="0" dirty="0"/>
+          </a:p>
+          <a:p>
+            <a:pPr marL="171450" indent="-171450">
+              <a:buFont typeface="Arial" panose="020B0604020202020204" pitchFamily="34" charset="0"/>
+              <a:buChar char="•"/>
+            </a:pPr>
+            <a:r>
+              <a:rPr lang="en-US" b="0" dirty="0" err="1"/>
+              <a:t>AfterEach</a:t>
+            </a:r>
+            <a:r>
+              <a:rPr lang="en-US" b="0" dirty="0"/>
+              <a:t>: </a:t>
+            </a:r>
+            <a:r>
+              <a:rPr lang="en-US" b="0" dirty="0" err="1"/>
+              <a:t>después</a:t>
+            </a:r>
+            <a:r>
+              <a:rPr lang="en-US" b="0" dirty="0"/>
+              <a:t> que </a:t>
+            </a:r>
+            <a:r>
+              <a:rPr lang="en-US" b="1" dirty="0" err="1"/>
+              <a:t>cada</a:t>
+            </a:r>
+            <a:r>
+              <a:rPr lang="en-US" b="0" dirty="0"/>
+              <a:t> </a:t>
+            </a:r>
+            <a:r>
+              <a:rPr lang="en-US" b="0" dirty="0" err="1"/>
+              <a:t>método</a:t>
+            </a:r>
+            <a:r>
+              <a:rPr lang="en-US" b="0" dirty="0"/>
+              <a:t> </a:t>
+            </a:r>
+            <a:r>
+              <a:rPr lang="en-US" b="0" dirty="0" err="1"/>
+              <a:t>en</a:t>
+            </a:r>
+            <a:r>
+              <a:rPr lang="en-US" b="0" dirty="0"/>
+              <a:t> la clase de pruebas</a:t>
+            </a:r>
+          </a:p>
+          <a:p>
+            <a:pPr marL="171450" indent="-171450">
+              <a:buFont typeface="Arial" panose="020B0604020202020204" pitchFamily="34" charset="0"/>
+              <a:buChar char="•"/>
+            </a:pPr>
+            <a:r>
+              <a:rPr lang="en-US" b="0" dirty="0" err="1"/>
+              <a:t>AfterAll</a:t>
+            </a:r>
+            <a:r>
+              <a:rPr lang="en-US" b="0" dirty="0"/>
+              <a:t>: </a:t>
+            </a:r>
+            <a:r>
+              <a:rPr lang="en-US" b="0" dirty="0" err="1"/>
+              <a:t>después</a:t>
+            </a:r>
+            <a:r>
+              <a:rPr lang="en-US" b="0" dirty="0"/>
+              <a:t> que </a:t>
+            </a:r>
+            <a:r>
+              <a:rPr lang="en-US" b="1" dirty="0"/>
+              <a:t>todos</a:t>
+            </a:r>
+            <a:r>
+              <a:rPr lang="en-US" b="0" dirty="0"/>
+              <a:t> </a:t>
+            </a:r>
+            <a:r>
+              <a:rPr lang="en-US" b="0" dirty="0" err="1"/>
+              <a:t>los</a:t>
+            </a:r>
+            <a:r>
+              <a:rPr lang="en-US" b="0" dirty="0"/>
+              <a:t> </a:t>
+            </a:r>
+            <a:r>
+              <a:rPr lang="en-US" b="0" dirty="0" err="1"/>
+              <a:t>métodos</a:t>
+            </a:r>
+            <a:r>
+              <a:rPr lang="en-US" b="0" dirty="0"/>
+              <a:t> </a:t>
+            </a:r>
+            <a:r>
+              <a:rPr lang="en-US" b="0" dirty="0" err="1"/>
+              <a:t>en</a:t>
+            </a:r>
+            <a:r>
+              <a:rPr lang="en-US" b="0" dirty="0"/>
+              <a:t> la clase </a:t>
+            </a:r>
+            <a:r>
+              <a:rPr lang="en-US" b="0" dirty="0" err="1"/>
+              <a:t>prueba</a:t>
+            </a:r>
             <a:endParaRPr lang="en-US" dirty="0"/>
           </a:p>
         </p:txBody>
@@ -11005,7 +11473,7 @@
           <a:p>
             <a:fld id="{74620AE9-C58F-40C4-91AC-93C6EA36DB5E}" type="slidenum">
               <a:rPr lang="en-US" smtClean="0"/>
-              <a:t>16</a:t>
+              <a:t>19</a:t>
             </a:fld>
             <a:endParaRPr lang="en-US"/>
           </a:p>
@@ -11014,7 +11482,7 @@
     </p:spTree>
     <p:extLst>
       <p:ext uri="{BB962C8B-B14F-4D97-AF65-F5344CB8AC3E}">
-        <p14:creationId xmlns:p14="http://schemas.microsoft.com/office/powerpoint/2010/main" val="3339898351"/>
+        <p14:creationId xmlns:p14="http://schemas.microsoft.com/office/powerpoint/2010/main" val="4196816044"/>
       </p:ext>
     </p:extLst>
   </p:cSld>
@@ -33707,6 +34175,899 @@
       </p:grpSpPr>
       <p:sp>
         <p:nvSpPr>
+          <p:cNvPr id="2" name="Title 1">
+            <a:extLst>
+              <a:ext uri="{FF2B5EF4-FFF2-40B4-BE49-F238E27FC236}">
+                <a16:creationId xmlns:a16="http://schemas.microsoft.com/office/drawing/2014/main" id="{CD79E4BF-959B-4B7C-8AE7-013EA63B4628}"/>
+              </a:ext>
+            </a:extLst>
+          </p:cNvPr>
+          <p:cNvSpPr>
+            <a:spLocks noGrp="1"/>
+          </p:cNvSpPr>
+          <p:nvPr>
+            <p:ph type="title"/>
+          </p:nvPr>
+        </p:nvSpPr>
+        <p:spPr>
+          <a:xfrm>
+            <a:off x="903619" y="2158388"/>
+            <a:ext cx="3498979" cy="1270612"/>
+          </a:xfrm>
+        </p:spPr>
+        <p:txBody>
+          <a:bodyPr>
+            <a:normAutofit/>
+          </a:bodyPr>
+          <a:lstStyle/>
+          <a:p>
+            <a:r>
+              <a:rPr lang="en-US" dirty="0">
+                <a:latin typeface="Arial Rounded MT Bold" panose="020F0704030504030204" pitchFamily="34" charset="0"/>
+              </a:rPr>
+              <a:t>JUnit</a:t>
+            </a:r>
+            <a:endParaRPr lang="es-CR" dirty="0">
+              <a:latin typeface="Arial Rounded MT Bold" panose="020F0704030504030204" pitchFamily="34" charset="0"/>
+            </a:endParaRPr>
+          </a:p>
+        </p:txBody>
+      </p:sp>
+      <p:sp>
+        <p:nvSpPr>
+          <p:cNvPr id="3" name="Content Placeholder 2">
+            <a:extLst>
+              <a:ext uri="{FF2B5EF4-FFF2-40B4-BE49-F238E27FC236}">
+                <a16:creationId xmlns:a16="http://schemas.microsoft.com/office/drawing/2014/main" id="{F1EA02AD-4912-41E1-A6AE-FF6C9D544B01}"/>
+              </a:ext>
+            </a:extLst>
+          </p:cNvPr>
+          <p:cNvSpPr>
+            <a:spLocks noGrp="1"/>
+          </p:cNvSpPr>
+          <p:nvPr>
+            <p:ph idx="1"/>
+          </p:nvPr>
+        </p:nvSpPr>
+        <p:spPr>
+          <a:xfrm>
+            <a:off x="5031339" y="845591"/>
+            <a:ext cx="6281873" cy="1584739"/>
+          </a:xfrm>
+        </p:spPr>
+        <p:txBody>
+          <a:bodyPr>
+            <a:normAutofit/>
+          </a:bodyPr>
+          <a:lstStyle/>
+          <a:p>
+            <a:r>
+              <a:rPr lang="en-US" dirty="0"/>
+              <a:t>JUnit es un </a:t>
+            </a:r>
+            <a:r>
+              <a:rPr lang="en-US" dirty="0" err="1"/>
+              <a:t>marco</a:t>
+            </a:r>
+            <a:r>
+              <a:rPr lang="en-US" dirty="0"/>
+              <a:t> simple de </a:t>
+            </a:r>
+            <a:r>
+              <a:rPr lang="en-US" dirty="0" err="1"/>
+              <a:t>código</a:t>
+            </a:r>
+            <a:r>
+              <a:rPr lang="en-US" dirty="0"/>
+              <a:t> </a:t>
+            </a:r>
+            <a:r>
+              <a:rPr lang="en-US" dirty="0" err="1"/>
+              <a:t>abierto</a:t>
+            </a:r>
+            <a:r>
+              <a:rPr lang="en-US" dirty="0"/>
+              <a:t> para </a:t>
+            </a:r>
+            <a:r>
+              <a:rPr lang="en-US" dirty="0" err="1"/>
+              <a:t>escribir</a:t>
+            </a:r>
+            <a:r>
+              <a:rPr lang="en-US" dirty="0"/>
+              <a:t> y ejecutar pruebas </a:t>
+            </a:r>
+            <a:r>
+              <a:rPr lang="en-US" dirty="0" err="1"/>
+              <a:t>repetibles</a:t>
+            </a:r>
+            <a:r>
+              <a:rPr lang="en-US" dirty="0"/>
+              <a:t>.</a:t>
+            </a:r>
+            <a:endParaRPr lang="es-CR" dirty="0"/>
+          </a:p>
+        </p:txBody>
+      </p:sp>
+      <p:pic>
+        <p:nvPicPr>
+          <p:cNvPr id="1026" name="Picture 2" descr="Why you should migrate to Junit 5 | by RIAG Digital | RIAG Digital ...">
+            <a:extLst>
+              <a:ext uri="{FF2B5EF4-FFF2-40B4-BE49-F238E27FC236}">
+                <a16:creationId xmlns:a16="http://schemas.microsoft.com/office/drawing/2014/main" id="{B544F915-A25F-BEA3-026C-B796333FE2DF}"/>
+              </a:ext>
+            </a:extLst>
+          </p:cNvPr>
+          <p:cNvPicPr>
+            <a:picLocks noChangeAspect="1" noChangeArrowheads="1"/>
+          </p:cNvPicPr>
+          <p:nvPr/>
+        </p:nvPicPr>
+        <p:blipFill rotWithShape="1">
+          <a:blip r:embed="rId2">
+            <a:extLst>
+              <a:ext uri="{28A0092B-C50C-407E-A947-70E740481C1C}">
+                <a14:useLocalDpi xmlns:a14="http://schemas.microsoft.com/office/drawing/2010/main" val="0"/>
+              </a:ext>
+            </a:extLst>
+          </a:blip>
+          <a:srcRect t="9115" b="7730"/>
+          <a:stretch/>
+        </p:blipFill>
+        <p:spPr bwMode="auto">
+          <a:xfrm>
+            <a:off x="1189070" y="3144382"/>
+            <a:ext cx="2928079" cy="1412251"/>
+          </a:xfrm>
+          <a:prstGeom prst="rect">
+            <a:avLst/>
+          </a:prstGeom>
+          <a:noFill/>
+          <a:extLst>
+            <a:ext uri="{909E8E84-426E-40DD-AFC4-6F175D3DCCD1}">
+              <a14:hiddenFill xmlns:a14="http://schemas.microsoft.com/office/drawing/2010/main">
+                <a:solidFill>
+                  <a:srgbClr val="FFFFFF"/>
+                </a:solidFill>
+              </a14:hiddenFill>
+            </a:ext>
+          </a:extLst>
+        </p:spPr>
+      </p:pic>
+      <p:pic>
+        <p:nvPicPr>
+          <p:cNvPr id="5" name="Picture 4">
+            <a:extLst>
+              <a:ext uri="{FF2B5EF4-FFF2-40B4-BE49-F238E27FC236}">
+                <a16:creationId xmlns:a16="http://schemas.microsoft.com/office/drawing/2014/main" id="{7EFB757B-A2E0-3318-97F8-994825F24844}"/>
+              </a:ext>
+            </a:extLst>
+          </p:cNvPr>
+          <p:cNvPicPr>
+            <a:picLocks noChangeAspect="1"/>
+          </p:cNvPicPr>
+          <p:nvPr/>
+        </p:nvPicPr>
+        <p:blipFill>
+          <a:blip r:embed="rId3"/>
+          <a:stretch>
+            <a:fillRect/>
+          </a:stretch>
+        </p:blipFill>
+        <p:spPr>
+          <a:xfrm>
+            <a:off x="5031339" y="2430330"/>
+            <a:ext cx="6535062" cy="3934374"/>
+          </a:xfrm>
+          <a:prstGeom prst="rect">
+            <a:avLst/>
+          </a:prstGeom>
+        </p:spPr>
+      </p:pic>
+    </p:spTree>
+    <p:extLst>
+      <p:ext uri="{BB962C8B-B14F-4D97-AF65-F5344CB8AC3E}">
+        <p14:creationId xmlns:p14="http://schemas.microsoft.com/office/powerpoint/2010/main" val="154347964"/>
+      </p:ext>
+    </p:extLst>
+  </p:cSld>
+  <p:clrMapOvr>
+    <a:masterClrMapping/>
+  </p:clrMapOvr>
+</p:sld>
+</file>
+
+<file path=ppt/slides/slide16.xml><?xml version="1.0" encoding="utf-8"?>
+<p:sld xmlns:a="http://schemas.openxmlformats.org/drawingml/2006/main" xmlns:r="http://schemas.openxmlformats.org/officeDocument/2006/relationships" xmlns:p="http://schemas.openxmlformats.org/presentationml/2006/main">
+  <p:cSld>
+    <p:spTree>
+      <p:nvGrpSpPr>
+        <p:cNvPr id="1" name=""/>
+        <p:cNvGrpSpPr/>
+        <p:nvPr/>
+      </p:nvGrpSpPr>
+      <p:grpSpPr>
+        <a:xfrm>
+          <a:off x="0" y="0"/>
+          <a:ext cx="0" cy="0"/>
+          <a:chOff x="0" y="0"/>
+          <a:chExt cx="0" cy="0"/>
+        </a:xfrm>
+      </p:grpSpPr>
+      <p:sp>
+        <p:nvSpPr>
+          <p:cNvPr id="2" name="Title 1">
+            <a:extLst>
+              <a:ext uri="{FF2B5EF4-FFF2-40B4-BE49-F238E27FC236}">
+                <a16:creationId xmlns:a16="http://schemas.microsoft.com/office/drawing/2014/main" id="{5A723D10-4214-5BD5-42B0-D9598F178D37}"/>
+              </a:ext>
+            </a:extLst>
+          </p:cNvPr>
+          <p:cNvSpPr>
+            <a:spLocks noGrp="1"/>
+          </p:cNvSpPr>
+          <p:nvPr>
+            <p:ph type="title"/>
+          </p:nvPr>
+        </p:nvSpPr>
+        <p:spPr/>
+        <p:txBody>
+          <a:bodyPr/>
+          <a:lstStyle/>
+          <a:p>
+            <a:r>
+              <a:rPr lang="en-US" dirty="0">
+                <a:latin typeface="Arial Rounded MT Bold" panose="020F0704030504030204" pitchFamily="34" charset="0"/>
+              </a:rPr>
+              <a:t>Ejemplo de </a:t>
+            </a:r>
+            <a:r>
+              <a:rPr lang="en-US" dirty="0" err="1">
+                <a:latin typeface="Arial Rounded MT Bold" panose="020F0704030504030204" pitchFamily="34" charset="0"/>
+              </a:rPr>
+              <a:t>una</a:t>
+            </a:r>
+            <a:r>
+              <a:rPr lang="en-US" dirty="0">
+                <a:latin typeface="Arial Rounded MT Bold" panose="020F0704030504030204" pitchFamily="34" charset="0"/>
+              </a:rPr>
+              <a:t> </a:t>
+            </a:r>
+            <a:r>
+              <a:rPr lang="en-US" dirty="0" err="1">
+                <a:latin typeface="Arial Rounded MT Bold" panose="020F0704030504030204" pitchFamily="34" charset="0"/>
+              </a:rPr>
+              <a:t>Prueba</a:t>
+            </a:r>
+            <a:endParaRPr lang="en-US" dirty="0">
+              <a:latin typeface="Arial Rounded MT Bold" panose="020F0704030504030204" pitchFamily="34" charset="0"/>
+            </a:endParaRPr>
+          </a:p>
+        </p:txBody>
+      </p:sp>
+      <p:pic>
+        <p:nvPicPr>
+          <p:cNvPr id="5" name="Picture 4">
+            <a:extLst>
+              <a:ext uri="{FF2B5EF4-FFF2-40B4-BE49-F238E27FC236}">
+                <a16:creationId xmlns:a16="http://schemas.microsoft.com/office/drawing/2014/main" id="{489F5747-9E4C-7760-202D-860177DD8FFB}"/>
+              </a:ext>
+            </a:extLst>
+          </p:cNvPr>
+          <p:cNvPicPr>
+            <a:picLocks noChangeAspect="1"/>
+          </p:cNvPicPr>
+          <p:nvPr/>
+        </p:nvPicPr>
+        <p:blipFill>
+          <a:blip r:embed="rId2"/>
+          <a:stretch>
+            <a:fillRect/>
+          </a:stretch>
+        </p:blipFill>
+        <p:spPr>
+          <a:xfrm>
+            <a:off x="4597873" y="1553801"/>
+            <a:ext cx="7373379" cy="4048690"/>
+          </a:xfrm>
+          <a:prstGeom prst="rect">
+            <a:avLst/>
+          </a:prstGeom>
+        </p:spPr>
+      </p:pic>
+    </p:spTree>
+    <p:extLst>
+      <p:ext uri="{BB962C8B-B14F-4D97-AF65-F5344CB8AC3E}">
+        <p14:creationId xmlns:p14="http://schemas.microsoft.com/office/powerpoint/2010/main" val="4028392511"/>
+      </p:ext>
+    </p:extLst>
+  </p:cSld>
+  <p:clrMapOvr>
+    <a:masterClrMapping/>
+  </p:clrMapOvr>
+</p:sld>
+</file>
+
+<file path=ppt/slides/slide17.xml><?xml version="1.0" encoding="utf-8"?>
+<p:sld xmlns:a="http://schemas.openxmlformats.org/drawingml/2006/main" xmlns:r="http://schemas.openxmlformats.org/officeDocument/2006/relationships" xmlns:p="http://schemas.openxmlformats.org/presentationml/2006/main">
+  <p:cSld>
+    <p:spTree>
+      <p:nvGrpSpPr>
+        <p:cNvPr id="1" name=""/>
+        <p:cNvGrpSpPr/>
+        <p:nvPr/>
+      </p:nvGrpSpPr>
+      <p:grpSpPr>
+        <a:xfrm>
+          <a:off x="0" y="0"/>
+          <a:ext cx="0" cy="0"/>
+          <a:chOff x="0" y="0"/>
+          <a:chExt cx="0" cy="0"/>
+        </a:xfrm>
+      </p:grpSpPr>
+      <p:sp>
+        <p:nvSpPr>
+          <p:cNvPr id="2" name="Title 1">
+            <a:extLst>
+              <a:ext uri="{FF2B5EF4-FFF2-40B4-BE49-F238E27FC236}">
+                <a16:creationId xmlns:a16="http://schemas.microsoft.com/office/drawing/2014/main" id="{85A81F70-AC7D-0F0F-D296-20CCFE587748}"/>
+              </a:ext>
+            </a:extLst>
+          </p:cNvPr>
+          <p:cNvSpPr>
+            <a:spLocks noGrp="1"/>
+          </p:cNvSpPr>
+          <p:nvPr>
+            <p:ph type="title"/>
+          </p:nvPr>
+        </p:nvSpPr>
+        <p:spPr/>
+        <p:txBody>
+          <a:bodyPr/>
+          <a:lstStyle/>
+          <a:p>
+            <a:r>
+              <a:rPr lang="en-US" dirty="0" err="1">
+                <a:latin typeface="Arial Rounded MT Bold" panose="020F0704030504030204" pitchFamily="34" charset="0"/>
+              </a:rPr>
+              <a:t>Aserciones</a:t>
+            </a:r>
+            <a:endParaRPr lang="en-US" dirty="0">
+              <a:latin typeface="Arial Rounded MT Bold" panose="020F0704030504030204" pitchFamily="34" charset="0"/>
+            </a:endParaRPr>
+          </a:p>
+        </p:txBody>
+      </p:sp>
+      <p:sp>
+        <p:nvSpPr>
+          <p:cNvPr id="3" name="Content Placeholder 2">
+            <a:extLst>
+              <a:ext uri="{FF2B5EF4-FFF2-40B4-BE49-F238E27FC236}">
+                <a16:creationId xmlns:a16="http://schemas.microsoft.com/office/drawing/2014/main" id="{52335E40-27CF-548E-96EC-2BCF6E210667}"/>
+              </a:ext>
+            </a:extLst>
+          </p:cNvPr>
+          <p:cNvSpPr>
+            <a:spLocks noGrp="1"/>
+          </p:cNvSpPr>
+          <p:nvPr>
+            <p:ph idx="1"/>
+          </p:nvPr>
+        </p:nvSpPr>
+        <p:spPr>
+          <a:xfrm>
+            <a:off x="5118447" y="803186"/>
+            <a:ext cx="6281873" cy="1730152"/>
+          </a:xfrm>
+        </p:spPr>
+        <p:txBody>
+          <a:bodyPr/>
+          <a:lstStyle/>
+          <a:p>
+            <a:r>
+              <a:rPr lang="en-US" dirty="0"/>
+              <a:t>Son </a:t>
+            </a:r>
+            <a:r>
+              <a:rPr lang="en-US" dirty="0" err="1"/>
+              <a:t>colecciones</a:t>
+            </a:r>
+            <a:r>
+              <a:rPr lang="en-US" dirty="0"/>
+              <a:t> de </a:t>
+            </a:r>
+            <a:r>
+              <a:rPr lang="en-US" dirty="0" err="1"/>
+              <a:t>métodos</a:t>
+            </a:r>
+            <a:r>
+              <a:rPr lang="en-US" dirty="0"/>
+              <a:t> que </a:t>
+            </a:r>
+            <a:r>
+              <a:rPr lang="en-US" dirty="0" err="1"/>
+              <a:t>soportan</a:t>
+            </a:r>
+            <a:r>
+              <a:rPr lang="en-US" dirty="0"/>
+              <a:t> la </a:t>
+            </a:r>
+            <a:r>
+              <a:rPr lang="en-US" dirty="0" err="1"/>
+              <a:t>evaluación</a:t>
+            </a:r>
+            <a:r>
+              <a:rPr lang="en-US" dirty="0"/>
+              <a:t> de </a:t>
+            </a:r>
+            <a:r>
+              <a:rPr lang="en-US" dirty="0" err="1"/>
+              <a:t>condiciones</a:t>
+            </a:r>
+            <a:r>
+              <a:rPr lang="en-US" dirty="0"/>
+              <a:t> </a:t>
+            </a:r>
+            <a:r>
+              <a:rPr lang="en-US" dirty="0" err="1"/>
+              <a:t>en</a:t>
+            </a:r>
+            <a:r>
+              <a:rPr lang="en-US" dirty="0"/>
+              <a:t> las pruebas.</a:t>
+            </a:r>
+          </a:p>
+          <a:p>
+            <a:endParaRPr lang="en-US" dirty="0"/>
+          </a:p>
+          <a:p>
+            <a:r>
+              <a:rPr lang="en-US" dirty="0" err="1"/>
+              <a:t>Ejemplos</a:t>
+            </a:r>
+            <a:r>
+              <a:rPr lang="en-US" dirty="0"/>
+              <a:t>:</a:t>
+            </a:r>
+          </a:p>
+        </p:txBody>
+      </p:sp>
+      <p:pic>
+        <p:nvPicPr>
+          <p:cNvPr id="5" name="Picture 4">
+            <a:extLst>
+              <a:ext uri="{FF2B5EF4-FFF2-40B4-BE49-F238E27FC236}">
+                <a16:creationId xmlns:a16="http://schemas.microsoft.com/office/drawing/2014/main" id="{568C94C5-B426-144F-1159-64666ED36F7C}"/>
+              </a:ext>
+            </a:extLst>
+          </p:cNvPr>
+          <p:cNvPicPr>
+            <a:picLocks noChangeAspect="1"/>
+          </p:cNvPicPr>
+          <p:nvPr/>
+        </p:nvPicPr>
+        <p:blipFill>
+          <a:blip r:embed="rId2"/>
+          <a:stretch>
+            <a:fillRect/>
+          </a:stretch>
+        </p:blipFill>
+        <p:spPr>
+          <a:xfrm>
+            <a:off x="4887868" y="2644565"/>
+            <a:ext cx="6973273" cy="1867161"/>
+          </a:xfrm>
+          <a:prstGeom prst="rect">
+            <a:avLst/>
+          </a:prstGeom>
+        </p:spPr>
+      </p:pic>
+    </p:spTree>
+    <p:extLst>
+      <p:ext uri="{BB962C8B-B14F-4D97-AF65-F5344CB8AC3E}">
+        <p14:creationId xmlns:p14="http://schemas.microsoft.com/office/powerpoint/2010/main" val="2021775577"/>
+      </p:ext>
+    </p:extLst>
+  </p:cSld>
+  <p:clrMapOvr>
+    <a:masterClrMapping/>
+  </p:clrMapOvr>
+</p:sld>
+</file>
+
+<file path=ppt/slides/slide18.xml><?xml version="1.0" encoding="utf-8"?>
+<p:sld xmlns:a="http://schemas.openxmlformats.org/drawingml/2006/main" xmlns:r="http://schemas.openxmlformats.org/officeDocument/2006/relationships" xmlns:p="http://schemas.openxmlformats.org/presentationml/2006/main">
+  <p:cSld>
+    <p:spTree>
+      <p:nvGrpSpPr>
+        <p:cNvPr id="1" name=""/>
+        <p:cNvGrpSpPr/>
+        <p:nvPr/>
+      </p:nvGrpSpPr>
+      <p:grpSpPr>
+        <a:xfrm>
+          <a:off x="0" y="0"/>
+          <a:ext cx="0" cy="0"/>
+          <a:chOff x="0" y="0"/>
+          <a:chExt cx="0" cy="0"/>
+        </a:xfrm>
+      </p:grpSpPr>
+      <p:sp>
+        <p:nvSpPr>
+          <p:cNvPr id="4" name="Title 3">
+            <a:extLst>
+              <a:ext uri="{FF2B5EF4-FFF2-40B4-BE49-F238E27FC236}">
+                <a16:creationId xmlns:a16="http://schemas.microsoft.com/office/drawing/2014/main" id="{A874916D-0115-46D6-99B1-CBDC5F22FDA5}"/>
+              </a:ext>
+            </a:extLst>
+          </p:cNvPr>
+          <p:cNvSpPr>
+            <a:spLocks noGrp="1"/>
+          </p:cNvSpPr>
+          <p:nvPr>
+            <p:ph type="title"/>
+          </p:nvPr>
+        </p:nvSpPr>
+        <p:spPr>
+          <a:xfrm>
+            <a:off x="1162605" y="2544001"/>
+            <a:ext cx="9865266" cy="1741601"/>
+          </a:xfrm>
+        </p:spPr>
+        <p:txBody>
+          <a:bodyPr vert="horz" lIns="91440" tIns="45720" rIns="91440" bIns="45720" rtlCol="0" anchor="b">
+            <a:normAutofit/>
+          </a:bodyPr>
+          <a:lstStyle/>
+          <a:p>
+            <a:pPr algn="ctr"/>
+            <a:r>
+              <a:rPr lang="en-US" sz="5400" dirty="0" err="1">
+                <a:latin typeface="Arial Rounded MT Bold" panose="020F0704030504030204" pitchFamily="34" charset="0"/>
+              </a:rPr>
+              <a:t>Práctica</a:t>
+            </a:r>
+            <a:r>
+              <a:rPr lang="en-US" sz="5400" dirty="0">
+                <a:latin typeface="Arial Rounded MT Bold" panose="020F0704030504030204" pitchFamily="34" charset="0"/>
+              </a:rPr>
+              <a:t> 4</a:t>
+            </a:r>
+            <a:br>
+              <a:rPr lang="en-US" sz="5400" dirty="0">
+                <a:latin typeface="Arial Rounded MT Bold" panose="020F0704030504030204" pitchFamily="34" charset="0"/>
+              </a:rPr>
+            </a:br>
+            <a:r>
+              <a:rPr lang="en-US" sz="5400" dirty="0" err="1">
+                <a:latin typeface="Arial Rounded MT Bold" panose="020F0704030504030204" pitchFamily="34" charset="0"/>
+              </a:rPr>
+              <a:t>Prueba</a:t>
+            </a:r>
+            <a:r>
+              <a:rPr lang="en-US" sz="5400" dirty="0">
+                <a:latin typeface="Arial Rounded MT Bold" panose="020F0704030504030204" pitchFamily="34" charset="0"/>
+              </a:rPr>
+              <a:t> </a:t>
+            </a:r>
+            <a:r>
+              <a:rPr lang="en-US" sz="5400" dirty="0" err="1">
+                <a:latin typeface="Arial Rounded MT Bold" panose="020F0704030504030204" pitchFamily="34" charset="0"/>
+              </a:rPr>
+              <a:t>básica</a:t>
+            </a:r>
+            <a:r>
+              <a:rPr lang="en-US" sz="5400" dirty="0">
+                <a:latin typeface="Arial Rounded MT Bold" panose="020F0704030504030204" pitchFamily="34" charset="0"/>
+              </a:rPr>
+              <a:t> JUnit</a:t>
+            </a:r>
+          </a:p>
+        </p:txBody>
+      </p:sp>
+    </p:spTree>
+    <p:extLst>
+      <p:ext uri="{BB962C8B-B14F-4D97-AF65-F5344CB8AC3E}">
+        <p14:creationId xmlns:p14="http://schemas.microsoft.com/office/powerpoint/2010/main" val="2656218088"/>
+      </p:ext>
+    </p:extLst>
+  </p:cSld>
+  <p:clrMapOvr>
+    <a:masterClrMapping/>
+  </p:clrMapOvr>
+</p:sld>
+</file>
+
+<file path=ppt/slides/slide19.xml><?xml version="1.0" encoding="utf-8"?>
+<p:sld xmlns:a="http://schemas.openxmlformats.org/drawingml/2006/main" xmlns:r="http://schemas.openxmlformats.org/officeDocument/2006/relationships" xmlns:p="http://schemas.openxmlformats.org/presentationml/2006/main">
+  <p:cSld>
+    <p:spTree>
+      <p:nvGrpSpPr>
+        <p:cNvPr id="1" name=""/>
+        <p:cNvGrpSpPr/>
+        <p:nvPr/>
+      </p:nvGrpSpPr>
+      <p:grpSpPr>
+        <a:xfrm>
+          <a:off x="0" y="0"/>
+          <a:ext cx="0" cy="0"/>
+          <a:chOff x="0" y="0"/>
+          <a:chExt cx="0" cy="0"/>
+        </a:xfrm>
+      </p:grpSpPr>
+      <p:sp>
+        <p:nvSpPr>
+          <p:cNvPr id="2" name="Title 1">
+            <a:extLst>
+              <a:ext uri="{FF2B5EF4-FFF2-40B4-BE49-F238E27FC236}">
+                <a16:creationId xmlns:a16="http://schemas.microsoft.com/office/drawing/2014/main" id="{71F662D8-504F-725F-995D-8EE8CE91ECA9}"/>
+              </a:ext>
+            </a:extLst>
+          </p:cNvPr>
+          <p:cNvSpPr>
+            <a:spLocks noGrp="1"/>
+          </p:cNvSpPr>
+          <p:nvPr>
+            <p:ph type="title"/>
+          </p:nvPr>
+        </p:nvSpPr>
+        <p:spPr/>
+        <p:txBody>
+          <a:bodyPr/>
+          <a:lstStyle/>
+          <a:p>
+            <a:r>
+              <a:rPr lang="en-US" dirty="0">
+                <a:latin typeface="Arial Rounded MT Bold" panose="020F0704030504030204" pitchFamily="34" charset="0"/>
+              </a:rPr>
+              <a:t>Fixtures</a:t>
+            </a:r>
+          </a:p>
+        </p:txBody>
+      </p:sp>
+      <p:pic>
+        <p:nvPicPr>
+          <p:cNvPr id="5" name="Picture 4">
+            <a:extLst>
+              <a:ext uri="{FF2B5EF4-FFF2-40B4-BE49-F238E27FC236}">
+                <a16:creationId xmlns:a16="http://schemas.microsoft.com/office/drawing/2014/main" id="{CE477A94-FCC2-1672-DBF9-AC2C4E914FA2}"/>
+              </a:ext>
+            </a:extLst>
+          </p:cNvPr>
+          <p:cNvPicPr>
+            <a:picLocks noChangeAspect="1"/>
+          </p:cNvPicPr>
+          <p:nvPr/>
+        </p:nvPicPr>
+        <p:blipFill>
+          <a:blip r:embed="rId3"/>
+          <a:stretch>
+            <a:fillRect/>
+          </a:stretch>
+        </p:blipFill>
+        <p:spPr>
+          <a:xfrm>
+            <a:off x="5916119" y="98886"/>
+            <a:ext cx="4606978" cy="6660228"/>
+          </a:xfrm>
+          <a:prstGeom prst="rect">
+            <a:avLst/>
+          </a:prstGeom>
+        </p:spPr>
+      </p:pic>
+    </p:spTree>
+    <p:extLst>
+      <p:ext uri="{BB962C8B-B14F-4D97-AF65-F5344CB8AC3E}">
+        <p14:creationId xmlns:p14="http://schemas.microsoft.com/office/powerpoint/2010/main" val="862271106"/>
+      </p:ext>
+    </p:extLst>
+  </p:cSld>
+  <p:clrMapOvr>
+    <a:masterClrMapping/>
+  </p:clrMapOvr>
+</p:sld>
+</file>
+
+<file path=ppt/slides/slide2.xml><?xml version="1.0" encoding="utf-8"?>
+<p:sld xmlns:a="http://schemas.openxmlformats.org/drawingml/2006/main" xmlns:r="http://schemas.openxmlformats.org/officeDocument/2006/relationships" xmlns:p="http://schemas.openxmlformats.org/presentationml/2006/main">
+  <p:cSld>
+    <p:spTree>
+      <p:nvGrpSpPr>
+        <p:cNvPr id="1" name=""/>
+        <p:cNvGrpSpPr/>
+        <p:nvPr/>
+      </p:nvGrpSpPr>
+      <p:grpSpPr>
+        <a:xfrm>
+          <a:off x="0" y="0"/>
+          <a:ext cx="0" cy="0"/>
+          <a:chOff x="0" y="0"/>
+          <a:chExt cx="0" cy="0"/>
+        </a:xfrm>
+      </p:grpSpPr>
+      <p:sp>
+        <p:nvSpPr>
+          <p:cNvPr id="2" name="Title 1">
+            <a:extLst>
+              <a:ext uri="{FF2B5EF4-FFF2-40B4-BE49-F238E27FC236}">
+                <a16:creationId xmlns:a16="http://schemas.microsoft.com/office/drawing/2014/main" id="{6752EE6F-2C5C-3FC5-2628-99FE25AC56B7}"/>
+              </a:ext>
+            </a:extLst>
+          </p:cNvPr>
+          <p:cNvSpPr>
+            <a:spLocks noGrp="1"/>
+          </p:cNvSpPr>
+          <p:nvPr>
+            <p:ph type="title"/>
+          </p:nvPr>
+        </p:nvSpPr>
+        <p:spPr/>
+        <p:txBody>
+          <a:bodyPr/>
+          <a:lstStyle/>
+          <a:p>
+            <a:r>
+              <a:rPr lang="en-US" dirty="0">
+                <a:latin typeface="Arial Rounded MT Bold" panose="020F0704030504030204" pitchFamily="34" charset="0"/>
+              </a:rPr>
+              <a:t>Historia</a:t>
+            </a:r>
+          </a:p>
+        </p:txBody>
+      </p:sp>
+      <p:pic>
+        <p:nvPicPr>
+          <p:cNvPr id="7" name="Picture 6">
+            <a:extLst>
+              <a:ext uri="{FF2B5EF4-FFF2-40B4-BE49-F238E27FC236}">
+                <a16:creationId xmlns:a16="http://schemas.microsoft.com/office/drawing/2014/main" id="{EAA18D17-1D61-B664-2C62-3923E2CE064C}"/>
+              </a:ext>
+            </a:extLst>
+          </p:cNvPr>
+          <p:cNvPicPr>
+            <a:picLocks noChangeAspect="1"/>
+          </p:cNvPicPr>
+          <p:nvPr/>
+        </p:nvPicPr>
+        <p:blipFill>
+          <a:blip r:embed="rId2"/>
+          <a:stretch>
+            <a:fillRect/>
+          </a:stretch>
+        </p:blipFill>
+        <p:spPr>
+          <a:xfrm>
+            <a:off x="1622658" y="1505445"/>
+            <a:ext cx="8946683" cy="5167312"/>
+          </a:xfrm>
+          <a:prstGeom prst="rect">
+            <a:avLst/>
+          </a:prstGeom>
+        </p:spPr>
+      </p:pic>
+    </p:spTree>
+    <p:extLst>
+      <p:ext uri="{BB962C8B-B14F-4D97-AF65-F5344CB8AC3E}">
+        <p14:creationId xmlns:p14="http://schemas.microsoft.com/office/powerpoint/2010/main" val="3372691527"/>
+      </p:ext>
+    </p:extLst>
+  </p:cSld>
+  <p:clrMapOvr>
+    <a:masterClrMapping/>
+  </p:clrMapOvr>
+</p:sld>
+</file>
+
+<file path=ppt/slides/slide20.xml><?xml version="1.0" encoding="utf-8"?>
+<p:sld xmlns:a="http://schemas.openxmlformats.org/drawingml/2006/main" xmlns:r="http://schemas.openxmlformats.org/officeDocument/2006/relationships" xmlns:p="http://schemas.openxmlformats.org/presentationml/2006/main">
+  <p:cSld>
+    <p:spTree>
+      <p:nvGrpSpPr>
+        <p:cNvPr id="1" name=""/>
+        <p:cNvGrpSpPr/>
+        <p:nvPr/>
+      </p:nvGrpSpPr>
+      <p:grpSpPr>
+        <a:xfrm>
+          <a:off x="0" y="0"/>
+          <a:ext cx="0" cy="0"/>
+          <a:chOff x="0" y="0"/>
+          <a:chExt cx="0" cy="0"/>
+        </a:xfrm>
+      </p:grpSpPr>
+      <p:sp>
+        <p:nvSpPr>
+          <p:cNvPr id="4" name="Title 3">
+            <a:extLst>
+              <a:ext uri="{FF2B5EF4-FFF2-40B4-BE49-F238E27FC236}">
+                <a16:creationId xmlns:a16="http://schemas.microsoft.com/office/drawing/2014/main" id="{A874916D-0115-46D6-99B1-CBDC5F22FDA5}"/>
+              </a:ext>
+            </a:extLst>
+          </p:cNvPr>
+          <p:cNvSpPr>
+            <a:spLocks noGrp="1"/>
+          </p:cNvSpPr>
+          <p:nvPr>
+            <p:ph type="title"/>
+          </p:nvPr>
+        </p:nvSpPr>
+        <p:spPr>
+          <a:xfrm>
+            <a:off x="1162605" y="2544001"/>
+            <a:ext cx="9865266" cy="1741601"/>
+          </a:xfrm>
+        </p:spPr>
+        <p:txBody>
+          <a:bodyPr vert="horz" lIns="91440" tIns="45720" rIns="91440" bIns="45720" rtlCol="0" anchor="b">
+            <a:normAutofit/>
+          </a:bodyPr>
+          <a:lstStyle/>
+          <a:p>
+            <a:pPr algn="ctr"/>
+            <a:r>
+              <a:rPr lang="en-US" sz="5400" dirty="0" err="1">
+                <a:latin typeface="Arial Rounded MT Bold" panose="020F0704030504030204" pitchFamily="34" charset="0"/>
+              </a:rPr>
+              <a:t>Práctica</a:t>
+            </a:r>
+            <a:r>
+              <a:rPr lang="en-US" sz="5400" dirty="0">
+                <a:latin typeface="Arial Rounded MT Bold" panose="020F0704030504030204" pitchFamily="34" charset="0"/>
+              </a:rPr>
+              <a:t> 4</a:t>
+            </a:r>
+            <a:br>
+              <a:rPr lang="en-US" sz="5400" dirty="0">
+                <a:latin typeface="Arial Rounded MT Bold" panose="020F0704030504030204" pitchFamily="34" charset="0"/>
+              </a:rPr>
+            </a:br>
+            <a:r>
+              <a:rPr lang="en-US" sz="5400" dirty="0" err="1">
+                <a:latin typeface="Arial Rounded MT Bold" panose="020F0704030504030204" pitchFamily="34" charset="0"/>
+              </a:rPr>
+              <a:t>Prueba</a:t>
+            </a:r>
+            <a:r>
+              <a:rPr lang="en-US" sz="5400" dirty="0">
+                <a:latin typeface="Arial Rounded MT Bold" panose="020F0704030504030204" pitchFamily="34" charset="0"/>
+              </a:rPr>
+              <a:t> con Fixtures</a:t>
+            </a:r>
+          </a:p>
+        </p:txBody>
+      </p:sp>
+    </p:spTree>
+    <p:extLst>
+      <p:ext uri="{BB962C8B-B14F-4D97-AF65-F5344CB8AC3E}">
+        <p14:creationId xmlns:p14="http://schemas.microsoft.com/office/powerpoint/2010/main" val="1453989082"/>
+      </p:ext>
+    </p:extLst>
+  </p:cSld>
+  <p:clrMapOvr>
+    <a:masterClrMapping/>
+  </p:clrMapOvr>
+</p:sld>
+</file>
+
+<file path=ppt/slides/slide21.xml><?xml version="1.0" encoding="utf-8"?>
+<p:sld xmlns:a="http://schemas.openxmlformats.org/drawingml/2006/main" xmlns:r="http://schemas.openxmlformats.org/officeDocument/2006/relationships" xmlns:p="http://schemas.openxmlformats.org/presentationml/2006/main">
+  <p:cSld>
+    <p:spTree>
+      <p:nvGrpSpPr>
+        <p:cNvPr id="1" name=""/>
+        <p:cNvGrpSpPr/>
+        <p:nvPr/>
+      </p:nvGrpSpPr>
+      <p:grpSpPr>
+        <a:xfrm>
+          <a:off x="0" y="0"/>
+          <a:ext cx="0" cy="0"/>
+          <a:chOff x="0" y="0"/>
+          <a:chExt cx="0" cy="0"/>
+        </a:xfrm>
+      </p:grpSpPr>
+      <p:sp>
+        <p:nvSpPr>
           <p:cNvPr id="3" name="Title 2">
             <a:extLst>
               <a:ext uri="{FF2B5EF4-FFF2-40B4-BE49-F238E27FC236}">
@@ -33778,7 +35139,7 @@
 </p:sld>
 </file>
 
-<file path=ppt/slides/slide16.xml><?xml version="1.0" encoding="utf-8"?>
+<file path=ppt/slides/slide22.xml><?xml version="1.0" encoding="utf-8"?>
 <p:sld xmlns:a="http://schemas.openxmlformats.org/drawingml/2006/main" xmlns:r="http://schemas.openxmlformats.org/officeDocument/2006/relationships" xmlns:p="http://schemas.openxmlformats.org/presentationml/2006/main">
   <p:cSld>
     <p:spTree>
@@ -34476,7 +35837,7 @@
 </p:sld>
 </file>
 
-<file path=ppt/slides/slide17.xml><?xml version="1.0" encoding="utf-8"?>
+<file path=ppt/slides/slide23.xml><?xml version="1.0" encoding="utf-8"?>
 <p:sld xmlns:a="http://schemas.openxmlformats.org/drawingml/2006/main" xmlns:r="http://schemas.openxmlformats.org/officeDocument/2006/relationships" xmlns:p="http://schemas.openxmlformats.org/presentationml/2006/main">
   <p:cSld>
     <p:spTree>
@@ -34940,7 +36301,7 @@
 </p:sld>
 </file>
 
-<file path=ppt/slides/slide18.xml><?xml version="1.0" encoding="utf-8"?>
+<file path=ppt/slides/slide24.xml><?xml version="1.0" encoding="utf-8"?>
 <p:sld xmlns:a="http://schemas.openxmlformats.org/drawingml/2006/main" xmlns:r="http://schemas.openxmlformats.org/officeDocument/2006/relationships" xmlns:p="http://schemas.openxmlformats.org/presentationml/2006/main">
   <p:cSld>
     <p:spTree>
@@ -35125,7 +36486,7 @@
 </p:sld>
 </file>
 
-<file path=ppt/slides/slide19.xml><?xml version="1.0" encoding="utf-8"?>
+<file path=ppt/slides/slide25.xml><?xml version="1.0" encoding="utf-8"?>
 <p:sld xmlns:a="http://schemas.openxmlformats.org/drawingml/2006/main" xmlns:r="http://schemas.openxmlformats.org/officeDocument/2006/relationships" xmlns:p="http://schemas.openxmlformats.org/presentationml/2006/main">
   <p:cSld>
     <p:spTree>
@@ -35181,7 +36542,7 @@
               <a:rPr lang="en-US" sz="5400" dirty="0">
                 <a:latin typeface="Arial Rounded MT Bold" panose="020F0704030504030204" pitchFamily="34" charset="0"/>
               </a:rPr>
-              <a:t> 4</a:t>
+              <a:t> 5</a:t>
             </a:r>
             <a:br>
               <a:rPr lang="en-US" sz="5400" dirty="0">
@@ -35216,96 +36577,6 @@
     <p:extLst>
       <p:ext uri="{BB962C8B-B14F-4D97-AF65-F5344CB8AC3E}">
         <p14:creationId xmlns:p14="http://schemas.microsoft.com/office/powerpoint/2010/main" val="557638996"/>
-      </p:ext>
-    </p:extLst>
-  </p:cSld>
-  <p:clrMapOvr>
-    <a:masterClrMapping/>
-  </p:clrMapOvr>
-</p:sld>
-</file>
-
-<file path=ppt/slides/slide2.xml><?xml version="1.0" encoding="utf-8"?>
-<p:sld xmlns:a="http://schemas.openxmlformats.org/drawingml/2006/main" xmlns:r="http://schemas.openxmlformats.org/officeDocument/2006/relationships" xmlns:p="http://schemas.openxmlformats.org/presentationml/2006/main">
-  <p:cSld>
-    <p:spTree>
-      <p:nvGrpSpPr>
-        <p:cNvPr id="1" name=""/>
-        <p:cNvGrpSpPr/>
-        <p:nvPr/>
-      </p:nvGrpSpPr>
-      <p:grpSpPr>
-        <a:xfrm>
-          <a:off x="0" y="0"/>
-          <a:ext cx="0" cy="0"/>
-          <a:chOff x="0" y="0"/>
-          <a:chExt cx="0" cy="0"/>
-        </a:xfrm>
-      </p:grpSpPr>
-      <p:sp>
-        <p:nvSpPr>
-          <p:cNvPr id="2" name="Title 1">
-            <a:extLst>
-              <a:ext uri="{FF2B5EF4-FFF2-40B4-BE49-F238E27FC236}">
-                <a16:creationId xmlns:a16="http://schemas.microsoft.com/office/drawing/2014/main" id="{6752EE6F-2C5C-3FC5-2628-99FE25AC56B7}"/>
-              </a:ext>
-            </a:extLst>
-          </p:cNvPr>
-          <p:cNvSpPr>
-            <a:spLocks noGrp="1"/>
-          </p:cNvSpPr>
-          <p:nvPr>
-            <p:ph type="title"/>
-          </p:nvPr>
-        </p:nvSpPr>
-        <p:spPr/>
-        <p:txBody>
-          <a:bodyPr/>
-          <a:lstStyle/>
-          <a:p>
-            <a:r>
-              <a:rPr lang="en-US" dirty="0">
-                <a:latin typeface="Arial Rounded MT Bold" panose="020F0704030504030204" pitchFamily="34" charset="0"/>
-              </a:rPr>
-              <a:t>Historia</a:t>
-            </a:r>
-          </a:p>
-        </p:txBody>
-      </p:sp>
-      <p:pic>
-        <p:nvPicPr>
-          <p:cNvPr id="7" name="Picture 6">
-            <a:extLst>
-              <a:ext uri="{FF2B5EF4-FFF2-40B4-BE49-F238E27FC236}">
-                <a16:creationId xmlns:a16="http://schemas.microsoft.com/office/drawing/2014/main" id="{EAA18D17-1D61-B664-2C62-3923E2CE064C}"/>
-              </a:ext>
-            </a:extLst>
-          </p:cNvPr>
-          <p:cNvPicPr>
-            <a:picLocks noChangeAspect="1"/>
-          </p:cNvPicPr>
-          <p:nvPr/>
-        </p:nvPicPr>
-        <p:blipFill>
-          <a:blip r:embed="rId2"/>
-          <a:stretch>
-            <a:fillRect/>
-          </a:stretch>
-        </p:blipFill>
-        <p:spPr>
-          <a:xfrm>
-            <a:off x="1622658" y="1505445"/>
-            <a:ext cx="8946683" cy="5167312"/>
-          </a:xfrm>
-          <a:prstGeom prst="rect">
-            <a:avLst/>
-          </a:prstGeom>
-        </p:spPr>
-      </p:pic>
-    </p:spTree>
-    <p:extLst>
-      <p:ext uri="{BB962C8B-B14F-4D97-AF65-F5344CB8AC3E}">
-        <p14:creationId xmlns:p14="http://schemas.microsoft.com/office/powerpoint/2010/main" val="3372691527"/>
       </p:ext>
     </p:extLst>
   </p:cSld>

--- a/files/4. Selenium.pptx
+++ b/files/4. Selenium.pptx
@@ -147,7 +147,7 @@
   <pc:docChgLst>
     <pc:chgData name="Charris Bueno, Angela" userId="b8232014-281c-4726-a39a-713153e80496" providerId="ADAL" clId="{08CAF3CD-09AD-46A0-B410-5BB1F90B11ED}"/>
     <pc:docChg chg="undo custSel addSld delSld modSld sldOrd">
-      <pc:chgData name="Charris Bueno, Angela" userId="b8232014-281c-4726-a39a-713153e80496" providerId="ADAL" clId="{08CAF3CD-09AD-46A0-B410-5BB1F90B11ED}" dt="2022-10-20T14:57:32.142" v="2137" actId="2696"/>
+      <pc:chgData name="Charris Bueno, Angela" userId="b8232014-281c-4726-a39a-713153e80496" providerId="ADAL" clId="{08CAF3CD-09AD-46A0-B410-5BB1F90B11ED}" dt="2022-10-20T16:30:41.582" v="2138"/>
       <pc:docMkLst>
         <pc:docMk/>
       </pc:docMkLst>
@@ -950,6 +950,13 @@
         <pc:sldMkLst>
           <pc:docMk/>
           <pc:sldMk cId="3515518791" sldId="270"/>
+        </pc:sldMkLst>
+      </pc:sldChg>
+      <pc:sldChg chg="modNotesTx">
+        <pc:chgData name="Charris Bueno, Angela" userId="b8232014-281c-4726-a39a-713153e80496" providerId="ADAL" clId="{08CAF3CD-09AD-46A0-B410-5BB1F90B11ED}" dt="2022-10-20T16:30:41.582" v="2138"/>
+        <pc:sldMkLst>
+          <pc:docMk/>
+          <pc:sldMk cId="1649270563" sldId="271"/>
         </pc:sldMkLst>
       </pc:sldChg>
     </pc:docChg>
@@ -10984,7 +10991,10 @@
           <a:bodyPr/>
           <a:lstStyle/>
           <a:p>
-            <a:endParaRPr lang="en-US" dirty="0"/>
+            <a:r>
+              <a:rPr lang="en-US" dirty="0"/>
+              <a:t>https://www.saucedemo.com/</a:t>
+            </a:r>
           </a:p>
         </p:txBody>
       </p:sp>

--- a/files/4. Selenium.pptx
+++ b/files/4. Selenium.pptx
@@ -6,7 +6,7 @@
     <p:sldMasterId id="2147483726" r:id="rId2"/>
   </p:sldMasterIdLst>
   <p:notesMasterIdLst>
-    <p:notesMasterId r:id="rId22"/>
+    <p:notesMasterId r:id="rId28"/>
   </p:notesMasterIdLst>
   <p:sldIdLst>
     <p:sldId id="256" r:id="rId3"/>
@@ -23,11 +23,17 @@
     <p:sldId id="267" r:id="rId14"/>
     <p:sldId id="268" r:id="rId15"/>
     <p:sldId id="269" r:id="rId16"/>
-    <p:sldId id="270" r:id="rId17"/>
-    <p:sldId id="271" r:id="rId18"/>
-    <p:sldId id="272" r:id="rId19"/>
-    <p:sldId id="273" r:id="rId20"/>
-    <p:sldId id="274" r:id="rId21"/>
+    <p:sldId id="275" r:id="rId17"/>
+    <p:sldId id="276" r:id="rId18"/>
+    <p:sldId id="277" r:id="rId19"/>
+    <p:sldId id="280" r:id="rId20"/>
+    <p:sldId id="279" r:id="rId21"/>
+    <p:sldId id="278" r:id="rId22"/>
+    <p:sldId id="270" r:id="rId23"/>
+    <p:sldId id="271" r:id="rId24"/>
+    <p:sldId id="272" r:id="rId25"/>
+    <p:sldId id="273" r:id="rId26"/>
+    <p:sldId id="274" r:id="rId27"/>
   </p:sldIdLst>
   <p:sldSz cx="12192000" cy="6858000"/>
   <p:notesSz cx="6858000" cy="9144000"/>
@@ -9774,7 +9780,7 @@
           <a:p>
             <a:fld id="{6D4D6A34-ADD2-4245-8D92-D5CD40EF682A}" type="datetimeFigureOut">
               <a:rPr lang="en-US" smtClean="0"/>
-              <a:t>10/20/2022</a:t>
+              <a:t>10/26/2022</a:t>
             </a:fld>
             <a:endParaRPr lang="en-US"/>
           </a:p>
@@ -10205,7 +10211,311 @@
           <a:p>
             <a:fld id="{74620AE9-C58F-40C4-91AC-93C6EA36DB5E}" type="slidenum">
               <a:rPr lang="en-US" smtClean="0"/>
-              <a:t>19</a:t>
+              <a:t>20</a:t>
+            </a:fld>
+            <a:endParaRPr lang="en-US"/>
+          </a:p>
+        </p:txBody>
+      </p:sp>
+    </p:spTree>
+    <p:extLst>
+      <p:ext uri="{BB962C8B-B14F-4D97-AF65-F5344CB8AC3E}">
+        <p14:creationId xmlns:p14="http://schemas.microsoft.com/office/powerpoint/2010/main" val="3829972226"/>
+      </p:ext>
+    </p:extLst>
+  </p:cSld>
+  <p:clrMapOvr>
+    <a:masterClrMapping/>
+  </p:clrMapOvr>
+</p:notes>
+</file>
+
+<file path=ppt/notesSlides/notesSlide11.xml><?xml version="1.0" encoding="utf-8"?>
+<p:notes xmlns:a="http://schemas.openxmlformats.org/drawingml/2006/main" xmlns:r="http://schemas.openxmlformats.org/officeDocument/2006/relationships" xmlns:p="http://schemas.openxmlformats.org/presentationml/2006/main">
+  <p:cSld>
+    <p:spTree>
+      <p:nvGrpSpPr>
+        <p:cNvPr id="1" name=""/>
+        <p:cNvGrpSpPr/>
+        <p:nvPr/>
+      </p:nvGrpSpPr>
+      <p:grpSpPr>
+        <a:xfrm>
+          <a:off x="0" y="0"/>
+          <a:ext cx="0" cy="0"/>
+          <a:chOff x="0" y="0"/>
+          <a:chExt cx="0" cy="0"/>
+        </a:xfrm>
+      </p:grpSpPr>
+      <p:sp>
+        <p:nvSpPr>
+          <p:cNvPr id="2" name="Slide Image Placeholder 1"/>
+          <p:cNvSpPr>
+            <a:spLocks noGrp="1" noRot="1" noChangeAspect="1"/>
+          </p:cNvSpPr>
+          <p:nvPr>
+            <p:ph type="sldImg"/>
+          </p:nvPr>
+        </p:nvSpPr>
+        <p:spPr/>
+      </p:sp>
+      <p:sp>
+        <p:nvSpPr>
+          <p:cNvPr id="3" name="Notes Placeholder 2"/>
+          <p:cNvSpPr>
+            <a:spLocks noGrp="1"/>
+          </p:cNvSpPr>
+          <p:nvPr>
+            <p:ph type="body" idx="1"/>
+          </p:nvPr>
+        </p:nvSpPr>
+        <p:spPr/>
+        <p:txBody>
+          <a:bodyPr/>
+          <a:lstStyle/>
+          <a:p>
+            <a:r>
+              <a:rPr lang="en-US" dirty="0"/>
+              <a:t>By es </a:t>
+            </a:r>
+            <a:r>
+              <a:rPr lang="en-US" dirty="0" err="1"/>
+              <a:t>el</a:t>
+            </a:r>
+            <a:r>
+              <a:rPr lang="en-US" dirty="0"/>
+              <a:t> </a:t>
+            </a:r>
+            <a:r>
+              <a:rPr lang="en-US" dirty="0" err="1"/>
+              <a:t>mecanismo</a:t>
+            </a:r>
+            <a:r>
+              <a:rPr lang="en-US" dirty="0"/>
+              <a:t> </a:t>
+            </a:r>
+            <a:r>
+              <a:rPr lang="en-US" dirty="0" err="1"/>
+              <a:t>utilizado</a:t>
+            </a:r>
+            <a:r>
+              <a:rPr lang="en-US" dirty="0"/>
+              <a:t> para localizer </a:t>
+            </a:r>
+            <a:r>
+              <a:rPr lang="en-US" dirty="0" err="1"/>
+              <a:t>elementos</a:t>
+            </a:r>
+            <a:r>
+              <a:rPr lang="en-US" dirty="0"/>
+              <a:t> </a:t>
+            </a:r>
+            <a:r>
+              <a:rPr lang="en-US" dirty="0" err="1"/>
+              <a:t>dentro</a:t>
+            </a:r>
+            <a:r>
+              <a:rPr lang="en-US" dirty="0"/>
+              <a:t> de document HTML</a:t>
+            </a:r>
+          </a:p>
+        </p:txBody>
+      </p:sp>
+      <p:sp>
+        <p:nvSpPr>
+          <p:cNvPr id="4" name="Slide Number Placeholder 3"/>
+          <p:cNvSpPr>
+            <a:spLocks noGrp="1"/>
+          </p:cNvSpPr>
+          <p:nvPr>
+            <p:ph type="sldNum" sz="quarter" idx="5"/>
+          </p:nvPr>
+        </p:nvSpPr>
+        <p:spPr/>
+        <p:txBody>
+          <a:bodyPr/>
+          <a:lstStyle/>
+          <a:p>
+            <a:fld id="{74620AE9-C58F-40C4-91AC-93C6EA36DB5E}" type="slidenum">
+              <a:rPr lang="en-US" smtClean="0"/>
+              <a:t>21</a:t>
+            </a:fld>
+            <a:endParaRPr lang="en-US"/>
+          </a:p>
+        </p:txBody>
+      </p:sp>
+    </p:spTree>
+    <p:extLst>
+      <p:ext uri="{BB962C8B-B14F-4D97-AF65-F5344CB8AC3E}">
+        <p14:creationId xmlns:p14="http://schemas.microsoft.com/office/powerpoint/2010/main" val="4027317064"/>
+      </p:ext>
+    </p:extLst>
+  </p:cSld>
+  <p:clrMapOvr>
+    <a:masterClrMapping/>
+  </p:clrMapOvr>
+</p:notes>
+</file>
+
+<file path=ppt/notesSlides/notesSlide12.xml><?xml version="1.0" encoding="utf-8"?>
+<p:notes xmlns:a="http://schemas.openxmlformats.org/drawingml/2006/main" xmlns:r="http://schemas.openxmlformats.org/officeDocument/2006/relationships" xmlns:p="http://schemas.openxmlformats.org/presentationml/2006/main">
+  <p:cSld>
+    <p:spTree>
+      <p:nvGrpSpPr>
+        <p:cNvPr id="1" name=""/>
+        <p:cNvGrpSpPr/>
+        <p:nvPr/>
+      </p:nvGrpSpPr>
+      <p:grpSpPr>
+        <a:xfrm>
+          <a:off x="0" y="0"/>
+          <a:ext cx="0" cy="0"/>
+          <a:chOff x="0" y="0"/>
+          <a:chExt cx="0" cy="0"/>
+        </a:xfrm>
+      </p:grpSpPr>
+      <p:sp>
+        <p:nvSpPr>
+          <p:cNvPr id="2" name="Slide Image Placeholder 1"/>
+          <p:cNvSpPr>
+            <a:spLocks noGrp="1" noRot="1" noChangeAspect="1"/>
+          </p:cNvSpPr>
+          <p:nvPr>
+            <p:ph type="sldImg"/>
+          </p:nvPr>
+        </p:nvSpPr>
+        <p:spPr/>
+      </p:sp>
+      <p:sp>
+        <p:nvSpPr>
+          <p:cNvPr id="3" name="Notes Placeholder 2"/>
+          <p:cNvSpPr>
+            <a:spLocks noGrp="1"/>
+          </p:cNvSpPr>
+          <p:nvPr>
+            <p:ph type="body" idx="1"/>
+          </p:nvPr>
+        </p:nvSpPr>
+        <p:spPr/>
+        <p:txBody>
+          <a:bodyPr/>
+          <a:lstStyle/>
+          <a:p>
+            <a:endParaRPr lang="en-US" dirty="0"/>
+          </a:p>
+        </p:txBody>
+      </p:sp>
+      <p:sp>
+        <p:nvSpPr>
+          <p:cNvPr id="4" name="Slide Number Placeholder 3"/>
+          <p:cNvSpPr>
+            <a:spLocks noGrp="1"/>
+          </p:cNvSpPr>
+          <p:nvPr>
+            <p:ph type="sldNum" sz="quarter" idx="5"/>
+          </p:nvPr>
+        </p:nvSpPr>
+        <p:spPr/>
+        <p:txBody>
+          <a:bodyPr/>
+          <a:lstStyle/>
+          <a:p>
+            <a:fld id="{74620AE9-C58F-40C4-91AC-93C6EA36DB5E}" type="slidenum">
+              <a:rPr lang="en-US" smtClean="0"/>
+              <a:t>22</a:t>
+            </a:fld>
+            <a:endParaRPr lang="en-US"/>
+          </a:p>
+        </p:txBody>
+      </p:sp>
+    </p:spTree>
+    <p:extLst>
+      <p:ext uri="{BB962C8B-B14F-4D97-AF65-F5344CB8AC3E}">
+        <p14:creationId xmlns:p14="http://schemas.microsoft.com/office/powerpoint/2010/main" val="3339898351"/>
+      </p:ext>
+    </p:extLst>
+  </p:cSld>
+  <p:clrMapOvr>
+    <a:masterClrMapping/>
+  </p:clrMapOvr>
+</p:notes>
+</file>
+
+<file path=ppt/notesSlides/notesSlide13.xml><?xml version="1.0" encoding="utf-8"?>
+<p:notes xmlns:a="http://schemas.openxmlformats.org/drawingml/2006/main" xmlns:r="http://schemas.openxmlformats.org/officeDocument/2006/relationships" xmlns:p="http://schemas.openxmlformats.org/presentationml/2006/main">
+  <p:cSld>
+    <p:spTree>
+      <p:nvGrpSpPr>
+        <p:cNvPr id="1" name=""/>
+        <p:cNvGrpSpPr/>
+        <p:nvPr/>
+      </p:nvGrpSpPr>
+      <p:grpSpPr>
+        <a:xfrm>
+          <a:off x="0" y="0"/>
+          <a:ext cx="0" cy="0"/>
+          <a:chOff x="0" y="0"/>
+          <a:chExt cx="0" cy="0"/>
+        </a:xfrm>
+      </p:grpSpPr>
+      <p:sp>
+        <p:nvSpPr>
+          <p:cNvPr id="2" name="Slide Image Placeholder 1"/>
+          <p:cNvSpPr>
+            <a:spLocks noGrp="1" noRot="1" noChangeAspect="1"/>
+          </p:cNvSpPr>
+          <p:nvPr>
+            <p:ph type="sldImg"/>
+          </p:nvPr>
+        </p:nvSpPr>
+        <p:spPr/>
+      </p:sp>
+      <p:sp>
+        <p:nvSpPr>
+          <p:cNvPr id="3" name="Notes Placeholder 2"/>
+          <p:cNvSpPr>
+            <a:spLocks noGrp="1"/>
+          </p:cNvSpPr>
+          <p:nvPr>
+            <p:ph type="body" idx="1"/>
+          </p:nvPr>
+        </p:nvSpPr>
+        <p:spPr/>
+        <p:txBody>
+          <a:bodyPr/>
+          <a:lstStyle/>
+          <a:p>
+            <a:r>
+              <a:rPr lang="es-CR" dirty="0"/>
+              <a:t>https://mvnrepository.com/artifact/org.seleniumhq.selenium/selenium-java</a:t>
+            </a:r>
+          </a:p>
+          <a:p>
+            <a:r>
+              <a:rPr lang="es-CR" dirty="0"/>
+              <a:t>https://chromedriver.chromium.org/downloads</a:t>
+            </a:r>
+          </a:p>
+        </p:txBody>
+      </p:sp>
+      <p:sp>
+        <p:nvSpPr>
+          <p:cNvPr id="4" name="Slide Number Placeholder 3"/>
+          <p:cNvSpPr>
+            <a:spLocks noGrp="1"/>
+          </p:cNvSpPr>
+          <p:nvPr>
+            <p:ph type="sldNum" sz="quarter" idx="5"/>
+          </p:nvPr>
+        </p:nvSpPr>
+        <p:spPr/>
+        <p:txBody>
+          <a:bodyPr/>
+          <a:lstStyle/>
+          <a:p>
+            <a:fld id="{74620AE9-C58F-40C4-91AC-93C6EA36DB5E}" type="slidenum">
+              <a:rPr lang="en-US" smtClean="0"/>
+              <a:t>25</a:t>
             </a:fld>
             <a:endParaRPr lang="en-US"/>
           </a:p>
@@ -10865,48 +11175,14 @@
           <a:lstStyle/>
           <a:p>
             <a:r>
-              <a:rPr lang="en-US" dirty="0"/>
-              <a:t>By es </a:t>
-            </a:r>
-            <a:r>
-              <a:rPr lang="en-US" dirty="0" err="1"/>
-              <a:t>el</a:t>
-            </a:r>
-            <a:r>
-              <a:rPr lang="en-US" dirty="0"/>
-              <a:t> </a:t>
-            </a:r>
-            <a:r>
-              <a:rPr lang="en-US" dirty="0" err="1"/>
-              <a:t>mecanismo</a:t>
-            </a:r>
-            <a:r>
-              <a:rPr lang="en-US" dirty="0"/>
-              <a:t> </a:t>
-            </a:r>
-            <a:r>
-              <a:rPr lang="en-US" dirty="0" err="1"/>
-              <a:t>utilizado</a:t>
-            </a:r>
-            <a:r>
-              <a:rPr lang="en-US" dirty="0"/>
-              <a:t> para localizer </a:t>
-            </a:r>
-            <a:r>
-              <a:rPr lang="en-US" dirty="0" err="1"/>
-              <a:t>elementos</a:t>
-            </a:r>
-            <a:r>
-              <a:rPr lang="en-US" dirty="0"/>
-              <a:t> </a:t>
-            </a:r>
-            <a:r>
-              <a:rPr lang="en-US" dirty="0" err="1"/>
-              <a:t>dentro</a:t>
-            </a:r>
-            <a:r>
-              <a:rPr lang="en-US" dirty="0"/>
-              <a:t> de document HTML</a:t>
+              <a:rPr lang="es-CR" dirty="0"/>
+              <a:t>https://mvnrepository.com/artifact/org.seleniumhq.selenium/selenium-java</a:t>
+            </a:r>
+          </a:p>
+          <a:p>
+            <a:r>
+              <a:rPr lang="es-CR" dirty="0"/>
+              <a:t>https://chromedriver.chromium.org/downloads</a:t>
             </a:r>
           </a:p>
         </p:txBody>
@@ -10928,7 +11204,7 @@
           <a:p>
             <a:fld id="{74620AE9-C58F-40C4-91AC-93C6EA36DB5E}" type="slidenum">
               <a:rPr lang="en-US" smtClean="0"/>
-              <a:t>15</a:t>
+              <a:t>18</a:t>
             </a:fld>
             <a:endParaRPr lang="en-US"/>
           </a:p>
@@ -10937,7 +11213,7 @@
     </p:spTree>
     <p:extLst>
       <p:ext uri="{BB962C8B-B14F-4D97-AF65-F5344CB8AC3E}">
-        <p14:creationId xmlns:p14="http://schemas.microsoft.com/office/powerpoint/2010/main" val="4027317064"/>
+        <p14:creationId xmlns:p14="http://schemas.microsoft.com/office/powerpoint/2010/main" val="1534524414"/>
       </p:ext>
     </p:extLst>
   </p:cSld>
@@ -10991,10 +11267,199 @@
           <a:bodyPr/>
           <a:lstStyle/>
           <a:p>
+            <a:pPr marL="171450" indent="-171450">
+              <a:buFont typeface="Arial" panose="020B0604020202020204" pitchFamily="34" charset="0"/>
+              <a:buChar char="•"/>
+            </a:pPr>
+            <a:r>
+              <a:rPr lang="en-US" dirty="0" err="1"/>
+              <a:t>BeforeAll</a:t>
+            </a:r>
             <a:r>
               <a:rPr lang="en-US" dirty="0"/>
-              <a:t>https://www.saucedemo.com/</a:t>
-            </a:r>
+              <a:t>: antes que </a:t>
+            </a:r>
+            <a:r>
+              <a:rPr lang="en-US" b="1" dirty="0"/>
+              <a:t>todos </a:t>
+            </a:r>
+            <a:r>
+              <a:rPr lang="en-US" b="0" dirty="0" err="1"/>
+              <a:t>los</a:t>
+            </a:r>
+            <a:r>
+              <a:rPr lang="en-US" b="0" dirty="0"/>
+              <a:t> </a:t>
+            </a:r>
+            <a:r>
+              <a:rPr lang="en-US" b="0" dirty="0" err="1"/>
+              <a:t>métodos</a:t>
+            </a:r>
+            <a:r>
+              <a:rPr lang="en-US" b="0" dirty="0"/>
+              <a:t> de pruebas </a:t>
+            </a:r>
+            <a:r>
+              <a:rPr lang="en-US" b="0" dirty="0" err="1"/>
+              <a:t>en</a:t>
+            </a:r>
+            <a:r>
+              <a:rPr lang="en-US" b="0" dirty="0"/>
+              <a:t> la clase de </a:t>
+            </a:r>
+            <a:r>
+              <a:rPr lang="en-US" b="0" dirty="0" err="1"/>
+              <a:t>prueba</a:t>
+            </a:r>
+            <a:endParaRPr lang="en-US" b="0" dirty="0"/>
+          </a:p>
+          <a:p>
+            <a:pPr marL="171450" indent="-171450">
+              <a:buFont typeface="Arial" panose="020B0604020202020204" pitchFamily="34" charset="0"/>
+              <a:buChar char="•"/>
+            </a:pPr>
+            <a:r>
+              <a:rPr lang="en-US" b="0" dirty="0" err="1"/>
+              <a:t>BeforeEach</a:t>
+            </a:r>
+            <a:r>
+              <a:rPr lang="en-US" b="0" dirty="0"/>
+              <a:t>: antes que </a:t>
+            </a:r>
+            <a:r>
+              <a:rPr lang="en-US" b="1" dirty="0" err="1"/>
+              <a:t>cada</a:t>
+            </a:r>
+            <a:r>
+              <a:rPr lang="en-US" b="0" dirty="0"/>
+              <a:t> </a:t>
+            </a:r>
+            <a:r>
+              <a:rPr lang="en-US" b="0" dirty="0" err="1"/>
+              <a:t>método</a:t>
+            </a:r>
+            <a:r>
+              <a:rPr lang="en-US" b="0" dirty="0"/>
+              <a:t> </a:t>
+            </a:r>
+            <a:r>
+              <a:rPr lang="en-US" b="0" dirty="0" err="1"/>
+              <a:t>en</a:t>
+            </a:r>
+            <a:r>
+              <a:rPr lang="en-US" b="0" dirty="0"/>
+              <a:t> la clase de </a:t>
+            </a:r>
+            <a:r>
+              <a:rPr lang="en-US" b="0" dirty="0" err="1"/>
+              <a:t>prueba</a:t>
+            </a:r>
+            <a:endParaRPr lang="en-US" b="0" dirty="0"/>
+          </a:p>
+          <a:p>
+            <a:pPr marL="171450" indent="-171450">
+              <a:buFont typeface="Arial" panose="020B0604020202020204" pitchFamily="34" charset="0"/>
+              <a:buChar char="•"/>
+            </a:pPr>
+            <a:r>
+              <a:rPr lang="en-US" b="0" dirty="0" err="1"/>
+              <a:t>AfterEach</a:t>
+            </a:r>
+            <a:r>
+              <a:rPr lang="en-US" b="0" dirty="0"/>
+              <a:t>: </a:t>
+            </a:r>
+            <a:r>
+              <a:rPr lang="en-US" b="0" dirty="0" err="1"/>
+              <a:t>después</a:t>
+            </a:r>
+            <a:r>
+              <a:rPr lang="en-US" b="0" dirty="0"/>
+              <a:t> que </a:t>
+            </a:r>
+            <a:r>
+              <a:rPr lang="en-US" b="1" dirty="0" err="1"/>
+              <a:t>cada</a:t>
+            </a:r>
+            <a:r>
+              <a:rPr lang="en-US" b="0" dirty="0"/>
+              <a:t> </a:t>
+            </a:r>
+            <a:r>
+              <a:rPr lang="en-US" b="0" dirty="0" err="1"/>
+              <a:t>método</a:t>
+            </a:r>
+            <a:r>
+              <a:rPr lang="en-US" b="0" dirty="0"/>
+              <a:t> </a:t>
+            </a:r>
+            <a:r>
+              <a:rPr lang="en-US" b="0" dirty="0" err="1"/>
+              <a:t>en</a:t>
+            </a:r>
+            <a:r>
+              <a:rPr lang="en-US" b="0" dirty="0"/>
+              <a:t> la clase de pruebas</a:t>
+            </a:r>
+          </a:p>
+          <a:p>
+            <a:pPr marL="171450" indent="-171450">
+              <a:buFont typeface="Arial" panose="020B0604020202020204" pitchFamily="34" charset="0"/>
+              <a:buChar char="•"/>
+            </a:pPr>
+            <a:r>
+              <a:rPr lang="en-US" b="0" dirty="0" err="1"/>
+              <a:t>AfterAll</a:t>
+            </a:r>
+            <a:r>
+              <a:rPr lang="en-US" b="0" dirty="0"/>
+              <a:t>: </a:t>
+            </a:r>
+            <a:r>
+              <a:rPr lang="en-US" b="0" dirty="0" err="1"/>
+              <a:t>después</a:t>
+            </a:r>
+            <a:r>
+              <a:rPr lang="en-US" b="0" dirty="0"/>
+              <a:t> que </a:t>
+            </a:r>
+            <a:r>
+              <a:rPr lang="en-US" b="1" dirty="0"/>
+              <a:t>todos</a:t>
+            </a:r>
+            <a:r>
+              <a:rPr lang="en-US" b="0" dirty="0"/>
+              <a:t> </a:t>
+            </a:r>
+            <a:r>
+              <a:rPr lang="en-US" b="0" dirty="0" err="1"/>
+              <a:t>los</a:t>
+            </a:r>
+            <a:r>
+              <a:rPr lang="en-US" b="0" dirty="0"/>
+              <a:t> </a:t>
+            </a:r>
+            <a:r>
+              <a:rPr lang="en-US" b="0" dirty="0" err="1"/>
+              <a:t>métodos</a:t>
+            </a:r>
+            <a:r>
+              <a:rPr lang="en-US" b="0" dirty="0"/>
+              <a:t> </a:t>
+            </a:r>
+            <a:r>
+              <a:rPr lang="en-US" b="0" dirty="0" err="1"/>
+              <a:t>en</a:t>
+            </a:r>
+            <a:r>
+              <a:rPr lang="en-US" b="0" dirty="0"/>
+              <a:t> la clase </a:t>
+            </a:r>
+            <a:r>
+              <a:rPr lang="en-US" b="0" dirty="0" err="1"/>
+              <a:t>prueba</a:t>
+            </a:r>
+            <a:endParaRPr lang="en-US" dirty="0"/>
           </a:p>
         </p:txBody>
       </p:sp>
@@ -11015,7 +11480,7 @@
           <a:p>
             <a:fld id="{74620AE9-C58F-40C4-91AC-93C6EA36DB5E}" type="slidenum">
               <a:rPr lang="en-US" smtClean="0"/>
-              <a:t>16</a:t>
+              <a:t>19</a:t>
             </a:fld>
             <a:endParaRPr lang="en-US"/>
           </a:p>
@@ -11024,7 +11489,7 @@
     </p:spTree>
     <p:extLst>
       <p:ext uri="{BB962C8B-B14F-4D97-AF65-F5344CB8AC3E}">
-        <p14:creationId xmlns:p14="http://schemas.microsoft.com/office/powerpoint/2010/main" val="3339898351"/>
+        <p14:creationId xmlns:p14="http://schemas.microsoft.com/office/powerpoint/2010/main" val="4196816044"/>
       </p:ext>
     </p:extLst>
   </p:cSld>
@@ -11197,7 +11662,7 @@
           <a:p>
             <a:fld id="{403CB87E-4591-47A1-9046-CF63F17215EF}" type="datetime2">
               <a:rPr lang="en-US" smtClean="0"/>
-              <a:t>Thursday, October 20, 2022</a:t>
+              <a:t>Wednesday, October 26, 2022</a:t>
             </a:fld>
             <a:endParaRPr lang="en-US" dirty="0"/>
           </a:p>
@@ -11419,7 +11884,7 @@
           <a:p>
             <a:fld id="{2FA17F0E-8070-4DFE-A821-9A699EDBAD7E}" type="datetime2">
               <a:rPr lang="en-US" smtClean="0"/>
-              <a:t>Thursday, October 20, 2022</a:t>
+              <a:t>Wednesday, October 26, 2022</a:t>
             </a:fld>
             <a:endParaRPr lang="en-US"/>
           </a:p>
@@ -11631,7 +12096,7 @@
           <a:p>
             <a:fld id="{D88D34AE-C7BF-46E5-A968-01C6641F6476}" type="datetime2">
               <a:rPr lang="en-US" smtClean="0"/>
-              <a:t>Thursday, October 20, 2022</a:t>
+              <a:t>Wednesday, October 26, 2022</a:t>
             </a:fld>
             <a:endParaRPr lang="en-US"/>
           </a:p>
@@ -13117,7 +13582,7 @@
           <a:p>
             <a:fld id="{403CB87E-4591-47A1-9046-CF63F17215EF}" type="datetime2">
               <a:rPr lang="en-US" smtClean="0"/>
-              <a:t>Thursday, October 20, 2022</a:t>
+              <a:t>Wednesday, October 26, 2022</a:t>
             </a:fld>
             <a:endParaRPr lang="en-US" dirty="0"/>
           </a:p>
@@ -14580,7 +15045,7 @@
           <a:p>
             <a:fld id="{F33DE70B-B772-416E-A790-995760B1742E}" type="datetime2">
               <a:rPr lang="en-US" smtClean="0"/>
-              <a:t>Thursday, October 20, 2022</a:t>
+              <a:t>Wednesday, October 26, 2022</a:t>
             </a:fld>
             <a:endParaRPr lang="en-US" dirty="0"/>
           </a:p>
@@ -16093,7 +16558,7 @@
           <a:p>
             <a:fld id="{76760CDE-A6F1-4138-AF12-ED09E8E5FB6B}" type="datetime2">
               <a:rPr lang="en-US" smtClean="0"/>
-              <a:t>Thursday, October 20, 2022</a:t>
+              <a:t>Wednesday, October 26, 2022</a:t>
             </a:fld>
             <a:endParaRPr lang="en-US"/>
           </a:p>
@@ -17618,7 +18083,7 @@
           <a:p>
             <a:fld id="{DB15F8B1-DB7B-4D28-A97D-40FB2DD1EF78}" type="datetime2">
               <a:rPr lang="en-US" smtClean="0"/>
-              <a:t>Thursday, October 20, 2022</a:t>
+              <a:t>Wednesday, October 26, 2022</a:t>
             </a:fld>
             <a:endParaRPr lang="en-US"/>
           </a:p>
@@ -19287,7 +19752,7 @@
           <a:p>
             <a:fld id="{14039161-23B8-4738-9069-73EBE8884FDD}" type="datetime2">
               <a:rPr lang="en-US" smtClean="0"/>
-              <a:t>Thursday, October 20, 2022</a:t>
+              <a:t>Wednesday, October 26, 2022</a:t>
             </a:fld>
             <a:endParaRPr lang="en-US"/>
           </a:p>
@@ -20689,7 +21154,7 @@
           <a:p>
             <a:fld id="{FA994D44-7693-499F-AC6C-11696134FE3F}" type="datetime2">
               <a:rPr lang="en-US" smtClean="0"/>
-              <a:t>Thursday, October 20, 2022</a:t>
+              <a:t>Wednesday, October 26, 2022</a:t>
             </a:fld>
             <a:endParaRPr lang="en-US"/>
           </a:p>
@@ -20793,7 +21258,7 @@
           <a:p>
             <a:fld id="{363AF2AE-472C-4EF3-ABB2-24BAA9AE3CF7}" type="datetime2">
               <a:rPr lang="en-US" smtClean="0"/>
-              <a:t>Thursday, October 20, 2022</a:t>
+              <a:t>Wednesday, October 26, 2022</a:t>
             </a:fld>
             <a:endParaRPr lang="en-US"/>
           </a:p>
@@ -22323,7 +22788,7 @@
           <a:p>
             <a:fld id="{EAEA162C-A7C1-4263-9453-1BAFF8C39559}" type="datetime2">
               <a:rPr lang="en-US" smtClean="0"/>
-              <a:t>Thursday, October 20, 2022</a:t>
+              <a:t>Wednesday, October 26, 2022</a:t>
             </a:fld>
             <a:endParaRPr lang="en-US"/>
           </a:p>
@@ -22552,7 +23017,7 @@
           <a:p>
             <a:fld id="{F33DE70B-B772-416E-A790-995760B1742E}" type="datetime2">
               <a:rPr lang="en-US" smtClean="0"/>
-              <a:t>Thursday, October 20, 2022</a:t>
+              <a:t>Wednesday, October 26, 2022</a:t>
             </a:fld>
             <a:endParaRPr lang="en-US" dirty="0"/>
           </a:p>
@@ -24120,7 +24585,7 @@
           <a:p>
             <a:fld id="{64DF6793-3458-4587-8168-65F0C37A92D2}" type="datetime2">
               <a:rPr lang="en-US" smtClean="0"/>
-              <a:t>Thursday, October 20, 2022</a:t>
+              <a:t>Wednesday, October 26, 2022</a:t>
             </a:fld>
             <a:endParaRPr lang="en-US"/>
           </a:p>
@@ -25579,7 +26044,7 @@
           <a:p>
             <a:fld id="{2FA17F0E-8070-4DFE-A821-9A699EDBAD7E}" type="datetime2">
               <a:rPr lang="en-US" smtClean="0"/>
-              <a:t>Thursday, October 20, 2022</a:t>
+              <a:t>Wednesday, October 26, 2022</a:t>
             </a:fld>
             <a:endParaRPr lang="en-US"/>
           </a:p>
@@ -27036,7 +27501,7 @@
           <a:p>
             <a:fld id="{D88D34AE-C7BF-46E5-A968-01C6641F6476}" type="datetime2">
               <a:rPr lang="en-US" smtClean="0"/>
-              <a:t>Thursday, October 20, 2022</a:t>
+              <a:t>Wednesday, October 26, 2022</a:t>
             </a:fld>
             <a:endParaRPr lang="en-US"/>
           </a:p>
@@ -27317,7 +27782,7 @@
           <a:p>
             <a:fld id="{76760CDE-A6F1-4138-AF12-ED09E8E5FB6B}" type="datetime2">
               <a:rPr lang="en-US" smtClean="0"/>
-              <a:t>Thursday, October 20, 2022</a:t>
+              <a:t>Wednesday, October 26, 2022</a:t>
             </a:fld>
             <a:endParaRPr lang="en-US"/>
           </a:p>
@@ -27649,7 +28114,7 @@
           <a:p>
             <a:fld id="{DB15F8B1-DB7B-4D28-A97D-40FB2DD1EF78}" type="datetime2">
               <a:rPr lang="en-US" smtClean="0"/>
-              <a:t>Thursday, October 20, 2022</a:t>
+              <a:t>Wednesday, October 26, 2022</a:t>
             </a:fld>
             <a:endParaRPr lang="en-US"/>
           </a:p>
@@ -28095,7 +28560,7 @@
           <a:p>
             <a:fld id="{14039161-23B8-4738-9069-73EBE8884FDD}" type="datetime2">
               <a:rPr lang="en-US" smtClean="0"/>
-              <a:t>Thursday, October 20, 2022</a:t>
+              <a:t>Wednesday, October 26, 2022</a:t>
             </a:fld>
             <a:endParaRPr lang="en-US"/>
           </a:p>
@@ -28251,7 +28716,7 @@
           <a:p>
             <a:fld id="{FA994D44-7693-499F-AC6C-11696134FE3F}" type="datetime2">
               <a:rPr lang="en-US" smtClean="0"/>
-              <a:t>Thursday, October 20, 2022</a:t>
+              <a:t>Wednesday, October 26, 2022</a:t>
             </a:fld>
             <a:endParaRPr lang="en-US"/>
           </a:p>
@@ -28368,7 +28833,7 @@
           <a:p>
             <a:fld id="{363AF2AE-472C-4EF3-ABB2-24BAA9AE3CF7}" type="datetime2">
               <a:rPr lang="en-US" smtClean="0"/>
-              <a:t>Thursday, October 20, 2022</a:t>
+              <a:t>Wednesday, October 26, 2022</a:t>
             </a:fld>
             <a:endParaRPr lang="en-US"/>
           </a:p>
@@ -28695,7 +29160,7 @@
           <a:p>
             <a:fld id="{EAEA162C-A7C1-4263-9453-1BAFF8C39559}" type="datetime2">
               <a:rPr lang="en-US" smtClean="0"/>
-              <a:t>Thursday, October 20, 2022</a:t>
+              <a:t>Wednesday, October 26, 2022</a:t>
             </a:fld>
             <a:endParaRPr lang="en-US"/>
           </a:p>
@@ -29001,7 +29466,7 @@
           <a:p>
             <a:fld id="{64DF6793-3458-4587-8168-65F0C37A92D2}" type="datetime2">
               <a:rPr lang="en-US" smtClean="0"/>
-              <a:t>Thursday, October 20, 2022</a:t>
+              <a:t>Wednesday, October 26, 2022</a:t>
             </a:fld>
             <a:endParaRPr lang="en-US"/>
           </a:p>
@@ -29354,7 +29819,7 @@
             <a:fld id="{E8352ED3-3C46-4C9A-9738-67B2D875E7E2}" type="datetime2">
               <a:rPr lang="en-US" smtClean="0"/>
               <a:pPr/>
-              <a:t>Thursday, October 20, 2022</a:t>
+              <a:t>Wednesday, October 26, 2022</a:t>
             </a:fld>
             <a:endParaRPr lang="en-US" dirty="0"/>
           </a:p>
@@ -29923,7 +30388,7 @@
             <a:fld id="{E8352ED3-3C46-4C9A-9738-67B2D875E7E2}" type="datetime2">
               <a:rPr lang="en-US" smtClean="0"/>
               <a:pPr/>
-              <a:t>Thursday, October 20, 2022</a:t>
+              <a:t>Wednesday, October 26, 2022</a:t>
             </a:fld>
             <a:endParaRPr lang="en-US" dirty="0"/>
           </a:p>
@@ -33717,6 +34182,936 @@
       </p:grpSpPr>
       <p:sp>
         <p:nvSpPr>
+          <p:cNvPr id="2" name="Title 1">
+            <a:extLst>
+              <a:ext uri="{FF2B5EF4-FFF2-40B4-BE49-F238E27FC236}">
+                <a16:creationId xmlns:a16="http://schemas.microsoft.com/office/drawing/2014/main" id="{CD79E4BF-959B-4B7C-8AE7-013EA63B4628}"/>
+              </a:ext>
+            </a:extLst>
+          </p:cNvPr>
+          <p:cNvSpPr>
+            <a:spLocks noGrp="1"/>
+          </p:cNvSpPr>
+          <p:nvPr>
+            <p:ph type="title"/>
+          </p:nvPr>
+        </p:nvSpPr>
+        <p:spPr/>
+        <p:txBody>
+          <a:bodyPr>
+            <a:normAutofit/>
+          </a:bodyPr>
+          <a:lstStyle/>
+          <a:p>
+            <a:r>
+              <a:rPr lang="en-US" dirty="0">
+                <a:latin typeface="Arial Rounded MT Bold" panose="020F0704030504030204" pitchFamily="34" charset="0"/>
+              </a:rPr>
+              <a:t>JUnit</a:t>
+            </a:r>
+            <a:endParaRPr lang="es-CR" dirty="0">
+              <a:latin typeface="Arial Rounded MT Bold" panose="020F0704030504030204" pitchFamily="34" charset="0"/>
+            </a:endParaRPr>
+          </a:p>
+        </p:txBody>
+      </p:sp>
+      <p:sp>
+        <p:nvSpPr>
+          <p:cNvPr id="3" name="Content Placeholder 2">
+            <a:extLst>
+              <a:ext uri="{FF2B5EF4-FFF2-40B4-BE49-F238E27FC236}">
+                <a16:creationId xmlns:a16="http://schemas.microsoft.com/office/drawing/2014/main" id="{F1EA02AD-4912-41E1-A6AE-FF6C9D544B01}"/>
+              </a:ext>
+            </a:extLst>
+          </p:cNvPr>
+          <p:cNvSpPr>
+            <a:spLocks noGrp="1"/>
+          </p:cNvSpPr>
+          <p:nvPr>
+            <p:ph idx="1"/>
+          </p:nvPr>
+        </p:nvSpPr>
+        <p:spPr/>
+        <p:txBody>
+          <a:bodyPr>
+            <a:normAutofit/>
+          </a:bodyPr>
+          <a:lstStyle/>
+          <a:p>
+            <a:r>
+              <a:rPr lang="en-US" dirty="0"/>
+              <a:t>JUnit es un </a:t>
+            </a:r>
+            <a:r>
+              <a:rPr lang="en-US" dirty="0" err="1"/>
+              <a:t>marco</a:t>
+            </a:r>
+            <a:r>
+              <a:rPr lang="en-US" dirty="0"/>
+              <a:t> simple de </a:t>
+            </a:r>
+            <a:r>
+              <a:rPr lang="en-US" dirty="0" err="1"/>
+              <a:t>código</a:t>
+            </a:r>
+            <a:r>
+              <a:rPr lang="en-US" dirty="0"/>
+              <a:t> </a:t>
+            </a:r>
+            <a:r>
+              <a:rPr lang="en-US" dirty="0" err="1"/>
+              <a:t>abierto</a:t>
+            </a:r>
+            <a:r>
+              <a:rPr lang="en-US" dirty="0"/>
+              <a:t> para </a:t>
+            </a:r>
+            <a:r>
+              <a:rPr lang="en-US" dirty="0" err="1"/>
+              <a:t>escribir</a:t>
+            </a:r>
+            <a:r>
+              <a:rPr lang="en-US" dirty="0"/>
+              <a:t> y ejecutar pruebas </a:t>
+            </a:r>
+            <a:r>
+              <a:rPr lang="en-US" dirty="0" err="1"/>
+              <a:t>repetibles</a:t>
+            </a:r>
+            <a:r>
+              <a:rPr lang="en-US" dirty="0"/>
+              <a:t>.</a:t>
+            </a:r>
+            <a:endParaRPr lang="es-CR" dirty="0"/>
+          </a:p>
+        </p:txBody>
+      </p:sp>
+      <p:pic>
+        <p:nvPicPr>
+          <p:cNvPr id="1026" name="Picture 2" descr="Why you should migrate to Junit 5 | by RIAG Digital | RIAG Digital ...">
+            <a:extLst>
+              <a:ext uri="{FF2B5EF4-FFF2-40B4-BE49-F238E27FC236}">
+                <a16:creationId xmlns:a16="http://schemas.microsoft.com/office/drawing/2014/main" id="{B544F915-A25F-BEA3-026C-B796333FE2DF}"/>
+              </a:ext>
+            </a:extLst>
+          </p:cNvPr>
+          <p:cNvPicPr>
+            <a:picLocks noChangeAspect="1" noChangeArrowheads="1"/>
+          </p:cNvPicPr>
+          <p:nvPr/>
+        </p:nvPicPr>
+        <p:blipFill rotWithShape="1">
+          <a:blip r:embed="rId2">
+            <a:extLst>
+              <a:ext uri="{28A0092B-C50C-407E-A947-70E740481C1C}">
+                <a14:useLocalDpi xmlns:a14="http://schemas.microsoft.com/office/drawing/2010/main" val="0"/>
+              </a:ext>
+            </a:extLst>
+          </a:blip>
+          <a:srcRect t="9115" b="7730"/>
+          <a:stretch/>
+        </p:blipFill>
+        <p:spPr bwMode="auto">
+          <a:xfrm>
+            <a:off x="1189070" y="3144382"/>
+            <a:ext cx="2928079" cy="1412251"/>
+          </a:xfrm>
+          <a:prstGeom prst="rect">
+            <a:avLst/>
+          </a:prstGeom>
+          <a:noFill/>
+          <a:extLst>
+            <a:ext uri="{909E8E84-426E-40DD-AFC4-6F175D3DCCD1}">
+              <a14:hiddenFill xmlns:a14="http://schemas.microsoft.com/office/drawing/2010/main">
+                <a:solidFill>
+                  <a:srgbClr val="FFFFFF"/>
+                </a:solidFill>
+              </a14:hiddenFill>
+            </a:ext>
+          </a:extLst>
+        </p:spPr>
+      </p:pic>
+      <p:pic>
+        <p:nvPicPr>
+          <p:cNvPr id="5" name="Picture 4">
+            <a:extLst>
+              <a:ext uri="{FF2B5EF4-FFF2-40B4-BE49-F238E27FC236}">
+                <a16:creationId xmlns:a16="http://schemas.microsoft.com/office/drawing/2014/main" id="{7EFB757B-A2E0-3318-97F8-994825F24844}"/>
+              </a:ext>
+            </a:extLst>
+          </p:cNvPr>
+          <p:cNvPicPr>
+            <a:picLocks noChangeAspect="1"/>
+          </p:cNvPicPr>
+          <p:nvPr/>
+        </p:nvPicPr>
+        <p:blipFill>
+          <a:blip r:embed="rId3"/>
+          <a:stretch>
+            <a:fillRect/>
+          </a:stretch>
+        </p:blipFill>
+        <p:spPr>
+          <a:xfrm>
+            <a:off x="5031339" y="2430330"/>
+            <a:ext cx="6535062" cy="3934374"/>
+          </a:xfrm>
+          <a:prstGeom prst="rect">
+            <a:avLst/>
+          </a:prstGeom>
+        </p:spPr>
+      </p:pic>
+    </p:spTree>
+    <p:extLst>
+      <p:ext uri="{BB962C8B-B14F-4D97-AF65-F5344CB8AC3E}">
+        <p14:creationId xmlns:p14="http://schemas.microsoft.com/office/powerpoint/2010/main" val="154347964"/>
+      </p:ext>
+    </p:extLst>
+  </p:cSld>
+  <p:clrMapOvr>
+    <a:masterClrMapping/>
+  </p:clrMapOvr>
+</p:sld>
+</file>
+
+<file path=ppt/slides/slide16.xml><?xml version="1.0" encoding="utf-8"?>
+<p:sld xmlns:a="http://schemas.openxmlformats.org/drawingml/2006/main" xmlns:r="http://schemas.openxmlformats.org/officeDocument/2006/relationships" xmlns:p="http://schemas.openxmlformats.org/presentationml/2006/main">
+  <p:cSld>
+    <p:spTree>
+      <p:nvGrpSpPr>
+        <p:cNvPr id="1" name=""/>
+        <p:cNvGrpSpPr/>
+        <p:nvPr/>
+      </p:nvGrpSpPr>
+      <p:grpSpPr>
+        <a:xfrm>
+          <a:off x="0" y="0"/>
+          <a:ext cx="0" cy="0"/>
+          <a:chOff x="0" y="0"/>
+          <a:chExt cx="0" cy="0"/>
+        </a:xfrm>
+      </p:grpSpPr>
+      <p:sp>
+        <p:nvSpPr>
+          <p:cNvPr id="2" name="Title 1">
+            <a:extLst>
+              <a:ext uri="{FF2B5EF4-FFF2-40B4-BE49-F238E27FC236}">
+                <a16:creationId xmlns:a16="http://schemas.microsoft.com/office/drawing/2014/main" id="{5A723D10-4214-5BD5-42B0-D9598F178D37}"/>
+              </a:ext>
+            </a:extLst>
+          </p:cNvPr>
+          <p:cNvSpPr>
+            <a:spLocks noGrp="1"/>
+          </p:cNvSpPr>
+          <p:nvPr>
+            <p:ph type="title"/>
+          </p:nvPr>
+        </p:nvSpPr>
+        <p:spPr/>
+        <p:txBody>
+          <a:bodyPr/>
+          <a:lstStyle/>
+          <a:p>
+            <a:r>
+              <a:rPr lang="en-US" dirty="0">
+                <a:latin typeface="Arial Rounded MT Bold" panose="020F0704030504030204" pitchFamily="34" charset="0"/>
+              </a:rPr>
+              <a:t>Ejemplo de </a:t>
+            </a:r>
+            <a:r>
+              <a:rPr lang="en-US" dirty="0" err="1">
+                <a:latin typeface="Arial Rounded MT Bold" panose="020F0704030504030204" pitchFamily="34" charset="0"/>
+              </a:rPr>
+              <a:t>una</a:t>
+            </a:r>
+            <a:r>
+              <a:rPr lang="en-US" dirty="0">
+                <a:latin typeface="Arial Rounded MT Bold" panose="020F0704030504030204" pitchFamily="34" charset="0"/>
+              </a:rPr>
+              <a:t> </a:t>
+            </a:r>
+            <a:r>
+              <a:rPr lang="en-US" dirty="0" err="1">
+                <a:latin typeface="Arial Rounded MT Bold" panose="020F0704030504030204" pitchFamily="34" charset="0"/>
+              </a:rPr>
+              <a:t>Prueba</a:t>
+            </a:r>
+            <a:endParaRPr lang="en-US" dirty="0">
+              <a:latin typeface="Arial Rounded MT Bold" panose="020F0704030504030204" pitchFamily="34" charset="0"/>
+            </a:endParaRPr>
+          </a:p>
+        </p:txBody>
+      </p:sp>
+      <p:sp>
+        <p:nvSpPr>
+          <p:cNvPr id="3" name="Content Placeholder 2">
+            <a:extLst>
+              <a:ext uri="{FF2B5EF4-FFF2-40B4-BE49-F238E27FC236}">
+                <a16:creationId xmlns:a16="http://schemas.microsoft.com/office/drawing/2014/main" id="{66DB0890-8A17-7DC6-9B0C-2C3818A0F744}"/>
+              </a:ext>
+            </a:extLst>
+          </p:cNvPr>
+          <p:cNvSpPr>
+            <a:spLocks noGrp="1"/>
+          </p:cNvSpPr>
+          <p:nvPr>
+            <p:ph idx="1"/>
+          </p:nvPr>
+        </p:nvSpPr>
+        <p:spPr/>
+        <p:txBody>
+          <a:bodyPr/>
+          <a:lstStyle/>
+          <a:p>
+            <a:endParaRPr lang="en-US"/>
+          </a:p>
+        </p:txBody>
+      </p:sp>
+      <p:pic>
+        <p:nvPicPr>
+          <p:cNvPr id="5" name="Picture 4">
+            <a:extLst>
+              <a:ext uri="{FF2B5EF4-FFF2-40B4-BE49-F238E27FC236}">
+                <a16:creationId xmlns:a16="http://schemas.microsoft.com/office/drawing/2014/main" id="{489F5747-9E4C-7760-202D-860177DD8FFB}"/>
+              </a:ext>
+            </a:extLst>
+          </p:cNvPr>
+          <p:cNvPicPr>
+            <a:picLocks noChangeAspect="1"/>
+          </p:cNvPicPr>
+          <p:nvPr/>
+        </p:nvPicPr>
+        <p:blipFill>
+          <a:blip r:embed="rId2"/>
+          <a:stretch>
+            <a:fillRect/>
+          </a:stretch>
+        </p:blipFill>
+        <p:spPr>
+          <a:xfrm>
+            <a:off x="4597873" y="1553801"/>
+            <a:ext cx="7373379" cy="4048690"/>
+          </a:xfrm>
+          <a:prstGeom prst="rect">
+            <a:avLst/>
+          </a:prstGeom>
+        </p:spPr>
+      </p:pic>
+    </p:spTree>
+    <p:extLst>
+      <p:ext uri="{BB962C8B-B14F-4D97-AF65-F5344CB8AC3E}">
+        <p14:creationId xmlns:p14="http://schemas.microsoft.com/office/powerpoint/2010/main" val="4028392511"/>
+      </p:ext>
+    </p:extLst>
+  </p:cSld>
+  <p:clrMapOvr>
+    <a:masterClrMapping/>
+  </p:clrMapOvr>
+</p:sld>
+</file>
+
+<file path=ppt/slides/slide17.xml><?xml version="1.0" encoding="utf-8"?>
+<p:sld xmlns:a="http://schemas.openxmlformats.org/drawingml/2006/main" xmlns:r="http://schemas.openxmlformats.org/officeDocument/2006/relationships" xmlns:p="http://schemas.openxmlformats.org/presentationml/2006/main">
+  <p:cSld>
+    <p:spTree>
+      <p:nvGrpSpPr>
+        <p:cNvPr id="1" name=""/>
+        <p:cNvGrpSpPr/>
+        <p:nvPr/>
+      </p:nvGrpSpPr>
+      <p:grpSpPr>
+        <a:xfrm>
+          <a:off x="0" y="0"/>
+          <a:ext cx="0" cy="0"/>
+          <a:chOff x="0" y="0"/>
+          <a:chExt cx="0" cy="0"/>
+        </a:xfrm>
+      </p:grpSpPr>
+      <p:sp>
+        <p:nvSpPr>
+          <p:cNvPr id="2" name="Title 1">
+            <a:extLst>
+              <a:ext uri="{FF2B5EF4-FFF2-40B4-BE49-F238E27FC236}">
+                <a16:creationId xmlns:a16="http://schemas.microsoft.com/office/drawing/2014/main" id="{85A81F70-AC7D-0F0F-D296-20CCFE587748}"/>
+              </a:ext>
+            </a:extLst>
+          </p:cNvPr>
+          <p:cNvSpPr>
+            <a:spLocks noGrp="1"/>
+          </p:cNvSpPr>
+          <p:nvPr>
+            <p:ph type="title"/>
+          </p:nvPr>
+        </p:nvSpPr>
+        <p:spPr/>
+        <p:txBody>
+          <a:bodyPr/>
+          <a:lstStyle/>
+          <a:p>
+            <a:r>
+              <a:rPr lang="en-US" dirty="0" err="1">
+                <a:latin typeface="Arial Rounded MT Bold" panose="020F0704030504030204" pitchFamily="34" charset="0"/>
+              </a:rPr>
+              <a:t>Aserciones</a:t>
+            </a:r>
+            <a:endParaRPr lang="en-US" dirty="0">
+              <a:latin typeface="Arial Rounded MT Bold" panose="020F0704030504030204" pitchFamily="34" charset="0"/>
+            </a:endParaRPr>
+          </a:p>
+        </p:txBody>
+      </p:sp>
+      <p:sp>
+        <p:nvSpPr>
+          <p:cNvPr id="3" name="Content Placeholder 2">
+            <a:extLst>
+              <a:ext uri="{FF2B5EF4-FFF2-40B4-BE49-F238E27FC236}">
+                <a16:creationId xmlns:a16="http://schemas.microsoft.com/office/drawing/2014/main" id="{52335E40-27CF-548E-96EC-2BCF6E210667}"/>
+              </a:ext>
+            </a:extLst>
+          </p:cNvPr>
+          <p:cNvSpPr>
+            <a:spLocks noGrp="1"/>
+          </p:cNvSpPr>
+          <p:nvPr>
+            <p:ph idx="1"/>
+          </p:nvPr>
+        </p:nvSpPr>
+        <p:spPr/>
+        <p:txBody>
+          <a:bodyPr>
+            <a:normAutofit/>
+          </a:bodyPr>
+          <a:lstStyle/>
+          <a:p>
+            <a:r>
+              <a:rPr lang="en-US" dirty="0"/>
+              <a:t>Son </a:t>
+            </a:r>
+            <a:r>
+              <a:rPr lang="en-US" dirty="0" err="1"/>
+              <a:t>colecciones</a:t>
+            </a:r>
+            <a:r>
+              <a:rPr lang="en-US" dirty="0"/>
+              <a:t> de </a:t>
+            </a:r>
+            <a:r>
+              <a:rPr lang="en-US" dirty="0" err="1"/>
+              <a:t>métodos</a:t>
+            </a:r>
+            <a:r>
+              <a:rPr lang="en-US" dirty="0"/>
+              <a:t> que </a:t>
+            </a:r>
+            <a:r>
+              <a:rPr lang="en-US" dirty="0" err="1"/>
+              <a:t>soportan</a:t>
+            </a:r>
+            <a:r>
+              <a:rPr lang="en-US" dirty="0"/>
+              <a:t> la </a:t>
+            </a:r>
+            <a:r>
+              <a:rPr lang="en-US" dirty="0" err="1"/>
+              <a:t>evaluación</a:t>
+            </a:r>
+            <a:r>
+              <a:rPr lang="en-US" dirty="0"/>
+              <a:t> de </a:t>
+            </a:r>
+            <a:r>
+              <a:rPr lang="en-US" dirty="0" err="1"/>
+              <a:t>condiciones</a:t>
+            </a:r>
+            <a:r>
+              <a:rPr lang="en-US" dirty="0"/>
+              <a:t> </a:t>
+            </a:r>
+            <a:r>
+              <a:rPr lang="en-US" dirty="0" err="1"/>
+              <a:t>en</a:t>
+            </a:r>
+            <a:r>
+              <a:rPr lang="en-US" dirty="0"/>
+              <a:t> las pruebas.</a:t>
+            </a:r>
+          </a:p>
+          <a:p>
+            <a:endParaRPr lang="en-US" dirty="0"/>
+          </a:p>
+          <a:p>
+            <a:r>
+              <a:rPr lang="en-US" dirty="0" err="1"/>
+              <a:t>Ejemplos</a:t>
+            </a:r>
+            <a:r>
+              <a:rPr lang="en-US" dirty="0"/>
+              <a:t>:</a:t>
+            </a:r>
+          </a:p>
+        </p:txBody>
+      </p:sp>
+      <p:pic>
+        <p:nvPicPr>
+          <p:cNvPr id="5" name="Picture 4">
+            <a:extLst>
+              <a:ext uri="{FF2B5EF4-FFF2-40B4-BE49-F238E27FC236}">
+                <a16:creationId xmlns:a16="http://schemas.microsoft.com/office/drawing/2014/main" id="{568C94C5-B426-144F-1159-64666ED36F7C}"/>
+              </a:ext>
+            </a:extLst>
+          </p:cNvPr>
+          <p:cNvPicPr>
+            <a:picLocks noChangeAspect="1"/>
+          </p:cNvPicPr>
+          <p:nvPr/>
+        </p:nvPicPr>
+        <p:blipFill>
+          <a:blip r:embed="rId2"/>
+          <a:stretch>
+            <a:fillRect/>
+          </a:stretch>
+        </p:blipFill>
+        <p:spPr>
+          <a:xfrm>
+            <a:off x="4887868" y="2644565"/>
+            <a:ext cx="6973273" cy="1867161"/>
+          </a:xfrm>
+          <a:prstGeom prst="rect">
+            <a:avLst/>
+          </a:prstGeom>
+        </p:spPr>
+      </p:pic>
+    </p:spTree>
+    <p:extLst>
+      <p:ext uri="{BB962C8B-B14F-4D97-AF65-F5344CB8AC3E}">
+        <p14:creationId xmlns:p14="http://schemas.microsoft.com/office/powerpoint/2010/main" val="2021775577"/>
+      </p:ext>
+    </p:extLst>
+  </p:cSld>
+  <p:clrMapOvr>
+    <a:masterClrMapping/>
+  </p:clrMapOvr>
+</p:sld>
+</file>
+
+<file path=ppt/slides/slide18.xml><?xml version="1.0" encoding="utf-8"?>
+<p:sld xmlns:a="http://schemas.openxmlformats.org/drawingml/2006/main" xmlns:r="http://schemas.openxmlformats.org/officeDocument/2006/relationships" xmlns:p="http://schemas.openxmlformats.org/presentationml/2006/main">
+  <p:cSld>
+    <p:spTree>
+      <p:nvGrpSpPr>
+        <p:cNvPr id="1" name=""/>
+        <p:cNvGrpSpPr/>
+        <p:nvPr/>
+      </p:nvGrpSpPr>
+      <p:grpSpPr>
+        <a:xfrm>
+          <a:off x="0" y="0"/>
+          <a:ext cx="0" cy="0"/>
+          <a:chOff x="0" y="0"/>
+          <a:chExt cx="0" cy="0"/>
+        </a:xfrm>
+      </p:grpSpPr>
+      <p:sp>
+        <p:nvSpPr>
+          <p:cNvPr id="4" name="Title 3">
+            <a:extLst>
+              <a:ext uri="{FF2B5EF4-FFF2-40B4-BE49-F238E27FC236}">
+                <a16:creationId xmlns:a16="http://schemas.microsoft.com/office/drawing/2014/main" id="{A874916D-0115-46D6-99B1-CBDC5F22FDA5}"/>
+              </a:ext>
+            </a:extLst>
+          </p:cNvPr>
+          <p:cNvSpPr>
+            <a:spLocks noGrp="1"/>
+          </p:cNvSpPr>
+          <p:nvPr>
+            <p:ph type="title"/>
+          </p:nvPr>
+        </p:nvSpPr>
+        <p:spPr>
+          <a:xfrm>
+            <a:off x="1162605" y="2544001"/>
+            <a:ext cx="9865266" cy="1741601"/>
+          </a:xfrm>
+        </p:spPr>
+        <p:txBody>
+          <a:bodyPr vert="horz" lIns="91440" tIns="45720" rIns="91440" bIns="45720" rtlCol="0" anchor="b">
+            <a:normAutofit/>
+          </a:bodyPr>
+          <a:lstStyle/>
+          <a:p>
+            <a:pPr algn="ctr"/>
+            <a:r>
+              <a:rPr lang="en-US" sz="5400" dirty="0" err="1">
+                <a:latin typeface="Arial Rounded MT Bold" panose="020F0704030504030204" pitchFamily="34" charset="0"/>
+              </a:rPr>
+              <a:t>Práctica</a:t>
+            </a:r>
+            <a:r>
+              <a:rPr lang="en-US" sz="5400" dirty="0">
+                <a:latin typeface="Arial Rounded MT Bold" panose="020F0704030504030204" pitchFamily="34" charset="0"/>
+              </a:rPr>
+              <a:t> 4</a:t>
+            </a:r>
+            <a:br>
+              <a:rPr lang="en-US" sz="5400" dirty="0">
+                <a:latin typeface="Arial Rounded MT Bold" panose="020F0704030504030204" pitchFamily="34" charset="0"/>
+              </a:rPr>
+            </a:br>
+            <a:r>
+              <a:rPr lang="en-US" sz="5400" dirty="0" err="1">
+                <a:latin typeface="Arial Rounded MT Bold" panose="020F0704030504030204" pitchFamily="34" charset="0"/>
+              </a:rPr>
+              <a:t>Prueba</a:t>
+            </a:r>
+            <a:r>
+              <a:rPr lang="en-US" sz="5400" dirty="0">
+                <a:latin typeface="Arial Rounded MT Bold" panose="020F0704030504030204" pitchFamily="34" charset="0"/>
+              </a:rPr>
+              <a:t> </a:t>
+            </a:r>
+            <a:r>
+              <a:rPr lang="en-US" sz="5400" dirty="0" err="1">
+                <a:latin typeface="Arial Rounded MT Bold" panose="020F0704030504030204" pitchFamily="34" charset="0"/>
+              </a:rPr>
+              <a:t>básica</a:t>
+            </a:r>
+            <a:r>
+              <a:rPr lang="en-US" sz="5400" dirty="0">
+                <a:latin typeface="Arial Rounded MT Bold" panose="020F0704030504030204" pitchFamily="34" charset="0"/>
+              </a:rPr>
+              <a:t> JUnit</a:t>
+            </a:r>
+          </a:p>
+        </p:txBody>
+      </p:sp>
+    </p:spTree>
+    <p:extLst>
+      <p:ext uri="{BB962C8B-B14F-4D97-AF65-F5344CB8AC3E}">
+        <p14:creationId xmlns:p14="http://schemas.microsoft.com/office/powerpoint/2010/main" val="2656218088"/>
+      </p:ext>
+    </p:extLst>
+  </p:cSld>
+  <p:clrMapOvr>
+    <a:masterClrMapping/>
+  </p:clrMapOvr>
+</p:sld>
+</file>
+
+<file path=ppt/slides/slide19.xml><?xml version="1.0" encoding="utf-8"?>
+<p:sld xmlns:a="http://schemas.openxmlformats.org/drawingml/2006/main" xmlns:r="http://schemas.openxmlformats.org/officeDocument/2006/relationships" xmlns:p="http://schemas.openxmlformats.org/presentationml/2006/main">
+  <p:cSld>
+    <p:spTree>
+      <p:nvGrpSpPr>
+        <p:cNvPr id="1" name=""/>
+        <p:cNvGrpSpPr/>
+        <p:nvPr/>
+      </p:nvGrpSpPr>
+      <p:grpSpPr>
+        <a:xfrm>
+          <a:off x="0" y="0"/>
+          <a:ext cx="0" cy="0"/>
+          <a:chOff x="0" y="0"/>
+          <a:chExt cx="0" cy="0"/>
+        </a:xfrm>
+      </p:grpSpPr>
+      <p:sp>
+        <p:nvSpPr>
+          <p:cNvPr id="2" name="Title 1">
+            <a:extLst>
+              <a:ext uri="{FF2B5EF4-FFF2-40B4-BE49-F238E27FC236}">
+                <a16:creationId xmlns:a16="http://schemas.microsoft.com/office/drawing/2014/main" id="{71F662D8-504F-725F-995D-8EE8CE91ECA9}"/>
+              </a:ext>
+            </a:extLst>
+          </p:cNvPr>
+          <p:cNvSpPr>
+            <a:spLocks noGrp="1"/>
+          </p:cNvSpPr>
+          <p:nvPr>
+            <p:ph type="title"/>
+          </p:nvPr>
+        </p:nvSpPr>
+        <p:spPr/>
+        <p:txBody>
+          <a:bodyPr/>
+          <a:lstStyle/>
+          <a:p>
+            <a:r>
+              <a:rPr lang="en-US" dirty="0">
+                <a:latin typeface="Arial Rounded MT Bold" panose="020F0704030504030204" pitchFamily="34" charset="0"/>
+              </a:rPr>
+              <a:t>Fixtures</a:t>
+            </a:r>
+          </a:p>
+        </p:txBody>
+      </p:sp>
+      <p:sp>
+        <p:nvSpPr>
+          <p:cNvPr id="3" name="Content Placeholder 2">
+            <a:extLst>
+              <a:ext uri="{FF2B5EF4-FFF2-40B4-BE49-F238E27FC236}">
+                <a16:creationId xmlns:a16="http://schemas.microsoft.com/office/drawing/2014/main" id="{F0B54EAD-4C8E-4918-A546-7B448A604377}"/>
+              </a:ext>
+            </a:extLst>
+          </p:cNvPr>
+          <p:cNvSpPr>
+            <a:spLocks noGrp="1"/>
+          </p:cNvSpPr>
+          <p:nvPr>
+            <p:ph idx="1"/>
+          </p:nvPr>
+        </p:nvSpPr>
+        <p:spPr/>
+        <p:txBody>
+          <a:bodyPr/>
+          <a:lstStyle/>
+          <a:p>
+            <a:endParaRPr lang="en-US"/>
+          </a:p>
+        </p:txBody>
+      </p:sp>
+      <p:pic>
+        <p:nvPicPr>
+          <p:cNvPr id="5" name="Picture 4">
+            <a:extLst>
+              <a:ext uri="{FF2B5EF4-FFF2-40B4-BE49-F238E27FC236}">
+                <a16:creationId xmlns:a16="http://schemas.microsoft.com/office/drawing/2014/main" id="{CE477A94-FCC2-1672-DBF9-AC2C4E914FA2}"/>
+              </a:ext>
+            </a:extLst>
+          </p:cNvPr>
+          <p:cNvPicPr>
+            <a:picLocks noChangeAspect="1"/>
+          </p:cNvPicPr>
+          <p:nvPr/>
+        </p:nvPicPr>
+        <p:blipFill>
+          <a:blip r:embed="rId3"/>
+          <a:stretch>
+            <a:fillRect/>
+          </a:stretch>
+        </p:blipFill>
+        <p:spPr>
+          <a:xfrm>
+            <a:off x="5916119" y="98886"/>
+            <a:ext cx="4606978" cy="6660228"/>
+          </a:xfrm>
+          <a:prstGeom prst="rect">
+            <a:avLst/>
+          </a:prstGeom>
+        </p:spPr>
+      </p:pic>
+    </p:spTree>
+    <p:extLst>
+      <p:ext uri="{BB962C8B-B14F-4D97-AF65-F5344CB8AC3E}">
+        <p14:creationId xmlns:p14="http://schemas.microsoft.com/office/powerpoint/2010/main" val="862271106"/>
+      </p:ext>
+    </p:extLst>
+  </p:cSld>
+  <p:clrMapOvr>
+    <a:masterClrMapping/>
+  </p:clrMapOvr>
+</p:sld>
+</file>
+
+<file path=ppt/slides/slide2.xml><?xml version="1.0" encoding="utf-8"?>
+<p:sld xmlns:a="http://schemas.openxmlformats.org/drawingml/2006/main" xmlns:r="http://schemas.openxmlformats.org/officeDocument/2006/relationships" xmlns:p="http://schemas.openxmlformats.org/presentationml/2006/main">
+  <p:cSld>
+    <p:spTree>
+      <p:nvGrpSpPr>
+        <p:cNvPr id="1" name=""/>
+        <p:cNvGrpSpPr/>
+        <p:nvPr/>
+      </p:nvGrpSpPr>
+      <p:grpSpPr>
+        <a:xfrm>
+          <a:off x="0" y="0"/>
+          <a:ext cx="0" cy="0"/>
+          <a:chOff x="0" y="0"/>
+          <a:chExt cx="0" cy="0"/>
+        </a:xfrm>
+      </p:grpSpPr>
+      <p:sp>
+        <p:nvSpPr>
+          <p:cNvPr id="2" name="Title 1">
+            <a:extLst>
+              <a:ext uri="{FF2B5EF4-FFF2-40B4-BE49-F238E27FC236}">
+                <a16:creationId xmlns:a16="http://schemas.microsoft.com/office/drawing/2014/main" id="{6752EE6F-2C5C-3FC5-2628-99FE25AC56B7}"/>
+              </a:ext>
+            </a:extLst>
+          </p:cNvPr>
+          <p:cNvSpPr>
+            <a:spLocks noGrp="1"/>
+          </p:cNvSpPr>
+          <p:nvPr>
+            <p:ph type="title"/>
+          </p:nvPr>
+        </p:nvSpPr>
+        <p:spPr/>
+        <p:txBody>
+          <a:bodyPr/>
+          <a:lstStyle/>
+          <a:p>
+            <a:r>
+              <a:rPr lang="en-US" dirty="0">
+                <a:latin typeface="Arial Rounded MT Bold" panose="020F0704030504030204" pitchFamily="34" charset="0"/>
+              </a:rPr>
+              <a:t>Historia</a:t>
+            </a:r>
+          </a:p>
+        </p:txBody>
+      </p:sp>
+      <p:pic>
+        <p:nvPicPr>
+          <p:cNvPr id="7" name="Picture 6">
+            <a:extLst>
+              <a:ext uri="{FF2B5EF4-FFF2-40B4-BE49-F238E27FC236}">
+                <a16:creationId xmlns:a16="http://schemas.microsoft.com/office/drawing/2014/main" id="{EAA18D17-1D61-B664-2C62-3923E2CE064C}"/>
+              </a:ext>
+            </a:extLst>
+          </p:cNvPr>
+          <p:cNvPicPr>
+            <a:picLocks noChangeAspect="1"/>
+          </p:cNvPicPr>
+          <p:nvPr/>
+        </p:nvPicPr>
+        <p:blipFill>
+          <a:blip r:embed="rId2"/>
+          <a:stretch>
+            <a:fillRect/>
+          </a:stretch>
+        </p:blipFill>
+        <p:spPr>
+          <a:xfrm>
+            <a:off x="1622658" y="1505445"/>
+            <a:ext cx="8946683" cy="5167312"/>
+          </a:xfrm>
+          <a:prstGeom prst="rect">
+            <a:avLst/>
+          </a:prstGeom>
+        </p:spPr>
+      </p:pic>
+    </p:spTree>
+    <p:extLst>
+      <p:ext uri="{BB962C8B-B14F-4D97-AF65-F5344CB8AC3E}">
+        <p14:creationId xmlns:p14="http://schemas.microsoft.com/office/powerpoint/2010/main" val="3372691527"/>
+      </p:ext>
+    </p:extLst>
+  </p:cSld>
+  <p:clrMapOvr>
+    <a:masterClrMapping/>
+  </p:clrMapOvr>
+</p:sld>
+</file>
+
+<file path=ppt/slides/slide20.xml><?xml version="1.0" encoding="utf-8"?>
+<p:sld xmlns:a="http://schemas.openxmlformats.org/drawingml/2006/main" xmlns:r="http://schemas.openxmlformats.org/officeDocument/2006/relationships" xmlns:p="http://schemas.openxmlformats.org/presentationml/2006/main">
+  <p:cSld>
+    <p:spTree>
+      <p:nvGrpSpPr>
+        <p:cNvPr id="1" name=""/>
+        <p:cNvGrpSpPr/>
+        <p:nvPr/>
+      </p:nvGrpSpPr>
+      <p:grpSpPr>
+        <a:xfrm>
+          <a:off x="0" y="0"/>
+          <a:ext cx="0" cy="0"/>
+          <a:chOff x="0" y="0"/>
+          <a:chExt cx="0" cy="0"/>
+        </a:xfrm>
+      </p:grpSpPr>
+      <p:sp>
+        <p:nvSpPr>
+          <p:cNvPr id="4" name="Title 3">
+            <a:extLst>
+              <a:ext uri="{FF2B5EF4-FFF2-40B4-BE49-F238E27FC236}">
+                <a16:creationId xmlns:a16="http://schemas.microsoft.com/office/drawing/2014/main" id="{A874916D-0115-46D6-99B1-CBDC5F22FDA5}"/>
+              </a:ext>
+            </a:extLst>
+          </p:cNvPr>
+          <p:cNvSpPr>
+            <a:spLocks noGrp="1"/>
+          </p:cNvSpPr>
+          <p:nvPr>
+            <p:ph type="title"/>
+          </p:nvPr>
+        </p:nvSpPr>
+        <p:spPr>
+          <a:xfrm>
+            <a:off x="1162605" y="2544001"/>
+            <a:ext cx="9865266" cy="1741601"/>
+          </a:xfrm>
+        </p:spPr>
+        <p:txBody>
+          <a:bodyPr vert="horz" lIns="91440" tIns="45720" rIns="91440" bIns="45720" rtlCol="0" anchor="b">
+            <a:normAutofit/>
+          </a:bodyPr>
+          <a:lstStyle/>
+          <a:p>
+            <a:pPr algn="ctr"/>
+            <a:r>
+              <a:rPr lang="en-US" sz="5400" dirty="0" err="1">
+                <a:latin typeface="Arial Rounded MT Bold" panose="020F0704030504030204" pitchFamily="34" charset="0"/>
+              </a:rPr>
+              <a:t>Práctica</a:t>
+            </a:r>
+            <a:r>
+              <a:rPr lang="en-US" sz="5400" dirty="0">
+                <a:latin typeface="Arial Rounded MT Bold" panose="020F0704030504030204" pitchFamily="34" charset="0"/>
+              </a:rPr>
+              <a:t> 4</a:t>
+            </a:r>
+            <a:br>
+              <a:rPr lang="en-US" sz="5400" dirty="0">
+                <a:latin typeface="Arial Rounded MT Bold" panose="020F0704030504030204" pitchFamily="34" charset="0"/>
+              </a:rPr>
+            </a:br>
+            <a:r>
+              <a:rPr lang="en-US" sz="5400" dirty="0" err="1">
+                <a:latin typeface="Arial Rounded MT Bold" panose="020F0704030504030204" pitchFamily="34" charset="0"/>
+              </a:rPr>
+              <a:t>Prueba</a:t>
+            </a:r>
+            <a:r>
+              <a:rPr lang="en-US" sz="5400" dirty="0">
+                <a:latin typeface="Arial Rounded MT Bold" panose="020F0704030504030204" pitchFamily="34" charset="0"/>
+              </a:rPr>
+              <a:t> con Fixtures</a:t>
+            </a:r>
+          </a:p>
+        </p:txBody>
+      </p:sp>
+    </p:spTree>
+    <p:extLst>
+      <p:ext uri="{BB962C8B-B14F-4D97-AF65-F5344CB8AC3E}">
+        <p14:creationId xmlns:p14="http://schemas.microsoft.com/office/powerpoint/2010/main" val="1453989082"/>
+      </p:ext>
+    </p:extLst>
+  </p:cSld>
+  <p:clrMapOvr>
+    <a:masterClrMapping/>
+  </p:clrMapOvr>
+</p:sld>
+</file>
+
+<file path=ppt/slides/slide21.xml><?xml version="1.0" encoding="utf-8"?>
+<p:sld xmlns:a="http://schemas.openxmlformats.org/drawingml/2006/main" xmlns:r="http://schemas.openxmlformats.org/officeDocument/2006/relationships" xmlns:p="http://schemas.openxmlformats.org/presentationml/2006/main">
+  <p:cSld>
+    <p:spTree>
+      <p:nvGrpSpPr>
+        <p:cNvPr id="1" name=""/>
+        <p:cNvGrpSpPr/>
+        <p:nvPr/>
+      </p:nvGrpSpPr>
+      <p:grpSpPr>
+        <a:xfrm>
+          <a:off x="0" y="0"/>
+          <a:ext cx="0" cy="0"/>
+          <a:chOff x="0" y="0"/>
+          <a:chExt cx="0" cy="0"/>
+        </a:xfrm>
+      </p:grpSpPr>
+      <p:sp>
+        <p:nvSpPr>
           <p:cNvPr id="3" name="Title 2">
             <a:extLst>
               <a:ext uri="{FF2B5EF4-FFF2-40B4-BE49-F238E27FC236}">
@@ -33788,7 +35183,7 @@
 </p:sld>
 </file>
 
-<file path=ppt/slides/slide16.xml><?xml version="1.0" encoding="utf-8"?>
+<file path=ppt/slides/slide22.xml><?xml version="1.0" encoding="utf-8"?>
 <p:sld xmlns:a="http://schemas.openxmlformats.org/drawingml/2006/main" xmlns:r="http://schemas.openxmlformats.org/officeDocument/2006/relationships" xmlns:p="http://schemas.openxmlformats.org/presentationml/2006/main">
   <p:cSld>
     <p:spTree>
@@ -34486,7 +35881,7 @@
 </p:sld>
 </file>
 
-<file path=ppt/slides/slide17.xml><?xml version="1.0" encoding="utf-8"?>
+<file path=ppt/slides/slide23.xml><?xml version="1.0" encoding="utf-8"?>
 <p:sld xmlns:a="http://schemas.openxmlformats.org/drawingml/2006/main" xmlns:r="http://schemas.openxmlformats.org/officeDocument/2006/relationships" xmlns:p="http://schemas.openxmlformats.org/presentationml/2006/main">
   <p:cSld>
     <p:spTree>
@@ -34950,7 +36345,7 @@
 </p:sld>
 </file>
 
-<file path=ppt/slides/slide18.xml><?xml version="1.0" encoding="utf-8"?>
+<file path=ppt/slides/slide24.xml><?xml version="1.0" encoding="utf-8"?>
 <p:sld xmlns:a="http://schemas.openxmlformats.org/drawingml/2006/main" xmlns:r="http://schemas.openxmlformats.org/officeDocument/2006/relationships" xmlns:p="http://schemas.openxmlformats.org/presentationml/2006/main">
   <p:cSld>
     <p:spTree>
@@ -35135,7 +36530,7 @@
 </p:sld>
 </file>
 
-<file path=ppt/slides/slide19.xml><?xml version="1.0" encoding="utf-8"?>
+<file path=ppt/slides/slide25.xml><?xml version="1.0" encoding="utf-8"?>
 <p:sld xmlns:a="http://schemas.openxmlformats.org/drawingml/2006/main" xmlns:r="http://schemas.openxmlformats.org/officeDocument/2006/relationships" xmlns:p="http://schemas.openxmlformats.org/presentationml/2006/main">
   <p:cSld>
     <p:spTree>
@@ -35191,7 +36586,7 @@
               <a:rPr lang="en-US" sz="5400" dirty="0">
                 <a:latin typeface="Arial Rounded MT Bold" panose="020F0704030504030204" pitchFamily="34" charset="0"/>
               </a:rPr>
-              <a:t> 4</a:t>
+              <a:t> 5</a:t>
             </a:r>
             <a:br>
               <a:rPr lang="en-US" sz="5400" dirty="0">
@@ -35226,96 +36621,6 @@
     <p:extLst>
       <p:ext uri="{BB962C8B-B14F-4D97-AF65-F5344CB8AC3E}">
         <p14:creationId xmlns:p14="http://schemas.microsoft.com/office/powerpoint/2010/main" val="557638996"/>
-      </p:ext>
-    </p:extLst>
-  </p:cSld>
-  <p:clrMapOvr>
-    <a:masterClrMapping/>
-  </p:clrMapOvr>
-</p:sld>
-</file>
-
-<file path=ppt/slides/slide2.xml><?xml version="1.0" encoding="utf-8"?>
-<p:sld xmlns:a="http://schemas.openxmlformats.org/drawingml/2006/main" xmlns:r="http://schemas.openxmlformats.org/officeDocument/2006/relationships" xmlns:p="http://schemas.openxmlformats.org/presentationml/2006/main">
-  <p:cSld>
-    <p:spTree>
-      <p:nvGrpSpPr>
-        <p:cNvPr id="1" name=""/>
-        <p:cNvGrpSpPr/>
-        <p:nvPr/>
-      </p:nvGrpSpPr>
-      <p:grpSpPr>
-        <a:xfrm>
-          <a:off x="0" y="0"/>
-          <a:ext cx="0" cy="0"/>
-          <a:chOff x="0" y="0"/>
-          <a:chExt cx="0" cy="0"/>
-        </a:xfrm>
-      </p:grpSpPr>
-      <p:sp>
-        <p:nvSpPr>
-          <p:cNvPr id="2" name="Title 1">
-            <a:extLst>
-              <a:ext uri="{FF2B5EF4-FFF2-40B4-BE49-F238E27FC236}">
-                <a16:creationId xmlns:a16="http://schemas.microsoft.com/office/drawing/2014/main" id="{6752EE6F-2C5C-3FC5-2628-99FE25AC56B7}"/>
-              </a:ext>
-            </a:extLst>
-          </p:cNvPr>
-          <p:cNvSpPr>
-            <a:spLocks noGrp="1"/>
-          </p:cNvSpPr>
-          <p:nvPr>
-            <p:ph type="title"/>
-          </p:nvPr>
-        </p:nvSpPr>
-        <p:spPr/>
-        <p:txBody>
-          <a:bodyPr/>
-          <a:lstStyle/>
-          <a:p>
-            <a:r>
-              <a:rPr lang="en-US" dirty="0">
-                <a:latin typeface="Arial Rounded MT Bold" panose="020F0704030504030204" pitchFamily="34" charset="0"/>
-              </a:rPr>
-              <a:t>Historia</a:t>
-            </a:r>
-          </a:p>
-        </p:txBody>
-      </p:sp>
-      <p:pic>
-        <p:nvPicPr>
-          <p:cNvPr id="7" name="Picture 6">
-            <a:extLst>
-              <a:ext uri="{FF2B5EF4-FFF2-40B4-BE49-F238E27FC236}">
-                <a16:creationId xmlns:a16="http://schemas.microsoft.com/office/drawing/2014/main" id="{EAA18D17-1D61-B664-2C62-3923E2CE064C}"/>
-              </a:ext>
-            </a:extLst>
-          </p:cNvPr>
-          <p:cNvPicPr>
-            <a:picLocks noChangeAspect="1"/>
-          </p:cNvPicPr>
-          <p:nvPr/>
-        </p:nvPicPr>
-        <p:blipFill>
-          <a:blip r:embed="rId2"/>
-          <a:stretch>
-            <a:fillRect/>
-          </a:stretch>
-        </p:blipFill>
-        <p:spPr>
-          <a:xfrm>
-            <a:off x="1622658" y="1505445"/>
-            <a:ext cx="8946683" cy="5167312"/>
-          </a:xfrm>
-          <a:prstGeom prst="rect">
-            <a:avLst/>
-          </a:prstGeom>
-        </p:spPr>
-      </p:pic>
-    </p:spTree>
-    <p:extLst>
-      <p:ext uri="{BB962C8B-B14F-4D97-AF65-F5344CB8AC3E}">
-        <p14:creationId xmlns:p14="http://schemas.microsoft.com/office/powerpoint/2010/main" val="3372691527"/>
       </p:ext>
     </p:extLst>
   </p:cSld>
